--- a/Project details.pptx
+++ b/Project details.pptx
@@ -14,10 +14,15 @@
     <p:sldId id="259" r:id="rId8"/>
     <p:sldId id="260" r:id="rId9"/>
     <p:sldId id="261" r:id="rId10"/>
-    <p:sldId id="262" r:id="rId11"/>
-    <p:sldId id="263" r:id="rId12"/>
-    <p:sldId id="264" r:id="rId13"/>
-    <p:sldId id="265" r:id="rId14"/>
+    <p:sldId id="266" r:id="rId11"/>
+    <p:sldId id="262" r:id="rId12"/>
+    <p:sldId id="267" r:id="rId13"/>
+    <p:sldId id="269" r:id="rId14"/>
+    <p:sldId id="263" r:id="rId15"/>
+    <p:sldId id="268" r:id="rId16"/>
+    <p:sldId id="264" r:id="rId17"/>
+    <p:sldId id="270" r:id="rId18"/>
+    <p:sldId id="265" r:id="rId19"/>
   </p:sldIdLst>
   <p:sldSz cx="12192000" cy="6858000"/>
   <p:notesSz cx="6858000" cy="9144000"/>
@@ -846,7 +851,7 @@
           <a:p>
             <a:fld id="{9EB2CE1E-676B-463C-B255-66DA81B0B6EE}" type="datetimeFigureOut">
               <a:rPr lang="en-CA" smtClean="0"/>
-              <a:t>2022-11-14</a:t>
+              <a:t>2022-11-16</a:t>
             </a:fld>
             <a:endParaRPr lang="en-CA"/>
           </a:p>
@@ -1097,7 +1102,7 @@
           <a:p>
             <a:fld id="{9EB2CE1E-676B-463C-B255-66DA81B0B6EE}" type="datetimeFigureOut">
               <a:rPr lang="en-CA" smtClean="0"/>
-              <a:t>2022-11-14</a:t>
+              <a:t>2022-11-16</a:t>
             </a:fld>
             <a:endParaRPr lang="en-CA"/>
           </a:p>
@@ -1411,7 +1416,7 @@
           <a:p>
             <a:fld id="{9EB2CE1E-676B-463C-B255-66DA81B0B6EE}" type="datetimeFigureOut">
               <a:rPr lang="en-CA" smtClean="0"/>
-              <a:t>2022-11-14</a:t>
+              <a:t>2022-11-16</a:t>
             </a:fld>
             <a:endParaRPr lang="en-CA"/>
           </a:p>
@@ -1752,7 +1757,7 @@
           <a:p>
             <a:fld id="{9EB2CE1E-676B-463C-B255-66DA81B0B6EE}" type="datetimeFigureOut">
               <a:rPr lang="en-CA" smtClean="0"/>
-              <a:t>2022-11-14</a:t>
+              <a:t>2022-11-16</a:t>
             </a:fld>
             <a:endParaRPr lang="en-CA"/>
           </a:p>
@@ -2066,7 +2071,7 @@
           <a:p>
             <a:fld id="{9EB2CE1E-676B-463C-B255-66DA81B0B6EE}" type="datetimeFigureOut">
               <a:rPr lang="en-CA" smtClean="0"/>
-              <a:t>2022-11-14</a:t>
+              <a:t>2022-11-16</a:t>
             </a:fld>
             <a:endParaRPr lang="en-CA"/>
           </a:p>
@@ -2459,7 +2464,7 @@
           <a:p>
             <a:fld id="{9EB2CE1E-676B-463C-B255-66DA81B0B6EE}" type="datetimeFigureOut">
               <a:rPr lang="en-CA" smtClean="0"/>
-              <a:t>2022-11-14</a:t>
+              <a:t>2022-11-16</a:t>
             </a:fld>
             <a:endParaRPr lang="en-CA"/>
           </a:p>
@@ -2629,7 +2634,7 @@
           <a:p>
             <a:fld id="{9EB2CE1E-676B-463C-B255-66DA81B0B6EE}" type="datetimeFigureOut">
               <a:rPr lang="en-CA" smtClean="0"/>
-              <a:t>2022-11-14</a:t>
+              <a:t>2022-11-16</a:t>
             </a:fld>
             <a:endParaRPr lang="en-CA"/>
           </a:p>
@@ -2809,7 +2814,7 @@
           <a:p>
             <a:fld id="{9EB2CE1E-676B-463C-B255-66DA81B0B6EE}" type="datetimeFigureOut">
               <a:rPr lang="en-CA" smtClean="0"/>
-              <a:t>2022-11-14</a:t>
+              <a:t>2022-11-16</a:t>
             </a:fld>
             <a:endParaRPr lang="en-CA"/>
           </a:p>
@@ -3592,7 +3597,7 @@
           <a:p>
             <a:fld id="{9EB2CE1E-676B-463C-B255-66DA81B0B6EE}" type="datetimeFigureOut">
               <a:rPr lang="en-CA" smtClean="0"/>
-              <a:t>2022-11-14</a:t>
+              <a:t>2022-11-16</a:t>
             </a:fld>
             <a:endParaRPr lang="en-CA"/>
           </a:p>
@@ -3768,7 +3773,7 @@
           <a:p>
             <a:fld id="{9EB2CE1E-676B-463C-B255-66DA81B0B6EE}" type="datetimeFigureOut">
               <a:rPr lang="en-CA" smtClean="0"/>
-              <a:t>2022-11-14</a:t>
+              <a:t>2022-11-16</a:t>
             </a:fld>
             <a:endParaRPr lang="en-CA"/>
           </a:p>
@@ -4015,7 +4020,7 @@
           <a:p>
             <a:fld id="{9EB2CE1E-676B-463C-B255-66DA81B0B6EE}" type="datetimeFigureOut">
               <a:rPr lang="en-CA" smtClean="0"/>
-              <a:t>2022-11-14</a:t>
+              <a:t>2022-11-16</a:t>
             </a:fld>
             <a:endParaRPr lang="en-CA"/>
           </a:p>
@@ -4191,7 +4196,7 @@
           <a:p>
             <a:fld id="{9EB2CE1E-676B-463C-B255-66DA81B0B6EE}" type="datetimeFigureOut">
               <a:rPr lang="en-CA" smtClean="0"/>
-              <a:t>2022-11-14</a:t>
+              <a:t>2022-11-16</a:t>
             </a:fld>
             <a:endParaRPr lang="en-CA"/>
           </a:p>
@@ -4423,7 +4428,7 @@
           <a:p>
             <a:fld id="{9EB2CE1E-676B-463C-B255-66DA81B0B6EE}" type="datetimeFigureOut">
               <a:rPr lang="en-CA" smtClean="0"/>
-              <a:t>2022-11-14</a:t>
+              <a:t>2022-11-16</a:t>
             </a:fld>
             <a:endParaRPr lang="en-CA"/>
           </a:p>
@@ -4797,7 +4802,7 @@
           <a:p>
             <a:fld id="{9EB2CE1E-676B-463C-B255-66DA81B0B6EE}" type="datetimeFigureOut">
               <a:rPr lang="en-CA" smtClean="0"/>
-              <a:t>2022-11-14</a:t>
+              <a:t>2022-11-16</a:t>
             </a:fld>
             <a:endParaRPr lang="en-CA"/>
           </a:p>
@@ -4920,7 +4925,7 @@
           <a:p>
             <a:fld id="{9EB2CE1E-676B-463C-B255-66DA81B0B6EE}" type="datetimeFigureOut">
               <a:rPr lang="en-CA" smtClean="0"/>
-              <a:t>2022-11-14</a:t>
+              <a:t>2022-11-16</a:t>
             </a:fld>
             <a:endParaRPr lang="en-CA"/>
           </a:p>
@@ -5015,7 +5020,7 @@
           <a:p>
             <a:fld id="{9EB2CE1E-676B-463C-B255-66DA81B0B6EE}" type="datetimeFigureOut">
               <a:rPr lang="en-CA" smtClean="0"/>
-              <a:t>2022-11-14</a:t>
+              <a:t>2022-11-16</a:t>
             </a:fld>
             <a:endParaRPr lang="en-CA"/>
           </a:p>
@@ -5270,7 +5275,7 @@
           <a:p>
             <a:fld id="{9EB2CE1E-676B-463C-B255-66DA81B0B6EE}" type="datetimeFigureOut">
               <a:rPr lang="en-CA" smtClean="0"/>
-              <a:t>2022-11-14</a:t>
+              <a:t>2022-11-16</a:t>
             </a:fld>
             <a:endParaRPr lang="en-CA"/>
           </a:p>
@@ -5533,7 +5538,7 @@
           <a:p>
             <a:fld id="{9EB2CE1E-676B-463C-B255-66DA81B0B6EE}" type="datetimeFigureOut">
               <a:rPr lang="en-CA" smtClean="0"/>
-              <a:t>2022-11-14</a:t>
+              <a:t>2022-11-16</a:t>
             </a:fld>
             <a:endParaRPr lang="en-CA"/>
           </a:p>
@@ -5784,7 +5789,7 @@
           <a:p>
             <a:fld id="{9EB2CE1E-676B-463C-B255-66DA81B0B6EE}" type="datetimeFigureOut">
               <a:rPr lang="en-CA" smtClean="0"/>
-              <a:t>2022-11-14</a:t>
+              <a:t>2022-11-16</a:t>
             </a:fld>
             <a:endParaRPr lang="en-CA"/>
           </a:p>
@@ -6098,7 +6103,7 @@
           <a:p>
             <a:fld id="{9EB2CE1E-676B-463C-B255-66DA81B0B6EE}" type="datetimeFigureOut">
               <a:rPr lang="en-CA" smtClean="0"/>
-              <a:t>2022-11-14</a:t>
+              <a:t>2022-11-16</a:t>
             </a:fld>
             <a:endParaRPr lang="en-CA"/>
           </a:p>
@@ -6439,7 +6444,7 @@
           <a:p>
             <a:fld id="{9EB2CE1E-676B-463C-B255-66DA81B0B6EE}" type="datetimeFigureOut">
               <a:rPr lang="en-CA" smtClean="0"/>
-              <a:t>2022-11-14</a:t>
+              <a:t>2022-11-16</a:t>
             </a:fld>
             <a:endParaRPr lang="en-CA"/>
           </a:p>
@@ -6753,7 +6758,7 @@
           <a:p>
             <a:fld id="{9EB2CE1E-676B-463C-B255-66DA81B0B6EE}" type="datetimeFigureOut">
               <a:rPr lang="en-CA" smtClean="0"/>
-              <a:t>2022-11-14</a:t>
+              <a:t>2022-11-16</a:t>
             </a:fld>
             <a:endParaRPr lang="en-CA"/>
           </a:p>
@@ -7082,7 +7087,7 @@
           <a:p>
             <a:fld id="{9EB2CE1E-676B-463C-B255-66DA81B0B6EE}" type="datetimeFigureOut">
               <a:rPr lang="en-CA" smtClean="0"/>
-              <a:t>2022-11-14</a:t>
+              <a:t>2022-11-16</a:t>
             </a:fld>
             <a:endParaRPr lang="en-CA"/>
           </a:p>
@@ -7393,7 +7398,7 @@
           <a:p>
             <a:fld id="{9EB2CE1E-676B-463C-B255-66DA81B0B6EE}" type="datetimeFigureOut">
               <a:rPr lang="en-CA" smtClean="0"/>
-              <a:t>2022-11-14</a:t>
+              <a:t>2022-11-16</a:t>
             </a:fld>
             <a:endParaRPr lang="en-CA"/>
           </a:p>
@@ -7563,7 +7568,7 @@
           <a:p>
             <a:fld id="{9EB2CE1E-676B-463C-B255-66DA81B0B6EE}" type="datetimeFigureOut">
               <a:rPr lang="en-CA" smtClean="0"/>
-              <a:t>2022-11-14</a:t>
+              <a:t>2022-11-16</a:t>
             </a:fld>
             <a:endParaRPr lang="en-CA"/>
           </a:p>
@@ -7743,7 +7748,7 @@
           <a:p>
             <a:fld id="{9EB2CE1E-676B-463C-B255-66DA81B0B6EE}" type="datetimeFigureOut">
               <a:rPr lang="en-CA" smtClean="0"/>
-              <a:t>2022-11-14</a:t>
+              <a:t>2022-11-16</a:t>
             </a:fld>
             <a:endParaRPr lang="en-CA"/>
           </a:p>
@@ -8526,7 +8531,7 @@
           <a:p>
             <a:fld id="{9EB2CE1E-676B-463C-B255-66DA81B0B6EE}" type="datetimeFigureOut">
               <a:rPr lang="en-CA" smtClean="0"/>
-              <a:t>2022-11-14</a:t>
+              <a:t>2022-11-16</a:t>
             </a:fld>
             <a:endParaRPr lang="en-CA"/>
           </a:p>
@@ -8702,7 +8707,7 @@
           <a:p>
             <a:fld id="{9EB2CE1E-676B-463C-B255-66DA81B0B6EE}" type="datetimeFigureOut">
               <a:rPr lang="en-CA" smtClean="0"/>
-              <a:t>2022-11-14</a:t>
+              <a:t>2022-11-16</a:t>
             </a:fld>
             <a:endParaRPr lang="en-CA"/>
           </a:p>
@@ -8949,7 +8954,7 @@
           <a:p>
             <a:fld id="{9EB2CE1E-676B-463C-B255-66DA81B0B6EE}" type="datetimeFigureOut">
               <a:rPr lang="en-CA" smtClean="0"/>
-              <a:t>2022-11-14</a:t>
+              <a:t>2022-11-16</a:t>
             </a:fld>
             <a:endParaRPr lang="en-CA"/>
           </a:p>
@@ -9181,7 +9186,7 @@
           <a:p>
             <a:fld id="{9EB2CE1E-676B-463C-B255-66DA81B0B6EE}" type="datetimeFigureOut">
               <a:rPr lang="en-CA" smtClean="0"/>
-              <a:t>2022-11-14</a:t>
+              <a:t>2022-11-16</a:t>
             </a:fld>
             <a:endParaRPr lang="en-CA"/>
           </a:p>
@@ -9555,7 +9560,7 @@
           <a:p>
             <a:fld id="{9EB2CE1E-676B-463C-B255-66DA81B0B6EE}" type="datetimeFigureOut">
               <a:rPr lang="en-CA" smtClean="0"/>
-              <a:t>2022-11-14</a:t>
+              <a:t>2022-11-16</a:t>
             </a:fld>
             <a:endParaRPr lang="en-CA"/>
           </a:p>
@@ -9678,7 +9683,7 @@
           <a:p>
             <a:fld id="{9EB2CE1E-676B-463C-B255-66DA81B0B6EE}" type="datetimeFigureOut">
               <a:rPr lang="en-CA" smtClean="0"/>
-              <a:t>2022-11-14</a:t>
+              <a:t>2022-11-16</a:t>
             </a:fld>
             <a:endParaRPr lang="en-CA"/>
           </a:p>
@@ -9773,7 +9778,7 @@
           <a:p>
             <a:fld id="{9EB2CE1E-676B-463C-B255-66DA81B0B6EE}" type="datetimeFigureOut">
               <a:rPr lang="en-CA" smtClean="0"/>
-              <a:t>2022-11-14</a:t>
+              <a:t>2022-11-16</a:t>
             </a:fld>
             <a:endParaRPr lang="en-CA"/>
           </a:p>
@@ -10005,7 +10010,7 @@
           <a:p>
             <a:fld id="{9EB2CE1E-676B-463C-B255-66DA81B0B6EE}" type="datetimeFigureOut">
               <a:rPr lang="en-CA" smtClean="0"/>
-              <a:t>2022-11-14</a:t>
+              <a:t>2022-11-16</a:t>
             </a:fld>
             <a:endParaRPr lang="en-CA"/>
           </a:p>
@@ -10260,7 +10265,7 @@
           <a:p>
             <a:fld id="{9EB2CE1E-676B-463C-B255-66DA81B0B6EE}" type="datetimeFigureOut">
               <a:rPr lang="en-CA" smtClean="0"/>
-              <a:t>2022-11-14</a:t>
+              <a:t>2022-11-16</a:t>
             </a:fld>
             <a:endParaRPr lang="en-CA"/>
           </a:p>
@@ -10523,7 +10528,7 @@
           <a:p>
             <a:fld id="{9EB2CE1E-676B-463C-B255-66DA81B0B6EE}" type="datetimeFigureOut">
               <a:rPr lang="en-CA" smtClean="0"/>
-              <a:t>2022-11-14</a:t>
+              <a:t>2022-11-16</a:t>
             </a:fld>
             <a:endParaRPr lang="en-CA"/>
           </a:p>
@@ -10774,7 +10779,7 @@
           <a:p>
             <a:fld id="{9EB2CE1E-676B-463C-B255-66DA81B0B6EE}" type="datetimeFigureOut">
               <a:rPr lang="en-CA" smtClean="0"/>
-              <a:t>2022-11-14</a:t>
+              <a:t>2022-11-16</a:t>
             </a:fld>
             <a:endParaRPr lang="en-CA"/>
           </a:p>
@@ -11088,7 +11093,7 @@
           <a:p>
             <a:fld id="{9EB2CE1E-676B-463C-B255-66DA81B0B6EE}" type="datetimeFigureOut">
               <a:rPr lang="en-CA" smtClean="0"/>
-              <a:t>2022-11-14</a:t>
+              <a:t>2022-11-16</a:t>
             </a:fld>
             <a:endParaRPr lang="en-CA"/>
           </a:p>
@@ -11429,7 +11434,7 @@
           <a:p>
             <a:fld id="{9EB2CE1E-676B-463C-B255-66DA81B0B6EE}" type="datetimeFigureOut">
               <a:rPr lang="en-CA" smtClean="0"/>
-              <a:t>2022-11-14</a:t>
+              <a:t>2022-11-16</a:t>
             </a:fld>
             <a:endParaRPr lang="en-CA"/>
           </a:p>
@@ -11743,7 +11748,7 @@
           <a:p>
             <a:fld id="{9EB2CE1E-676B-463C-B255-66DA81B0B6EE}" type="datetimeFigureOut">
               <a:rPr lang="en-CA" smtClean="0"/>
-              <a:t>2022-11-14</a:t>
+              <a:t>2022-11-16</a:t>
             </a:fld>
             <a:endParaRPr lang="en-CA"/>
           </a:p>
@@ -12136,7 +12141,7 @@
           <a:p>
             <a:fld id="{9EB2CE1E-676B-463C-B255-66DA81B0B6EE}" type="datetimeFigureOut">
               <a:rPr lang="en-CA" smtClean="0"/>
-              <a:t>2022-11-14</a:t>
+              <a:t>2022-11-16</a:t>
             </a:fld>
             <a:endParaRPr lang="en-CA"/>
           </a:p>
@@ -12306,7 +12311,7 @@
           <a:p>
             <a:fld id="{9EB2CE1E-676B-463C-B255-66DA81B0B6EE}" type="datetimeFigureOut">
               <a:rPr lang="en-CA" smtClean="0"/>
-              <a:t>2022-11-14</a:t>
+              <a:t>2022-11-16</a:t>
             </a:fld>
             <a:endParaRPr lang="en-CA"/>
           </a:p>
@@ -12486,7 +12491,7 @@
           <a:p>
             <a:fld id="{9EB2CE1E-676B-463C-B255-66DA81B0B6EE}" type="datetimeFigureOut">
               <a:rPr lang="en-CA" smtClean="0"/>
-              <a:t>2022-11-14</a:t>
+              <a:t>2022-11-16</a:t>
             </a:fld>
             <a:endParaRPr lang="en-CA"/>
           </a:p>
@@ -13269,7 +13274,7 @@
           <a:p>
             <a:fld id="{9EB2CE1E-676B-463C-B255-66DA81B0B6EE}" type="datetimeFigureOut">
               <a:rPr lang="en-CA" smtClean="0"/>
-              <a:t>2022-11-14</a:t>
+              <a:t>2022-11-16</a:t>
             </a:fld>
             <a:endParaRPr lang="en-CA"/>
           </a:p>
@@ -13643,7 +13648,7 @@
           <a:p>
             <a:fld id="{9EB2CE1E-676B-463C-B255-66DA81B0B6EE}" type="datetimeFigureOut">
               <a:rPr lang="en-CA" smtClean="0"/>
-              <a:t>2022-11-14</a:t>
+              <a:t>2022-11-16</a:t>
             </a:fld>
             <a:endParaRPr lang="en-CA"/>
           </a:p>
@@ -13819,7 +13824,7 @@
           <a:p>
             <a:fld id="{9EB2CE1E-676B-463C-B255-66DA81B0B6EE}" type="datetimeFigureOut">
               <a:rPr lang="en-CA" smtClean="0"/>
-              <a:t>2022-11-14</a:t>
+              <a:t>2022-11-16</a:t>
             </a:fld>
             <a:endParaRPr lang="en-CA"/>
           </a:p>
@@ -14066,7 +14071,7 @@
           <a:p>
             <a:fld id="{9EB2CE1E-676B-463C-B255-66DA81B0B6EE}" type="datetimeFigureOut">
               <a:rPr lang="en-CA" smtClean="0"/>
-              <a:t>2022-11-14</a:t>
+              <a:t>2022-11-16</a:t>
             </a:fld>
             <a:endParaRPr lang="en-CA"/>
           </a:p>
@@ -14298,7 +14303,7 @@
           <a:p>
             <a:fld id="{9EB2CE1E-676B-463C-B255-66DA81B0B6EE}" type="datetimeFigureOut">
               <a:rPr lang="en-CA" smtClean="0"/>
-              <a:t>2022-11-14</a:t>
+              <a:t>2022-11-16</a:t>
             </a:fld>
             <a:endParaRPr lang="en-CA"/>
           </a:p>
@@ -14672,7 +14677,7 @@
           <a:p>
             <a:fld id="{9EB2CE1E-676B-463C-B255-66DA81B0B6EE}" type="datetimeFigureOut">
               <a:rPr lang="en-CA" smtClean="0"/>
-              <a:t>2022-11-14</a:t>
+              <a:t>2022-11-16</a:t>
             </a:fld>
             <a:endParaRPr lang="en-CA"/>
           </a:p>
@@ -14795,7 +14800,7 @@
           <a:p>
             <a:fld id="{9EB2CE1E-676B-463C-B255-66DA81B0B6EE}" type="datetimeFigureOut">
               <a:rPr lang="en-CA" smtClean="0"/>
-              <a:t>2022-11-14</a:t>
+              <a:t>2022-11-16</a:t>
             </a:fld>
             <a:endParaRPr lang="en-CA"/>
           </a:p>
@@ -14890,7 +14895,7 @@
           <a:p>
             <a:fld id="{9EB2CE1E-676B-463C-B255-66DA81B0B6EE}" type="datetimeFigureOut">
               <a:rPr lang="en-CA" smtClean="0"/>
-              <a:t>2022-11-14</a:t>
+              <a:t>2022-11-16</a:t>
             </a:fld>
             <a:endParaRPr lang="en-CA"/>
           </a:p>
@@ -15145,7 +15150,7 @@
           <a:p>
             <a:fld id="{9EB2CE1E-676B-463C-B255-66DA81B0B6EE}" type="datetimeFigureOut">
               <a:rPr lang="en-CA" smtClean="0"/>
-              <a:t>2022-11-14</a:t>
+              <a:t>2022-11-16</a:t>
             </a:fld>
             <a:endParaRPr lang="en-CA"/>
           </a:p>
@@ -15408,7 +15413,7 @@
           <a:p>
             <a:fld id="{9EB2CE1E-676B-463C-B255-66DA81B0B6EE}" type="datetimeFigureOut">
               <a:rPr lang="en-CA" smtClean="0"/>
-              <a:t>2022-11-14</a:t>
+              <a:t>2022-11-16</a:t>
             </a:fld>
             <a:endParaRPr lang="en-CA"/>
           </a:p>
@@ -15659,7 +15664,7 @@
           <a:p>
             <a:fld id="{9EB2CE1E-676B-463C-B255-66DA81B0B6EE}" type="datetimeFigureOut">
               <a:rPr lang="en-CA" smtClean="0"/>
-              <a:t>2022-11-14</a:t>
+              <a:t>2022-11-16</a:t>
             </a:fld>
             <a:endParaRPr lang="en-CA"/>
           </a:p>
@@ -15973,7 +15978,7 @@
           <a:p>
             <a:fld id="{9EB2CE1E-676B-463C-B255-66DA81B0B6EE}" type="datetimeFigureOut">
               <a:rPr lang="en-CA" smtClean="0"/>
-              <a:t>2022-11-14</a:t>
+              <a:t>2022-11-16</a:t>
             </a:fld>
             <a:endParaRPr lang="en-CA"/>
           </a:p>
@@ -16186,7 +16191,7 @@
           <a:p>
             <a:fld id="{9EB2CE1E-676B-463C-B255-66DA81B0B6EE}" type="datetimeFigureOut">
               <a:rPr lang="en-CA" smtClean="0"/>
-              <a:t>2022-11-14</a:t>
+              <a:t>2022-11-16</a:t>
             </a:fld>
             <a:endParaRPr lang="en-CA"/>
           </a:p>
@@ -16437,7 +16442,7 @@
           <a:p>
             <a:fld id="{9EB2CE1E-676B-463C-B255-66DA81B0B6EE}" type="datetimeFigureOut">
               <a:rPr lang="en-CA" smtClean="0"/>
-              <a:t>2022-11-14</a:t>
+              <a:t>2022-11-16</a:t>
             </a:fld>
             <a:endParaRPr lang="en-CA"/>
           </a:p>
@@ -16751,7 +16756,7 @@
           <a:p>
             <a:fld id="{9EB2CE1E-676B-463C-B255-66DA81B0B6EE}" type="datetimeFigureOut">
               <a:rPr lang="en-CA" smtClean="0"/>
-              <a:t>2022-11-14</a:t>
+              <a:t>2022-11-16</a:t>
             </a:fld>
             <a:endParaRPr lang="en-CA"/>
           </a:p>
@@ -17144,7 +17149,7 @@
           <a:p>
             <a:fld id="{9EB2CE1E-676B-463C-B255-66DA81B0B6EE}" type="datetimeFigureOut">
               <a:rPr lang="en-CA" smtClean="0"/>
-              <a:t>2022-11-14</a:t>
+              <a:t>2022-11-16</a:t>
             </a:fld>
             <a:endParaRPr lang="en-CA"/>
           </a:p>
@@ -17314,7 +17319,7 @@
           <a:p>
             <a:fld id="{9EB2CE1E-676B-463C-B255-66DA81B0B6EE}" type="datetimeFigureOut">
               <a:rPr lang="en-CA" smtClean="0"/>
-              <a:t>2022-11-14</a:t>
+              <a:t>2022-11-16</a:t>
             </a:fld>
             <a:endParaRPr lang="en-CA"/>
           </a:p>
@@ -17494,7 +17499,7 @@
           <a:p>
             <a:fld id="{9EB2CE1E-676B-463C-B255-66DA81B0B6EE}" type="datetimeFigureOut">
               <a:rPr lang="en-CA" smtClean="0"/>
-              <a:t>2022-11-14</a:t>
+              <a:t>2022-11-16</a:t>
             </a:fld>
             <a:endParaRPr lang="en-CA"/>
           </a:p>
@@ -18277,7 +18282,7 @@
           <a:p>
             <a:fld id="{9EB2CE1E-676B-463C-B255-66DA81B0B6EE}" type="datetimeFigureOut">
               <a:rPr lang="en-CA" smtClean="0"/>
-              <a:t>2022-11-14</a:t>
+              <a:t>2022-11-16</a:t>
             </a:fld>
             <a:endParaRPr lang="en-CA"/>
           </a:p>
@@ -18453,7 +18458,7 @@
           <a:p>
             <a:fld id="{9EB2CE1E-676B-463C-B255-66DA81B0B6EE}" type="datetimeFigureOut">
               <a:rPr lang="en-CA" smtClean="0"/>
-              <a:t>2022-11-14</a:t>
+              <a:t>2022-11-16</a:t>
             </a:fld>
             <a:endParaRPr lang="en-CA"/>
           </a:p>
@@ -18700,7 +18705,7 @@
           <a:p>
             <a:fld id="{9EB2CE1E-676B-463C-B255-66DA81B0B6EE}" type="datetimeFigureOut">
               <a:rPr lang="en-CA" smtClean="0"/>
-              <a:t>2022-11-14</a:t>
+              <a:t>2022-11-16</a:t>
             </a:fld>
             <a:endParaRPr lang="en-CA"/>
           </a:p>
@@ -18932,7 +18937,7 @@
           <a:p>
             <a:fld id="{9EB2CE1E-676B-463C-B255-66DA81B0B6EE}" type="datetimeFigureOut">
               <a:rPr lang="en-CA" smtClean="0"/>
-              <a:t>2022-11-14</a:t>
+              <a:t>2022-11-16</a:t>
             </a:fld>
             <a:endParaRPr lang="en-CA"/>
           </a:p>
@@ -19306,7 +19311,7 @@
           <a:p>
             <a:fld id="{9EB2CE1E-676B-463C-B255-66DA81B0B6EE}" type="datetimeFigureOut">
               <a:rPr lang="en-CA" smtClean="0"/>
-              <a:t>2022-11-14</a:t>
+              <a:t>2022-11-16</a:t>
             </a:fld>
             <a:endParaRPr lang="en-CA"/>
           </a:p>
@@ -19401,7 +19406,7 @@
           <a:p>
             <a:fld id="{9EB2CE1E-676B-463C-B255-66DA81B0B6EE}" type="datetimeFigureOut">
               <a:rPr lang="en-CA" smtClean="0"/>
-              <a:t>2022-11-14</a:t>
+              <a:t>2022-11-16</a:t>
             </a:fld>
             <a:endParaRPr lang="en-CA"/>
           </a:p>
@@ -19524,7 +19529,7 @@
           <a:p>
             <a:fld id="{9EB2CE1E-676B-463C-B255-66DA81B0B6EE}" type="datetimeFigureOut">
               <a:rPr lang="en-CA" smtClean="0"/>
-              <a:t>2022-11-14</a:t>
+              <a:t>2022-11-16</a:t>
             </a:fld>
             <a:endParaRPr lang="en-CA"/>
           </a:p>
@@ -19619,7 +19624,7 @@
           <a:p>
             <a:fld id="{9EB2CE1E-676B-463C-B255-66DA81B0B6EE}" type="datetimeFigureOut">
               <a:rPr lang="en-CA" smtClean="0"/>
-              <a:t>2022-11-14</a:t>
+              <a:t>2022-11-16</a:t>
             </a:fld>
             <a:endParaRPr lang="en-CA"/>
           </a:p>
@@ -19874,7 +19879,7 @@
           <a:p>
             <a:fld id="{9EB2CE1E-676B-463C-B255-66DA81B0B6EE}" type="datetimeFigureOut">
               <a:rPr lang="en-CA" smtClean="0"/>
-              <a:t>2022-11-14</a:t>
+              <a:t>2022-11-16</a:t>
             </a:fld>
             <a:endParaRPr lang="en-CA"/>
           </a:p>
@@ -20137,7 +20142,7 @@
           <a:p>
             <a:fld id="{9EB2CE1E-676B-463C-B255-66DA81B0B6EE}" type="datetimeFigureOut">
               <a:rPr lang="en-CA" smtClean="0"/>
-              <a:t>2022-11-14</a:t>
+              <a:t>2022-11-16</a:t>
             </a:fld>
             <a:endParaRPr lang="en-CA"/>
           </a:p>
@@ -20388,7 +20393,7 @@
           <a:p>
             <a:fld id="{9EB2CE1E-676B-463C-B255-66DA81B0B6EE}" type="datetimeFigureOut">
               <a:rPr lang="en-CA" smtClean="0"/>
-              <a:t>2022-11-14</a:t>
+              <a:t>2022-11-16</a:t>
             </a:fld>
             <a:endParaRPr lang="en-CA"/>
           </a:p>
@@ -20702,7 +20707,7 @@
           <a:p>
             <a:fld id="{9EB2CE1E-676B-463C-B255-66DA81B0B6EE}" type="datetimeFigureOut">
               <a:rPr lang="en-CA" smtClean="0"/>
-              <a:t>2022-11-14</a:t>
+              <a:t>2022-11-16</a:t>
             </a:fld>
             <a:endParaRPr lang="en-CA"/>
           </a:p>
@@ -21043,7 +21048,7 @@
           <a:p>
             <a:fld id="{9EB2CE1E-676B-463C-B255-66DA81B0B6EE}" type="datetimeFigureOut">
               <a:rPr lang="en-CA" smtClean="0"/>
-              <a:t>2022-11-14</a:t>
+              <a:t>2022-11-16</a:t>
             </a:fld>
             <a:endParaRPr lang="en-CA"/>
           </a:p>
@@ -21357,7 +21362,7 @@
           <a:p>
             <a:fld id="{9EB2CE1E-676B-463C-B255-66DA81B0B6EE}" type="datetimeFigureOut">
               <a:rPr lang="en-CA" smtClean="0"/>
-              <a:t>2022-11-14</a:t>
+              <a:t>2022-11-16</a:t>
             </a:fld>
             <a:endParaRPr lang="en-CA"/>
           </a:p>
@@ -21750,7 +21755,7 @@
           <a:p>
             <a:fld id="{9EB2CE1E-676B-463C-B255-66DA81B0B6EE}" type="datetimeFigureOut">
               <a:rPr lang="en-CA" smtClean="0"/>
-              <a:t>2022-11-14</a:t>
+              <a:t>2022-11-16</a:t>
             </a:fld>
             <a:endParaRPr lang="en-CA"/>
           </a:p>
@@ -21920,7 +21925,7 @@
           <a:p>
             <a:fld id="{9EB2CE1E-676B-463C-B255-66DA81B0B6EE}" type="datetimeFigureOut">
               <a:rPr lang="en-CA" smtClean="0"/>
-              <a:t>2022-11-14</a:t>
+              <a:t>2022-11-16</a:t>
             </a:fld>
             <a:endParaRPr lang="en-CA"/>
           </a:p>
@@ -22175,7 +22180,7 @@
           <a:p>
             <a:fld id="{9EB2CE1E-676B-463C-B255-66DA81B0B6EE}" type="datetimeFigureOut">
               <a:rPr lang="en-CA" smtClean="0"/>
-              <a:t>2022-11-14</a:t>
+              <a:t>2022-11-16</a:t>
             </a:fld>
             <a:endParaRPr lang="en-CA"/>
           </a:p>
@@ -22355,7 +22360,7 @@
           <a:p>
             <a:fld id="{9EB2CE1E-676B-463C-B255-66DA81B0B6EE}" type="datetimeFigureOut">
               <a:rPr lang="en-CA" smtClean="0"/>
-              <a:t>2022-11-14</a:t>
+              <a:t>2022-11-16</a:t>
             </a:fld>
             <a:endParaRPr lang="en-CA"/>
           </a:p>
@@ -22618,7 +22623,7 @@
           <a:p>
             <a:fld id="{9EB2CE1E-676B-463C-B255-66DA81B0B6EE}" type="datetimeFigureOut">
               <a:rPr lang="en-CA" smtClean="0"/>
-              <a:t>2022-11-14</a:t>
+              <a:t>2022-11-16</a:t>
             </a:fld>
             <a:endParaRPr lang="en-CA"/>
           </a:p>
@@ -23361,7 +23366,7 @@
           <a:p>
             <a:fld id="{9EB2CE1E-676B-463C-B255-66DA81B0B6EE}" type="datetimeFigureOut">
               <a:rPr lang="en-CA" smtClean="0"/>
-              <a:t>2022-11-14</a:t>
+              <a:t>2022-11-16</a:t>
             </a:fld>
             <a:endParaRPr lang="en-CA"/>
           </a:p>
@@ -24550,7 +24555,7 @@
           <a:p>
             <a:fld id="{9EB2CE1E-676B-463C-B255-66DA81B0B6EE}" type="datetimeFigureOut">
               <a:rPr lang="en-CA" smtClean="0"/>
-              <a:t>2022-11-14</a:t>
+              <a:t>2022-11-16</a:t>
             </a:fld>
             <a:endParaRPr lang="en-CA"/>
           </a:p>
@@ -25739,7 +25744,7 @@
           <a:p>
             <a:fld id="{9EB2CE1E-676B-463C-B255-66DA81B0B6EE}" type="datetimeFigureOut">
               <a:rPr lang="en-CA" smtClean="0"/>
-              <a:t>2022-11-14</a:t>
+              <a:t>2022-11-16</a:t>
             </a:fld>
             <a:endParaRPr lang="en-CA"/>
           </a:p>
@@ -26928,7 +26933,7 @@
           <a:p>
             <a:fld id="{9EB2CE1E-676B-463C-B255-66DA81B0B6EE}" type="datetimeFigureOut">
               <a:rPr lang="en-CA" smtClean="0"/>
-              <a:t>2022-11-14</a:t>
+              <a:t>2022-11-16</a:t>
             </a:fld>
             <a:endParaRPr lang="en-CA"/>
           </a:p>
@@ -28117,7 +28122,7 @@
           <a:p>
             <a:fld id="{9EB2CE1E-676B-463C-B255-66DA81B0B6EE}" type="datetimeFigureOut">
               <a:rPr lang="en-CA" smtClean="0"/>
-              <a:t>2022-11-14</a:t>
+              <a:t>2022-11-16</a:t>
             </a:fld>
             <a:endParaRPr lang="en-CA"/>
           </a:p>
@@ -28727,6 +28732,586 @@
 </p:sld>
 </file>
 
+<file path=ppt/slides/slide10.xml><?xml version="1.0" encoding="utf-8"?>
+<p:sld xmlns:a="http://schemas.openxmlformats.org/drawingml/2006/main" xmlns:r="http://schemas.openxmlformats.org/officeDocument/2006/relationships" xmlns:p="http://schemas.openxmlformats.org/presentationml/2006/main">
+  <p:cSld>
+    <p:spTree>
+      <p:nvGrpSpPr>
+        <p:cNvPr id="1" name=""/>
+        <p:cNvGrpSpPr/>
+        <p:nvPr/>
+      </p:nvGrpSpPr>
+      <p:grpSpPr>
+        <a:xfrm>
+          <a:off x="0" y="0"/>
+          <a:ext cx="0" cy="0"/>
+          <a:chOff x="0" y="0"/>
+          <a:chExt cx="0" cy="0"/>
+        </a:xfrm>
+      </p:grpSpPr>
+      <p:sp>
+        <p:nvSpPr>
+          <p:cNvPr id="2" name="Title 1">
+            <a:extLst>
+              <a:ext uri="{FF2B5EF4-FFF2-40B4-BE49-F238E27FC236}">
+                <a16:creationId xmlns:a16="http://schemas.microsoft.com/office/drawing/2014/main" id="{D20E188C-A83F-3BD2-88B0-1E8F25A30CB6}"/>
+              </a:ext>
+            </a:extLst>
+          </p:cNvPr>
+          <p:cNvSpPr>
+            <a:spLocks noGrp="1"/>
+          </p:cNvSpPr>
+          <p:nvPr>
+            <p:ph type="title"/>
+          </p:nvPr>
+        </p:nvSpPr>
+        <p:spPr/>
+        <p:txBody>
+          <a:bodyPr/>
+          <a:lstStyle/>
+          <a:p>
+            <a:r>
+              <a:rPr lang="en-CA" dirty="0"/>
+              <a:t>5. </a:t>
+            </a:r>
+            <a:r>
+              <a:rPr lang="en-CA" u="sng" dirty="0"/>
+              <a:t>Visualizing Reports and Telling Stories Using Tableau  </a:t>
+            </a:r>
+          </a:p>
+        </p:txBody>
+      </p:sp>
+      <p:sp>
+        <p:nvSpPr>
+          <p:cNvPr id="3" name="Content Placeholder 2">
+            <a:extLst>
+              <a:ext uri="{FF2B5EF4-FFF2-40B4-BE49-F238E27FC236}">
+                <a16:creationId xmlns:a16="http://schemas.microsoft.com/office/drawing/2014/main" id="{C54C3E01-9804-02A3-B594-B90FEBF8DE39}"/>
+              </a:ext>
+            </a:extLst>
+          </p:cNvPr>
+          <p:cNvSpPr>
+            <a:spLocks noGrp="1"/>
+          </p:cNvSpPr>
+          <p:nvPr>
+            <p:ph idx="1"/>
+          </p:nvPr>
+        </p:nvSpPr>
+        <p:spPr/>
+        <p:txBody>
+          <a:bodyPr/>
+          <a:lstStyle/>
+          <a:p>
+            <a:r>
+              <a:rPr lang="en-CA" dirty="0"/>
+              <a:t>The reports created in SQL (Pg Admin) will be used to visualize information in Tableau.</a:t>
+            </a:r>
+          </a:p>
+          <a:p>
+            <a:r>
+              <a:rPr lang="en-CA" dirty="0"/>
+              <a:t>Based on various reports visualized, we will create a story, explaining facts about the  superstore </a:t>
+            </a:r>
+            <a:r>
+              <a:rPr lang="en-CA" dirty="0" err="1"/>
+              <a:t>i.e</a:t>
+            </a:r>
+            <a:r>
+              <a:rPr lang="en-CA" dirty="0"/>
+              <a:t> displaying  revenue growth over time, customer profit analysis, distribution of revenue over various geographical locations.</a:t>
+            </a:r>
+          </a:p>
+          <a:p>
+            <a:r>
+              <a:rPr lang="en-CA" dirty="0"/>
+              <a:t>Visualize sales over time to display trend to understand which months of the year we have higher sales and which months are characterized as  slow sales. This will help to plan stocking of  inventories to ensure we are not overstocking inventories when sales are slow and not understocking when sales are more during specific month of the year.</a:t>
+            </a:r>
+          </a:p>
+          <a:p>
+            <a:r>
+              <a:rPr lang="en-CA" dirty="0"/>
+              <a:t>We will present various what if scenario’s to explain what will be the profit if we change shipping mode, sales with and without discount etc. </a:t>
+            </a:r>
+          </a:p>
+        </p:txBody>
+      </p:sp>
+    </p:spTree>
+    <p:extLst>
+      <p:ext uri="{BB962C8B-B14F-4D97-AF65-F5344CB8AC3E}">
+        <p14:creationId xmlns:p14="http://schemas.microsoft.com/office/powerpoint/2010/main" val="3668116501"/>
+      </p:ext>
+    </p:extLst>
+  </p:cSld>
+  <p:clrMapOvr>
+    <a:masterClrMapping/>
+  </p:clrMapOvr>
+</p:sld>
+</file>
+
+<file path=ppt/slides/slide11.xml><?xml version="1.0" encoding="utf-8"?>
+<p:sld xmlns:a="http://schemas.openxmlformats.org/drawingml/2006/main" xmlns:r="http://schemas.openxmlformats.org/officeDocument/2006/relationships" xmlns:p="http://schemas.openxmlformats.org/presentationml/2006/main">
+  <p:cSld>
+    <p:spTree>
+      <p:nvGrpSpPr>
+        <p:cNvPr id="1" name=""/>
+        <p:cNvGrpSpPr/>
+        <p:nvPr/>
+      </p:nvGrpSpPr>
+      <p:grpSpPr>
+        <a:xfrm>
+          <a:off x="0" y="0"/>
+          <a:ext cx="0" cy="0"/>
+          <a:chOff x="0" y="0"/>
+          <a:chExt cx="0" cy="0"/>
+        </a:xfrm>
+      </p:grpSpPr>
+      <p:sp>
+        <p:nvSpPr>
+          <p:cNvPr id="2" name="Title 1">
+            <a:extLst>
+              <a:ext uri="{FF2B5EF4-FFF2-40B4-BE49-F238E27FC236}">
+                <a16:creationId xmlns:a16="http://schemas.microsoft.com/office/drawing/2014/main" id="{D20E188C-A83F-3BD2-88B0-1E8F25A30CB6}"/>
+              </a:ext>
+            </a:extLst>
+          </p:cNvPr>
+          <p:cNvSpPr>
+            <a:spLocks noGrp="1"/>
+          </p:cNvSpPr>
+          <p:nvPr>
+            <p:ph type="title"/>
+          </p:nvPr>
+        </p:nvSpPr>
+        <p:spPr/>
+        <p:txBody>
+          <a:bodyPr/>
+          <a:lstStyle/>
+          <a:p>
+            <a:r>
+              <a:rPr lang="en-CA" dirty="0"/>
+              <a:t>5.1 </a:t>
+            </a:r>
+            <a:r>
+              <a:rPr lang="en-CA" u="sng" dirty="0"/>
+              <a:t>Visualizing Reports and Telling Stories Using Tableau – in action </a:t>
+            </a:r>
+          </a:p>
+        </p:txBody>
+      </p:sp>
+      <p:sp>
+        <p:nvSpPr>
+          <p:cNvPr id="3" name="Content Placeholder 2">
+            <a:extLst>
+              <a:ext uri="{FF2B5EF4-FFF2-40B4-BE49-F238E27FC236}">
+                <a16:creationId xmlns:a16="http://schemas.microsoft.com/office/drawing/2014/main" id="{C54C3E01-9804-02A3-B594-B90FEBF8DE39}"/>
+              </a:ext>
+            </a:extLst>
+          </p:cNvPr>
+          <p:cNvSpPr>
+            <a:spLocks noGrp="1"/>
+          </p:cNvSpPr>
+          <p:nvPr>
+            <p:ph idx="1"/>
+          </p:nvPr>
+        </p:nvSpPr>
+        <p:spPr/>
+        <p:txBody>
+          <a:bodyPr/>
+          <a:lstStyle/>
+          <a:p>
+            <a:r>
+              <a:rPr lang="en-CA" dirty="0"/>
+              <a:t>We have created following dashboard to visualize performance of the store</a:t>
+            </a:r>
+          </a:p>
+          <a:p>
+            <a:pPr lvl="1"/>
+            <a:r>
+              <a:rPr lang="en-CA" dirty="0"/>
+              <a:t>Distribution of sales over various geographical area displaying in a world map</a:t>
+            </a:r>
+          </a:p>
+          <a:p>
+            <a:pPr lvl="1"/>
+            <a:endParaRPr lang="en-CA" dirty="0"/>
+          </a:p>
+          <a:p>
+            <a:pPr lvl="1"/>
+            <a:endParaRPr lang="en-CA" dirty="0"/>
+          </a:p>
+        </p:txBody>
+      </p:sp>
+    </p:spTree>
+    <p:extLst>
+      <p:ext uri="{BB962C8B-B14F-4D97-AF65-F5344CB8AC3E}">
+        <p14:creationId xmlns:p14="http://schemas.microsoft.com/office/powerpoint/2010/main" val="2736526499"/>
+      </p:ext>
+    </p:extLst>
+  </p:cSld>
+  <p:clrMapOvr>
+    <a:masterClrMapping/>
+  </p:clrMapOvr>
+</p:sld>
+</file>
+
+<file path=ppt/slides/slide12.xml><?xml version="1.0" encoding="utf-8"?>
+<p:sld xmlns:a="http://schemas.openxmlformats.org/drawingml/2006/main" xmlns:r="http://schemas.openxmlformats.org/officeDocument/2006/relationships" xmlns:p="http://schemas.openxmlformats.org/presentationml/2006/main">
+  <p:cSld>
+    <p:spTree>
+      <p:nvGrpSpPr>
+        <p:cNvPr id="1" name=""/>
+        <p:cNvGrpSpPr/>
+        <p:nvPr/>
+      </p:nvGrpSpPr>
+      <p:grpSpPr>
+        <a:xfrm>
+          <a:off x="0" y="0"/>
+          <a:ext cx="0" cy="0"/>
+          <a:chOff x="0" y="0"/>
+          <a:chExt cx="0" cy="0"/>
+        </a:xfrm>
+      </p:grpSpPr>
+      <p:sp>
+        <p:nvSpPr>
+          <p:cNvPr id="2" name="Title 1">
+            <a:extLst>
+              <a:ext uri="{FF2B5EF4-FFF2-40B4-BE49-F238E27FC236}">
+                <a16:creationId xmlns:a16="http://schemas.microsoft.com/office/drawing/2014/main" id="{4990BC70-345E-936D-AE93-FA066936D0ED}"/>
+              </a:ext>
+            </a:extLst>
+          </p:cNvPr>
+          <p:cNvSpPr>
+            <a:spLocks noGrp="1"/>
+          </p:cNvSpPr>
+          <p:nvPr>
+            <p:ph type="title"/>
+          </p:nvPr>
+        </p:nvSpPr>
+        <p:spPr/>
+        <p:txBody>
+          <a:bodyPr/>
+          <a:lstStyle/>
+          <a:p>
+            <a:r>
+              <a:rPr lang="en-CA" u="sng" dirty="0"/>
+              <a:t>6. Using machine learning Model to Estimate Sales for the Future</a:t>
+            </a:r>
+          </a:p>
+        </p:txBody>
+      </p:sp>
+      <p:sp>
+        <p:nvSpPr>
+          <p:cNvPr id="3" name="Content Placeholder 2">
+            <a:extLst>
+              <a:ext uri="{FF2B5EF4-FFF2-40B4-BE49-F238E27FC236}">
+                <a16:creationId xmlns:a16="http://schemas.microsoft.com/office/drawing/2014/main" id="{0B2B2A4E-27BF-0367-2049-FB6B07042A55}"/>
+              </a:ext>
+            </a:extLst>
+          </p:cNvPr>
+          <p:cNvSpPr>
+            <a:spLocks noGrp="1"/>
+          </p:cNvSpPr>
+          <p:nvPr>
+            <p:ph idx="1"/>
+          </p:nvPr>
+        </p:nvSpPr>
+        <p:spPr>
+          <a:xfrm>
+            <a:off x="677334" y="2160589"/>
+            <a:ext cx="8596668" cy="4522313"/>
+          </a:xfrm>
+        </p:spPr>
+        <p:txBody>
+          <a:bodyPr>
+            <a:normAutofit/>
+          </a:bodyPr>
+          <a:lstStyle/>
+          <a:p>
+            <a:r>
+              <a:rPr lang="en-CA" dirty="0"/>
+              <a:t>After we get a clean data set and understanding in depth the business trend, we will move on to predict sales forecast for the future.</a:t>
+            </a:r>
+          </a:p>
+          <a:p>
+            <a:r>
+              <a:rPr lang="en-CA" dirty="0"/>
+              <a:t> Since data’s available for this project are continuous  and have labels, we will use supervised learning model to predict sales for the future.</a:t>
+            </a:r>
+          </a:p>
+          <a:p>
+            <a:r>
+              <a:rPr lang="en-CA" dirty="0"/>
+              <a:t>The most suitable model for this type of data set will be liner regression model. We will initiate a liner regression model to plot sales(y axis) over time(X axis) and get a line of best fit . We will implement our knowledge of liner regression from the weather forecast module where we tried to predict weather forecast.</a:t>
+            </a:r>
+          </a:p>
+          <a:p>
+            <a:r>
+              <a:rPr lang="en-CA" dirty="0"/>
+              <a:t>After we create a liner regression model, we will use scikit-learn tool to train and test the model and get the accuracy and F score of the mode.</a:t>
+            </a:r>
+          </a:p>
+          <a:p>
+            <a:r>
+              <a:rPr lang="en-CA" dirty="0"/>
+              <a:t>After we satisfy with the machine learning model, we will plot year and month in X axis to predict sales for the future. We will try this model to predict sales for each of the three customer segment separately.</a:t>
+            </a:r>
+          </a:p>
+          <a:p>
+            <a:endParaRPr lang="en-CA" dirty="0"/>
+          </a:p>
+        </p:txBody>
+      </p:sp>
+    </p:spTree>
+    <p:extLst>
+      <p:ext uri="{BB962C8B-B14F-4D97-AF65-F5344CB8AC3E}">
+        <p14:creationId xmlns:p14="http://schemas.microsoft.com/office/powerpoint/2010/main" val="1156367626"/>
+      </p:ext>
+    </p:extLst>
+  </p:cSld>
+  <p:clrMapOvr>
+    <a:masterClrMapping/>
+  </p:clrMapOvr>
+</p:sld>
+</file>
+
+<file path=ppt/slides/slide13.xml><?xml version="1.0" encoding="utf-8"?>
+<p:sld xmlns:a="http://schemas.openxmlformats.org/drawingml/2006/main" xmlns:r="http://schemas.openxmlformats.org/officeDocument/2006/relationships" xmlns:p="http://schemas.openxmlformats.org/presentationml/2006/main">
+  <p:cSld>
+    <p:spTree>
+      <p:nvGrpSpPr>
+        <p:cNvPr id="1" name=""/>
+        <p:cNvGrpSpPr/>
+        <p:nvPr/>
+      </p:nvGrpSpPr>
+      <p:grpSpPr>
+        <a:xfrm>
+          <a:off x="0" y="0"/>
+          <a:ext cx="0" cy="0"/>
+          <a:chOff x="0" y="0"/>
+          <a:chExt cx="0" cy="0"/>
+        </a:xfrm>
+      </p:grpSpPr>
+      <p:sp>
+        <p:nvSpPr>
+          <p:cNvPr id="2" name="Title 1">
+            <a:extLst>
+              <a:ext uri="{FF2B5EF4-FFF2-40B4-BE49-F238E27FC236}">
+                <a16:creationId xmlns:a16="http://schemas.microsoft.com/office/drawing/2014/main" id="{4990BC70-345E-936D-AE93-FA066936D0ED}"/>
+              </a:ext>
+            </a:extLst>
+          </p:cNvPr>
+          <p:cNvSpPr>
+            <a:spLocks noGrp="1"/>
+          </p:cNvSpPr>
+          <p:nvPr>
+            <p:ph type="title"/>
+          </p:nvPr>
+        </p:nvSpPr>
+        <p:spPr/>
+        <p:txBody>
+          <a:bodyPr/>
+          <a:lstStyle/>
+          <a:p>
+            <a:r>
+              <a:rPr lang="en-CA" u="sng" dirty="0"/>
+              <a:t>6.1 Using machine learning Model to Estimate Sales for the Future- In action</a:t>
+            </a:r>
+          </a:p>
+        </p:txBody>
+      </p:sp>
+      <p:sp>
+        <p:nvSpPr>
+          <p:cNvPr id="3" name="Content Placeholder 2">
+            <a:extLst>
+              <a:ext uri="{FF2B5EF4-FFF2-40B4-BE49-F238E27FC236}">
+                <a16:creationId xmlns:a16="http://schemas.microsoft.com/office/drawing/2014/main" id="{0B2B2A4E-27BF-0367-2049-FB6B07042A55}"/>
+              </a:ext>
+            </a:extLst>
+          </p:cNvPr>
+          <p:cNvSpPr>
+            <a:spLocks noGrp="1"/>
+          </p:cNvSpPr>
+          <p:nvPr>
+            <p:ph idx="1"/>
+          </p:nvPr>
+        </p:nvSpPr>
+        <p:spPr>
+          <a:xfrm>
+            <a:off x="677334" y="2160589"/>
+            <a:ext cx="8596668" cy="4522313"/>
+          </a:xfrm>
+        </p:spPr>
+        <p:txBody>
+          <a:bodyPr>
+            <a:normAutofit/>
+          </a:bodyPr>
+          <a:lstStyle/>
+          <a:p>
+            <a:r>
+              <a:rPr lang="en-CA" dirty="0"/>
+              <a:t>We have </a:t>
+            </a:r>
+            <a:r>
+              <a:rPr lang="en-CA" dirty="0" err="1"/>
+              <a:t>choosen</a:t>
+            </a:r>
+            <a:r>
+              <a:rPr lang="en-CA" dirty="0"/>
+              <a:t> US as country to initiate machine learning to forecast sales, profit and volume using various machine learning models</a:t>
+            </a:r>
+          </a:p>
+          <a:p>
+            <a:r>
+              <a:rPr lang="en-CA" dirty="0"/>
+              <a:t>The choice made to select US due to the fact that it was around 10K rows and sales and profit is substantially higher than other countries</a:t>
+            </a:r>
+          </a:p>
+          <a:p>
+            <a:r>
+              <a:rPr lang="en-CA" dirty="0"/>
+              <a:t>We have tried following machine learning models to select model which provide maximum accuracy.</a:t>
+            </a:r>
+          </a:p>
+          <a:p>
+            <a:pPr lvl="1"/>
+            <a:r>
+              <a:rPr lang="en-CA" dirty="0"/>
+              <a:t>Multiclass classification model</a:t>
+            </a:r>
+          </a:p>
+          <a:p>
+            <a:pPr lvl="1"/>
+            <a:r>
+              <a:rPr lang="en-CA" dirty="0"/>
+              <a:t>Multiple regression model and</a:t>
+            </a:r>
+          </a:p>
+          <a:p>
+            <a:pPr lvl="1"/>
+            <a:r>
+              <a:rPr lang="en-CA" dirty="0"/>
+              <a:t>Random forest model</a:t>
+            </a:r>
+          </a:p>
+        </p:txBody>
+      </p:sp>
+    </p:spTree>
+    <p:extLst>
+      <p:ext uri="{BB962C8B-B14F-4D97-AF65-F5344CB8AC3E}">
+        <p14:creationId xmlns:p14="http://schemas.microsoft.com/office/powerpoint/2010/main" val="1221926531"/>
+      </p:ext>
+    </p:extLst>
+  </p:cSld>
+  <p:clrMapOvr>
+    <a:masterClrMapping/>
+  </p:clrMapOvr>
+</p:sld>
+</file>
+
+<file path=ppt/slides/slide14.xml><?xml version="1.0" encoding="utf-8"?>
+<p:sld xmlns:a="http://schemas.openxmlformats.org/drawingml/2006/main" xmlns:r="http://schemas.openxmlformats.org/officeDocument/2006/relationships" xmlns:p="http://schemas.openxmlformats.org/presentationml/2006/main">
+  <p:cSld>
+    <p:spTree>
+      <p:nvGrpSpPr>
+        <p:cNvPr id="1" name=""/>
+        <p:cNvGrpSpPr/>
+        <p:nvPr/>
+      </p:nvGrpSpPr>
+      <p:grpSpPr>
+        <a:xfrm>
+          <a:off x="0" y="0"/>
+          <a:ext cx="0" cy="0"/>
+          <a:chOff x="0" y="0"/>
+          <a:chExt cx="0" cy="0"/>
+        </a:xfrm>
+      </p:grpSpPr>
+      <p:sp>
+        <p:nvSpPr>
+          <p:cNvPr id="2" name="Title 1">
+            <a:extLst>
+              <a:ext uri="{FF2B5EF4-FFF2-40B4-BE49-F238E27FC236}">
+                <a16:creationId xmlns:a16="http://schemas.microsoft.com/office/drawing/2014/main" id="{4990BC70-345E-936D-AE93-FA066936D0ED}"/>
+              </a:ext>
+            </a:extLst>
+          </p:cNvPr>
+          <p:cNvSpPr>
+            <a:spLocks noGrp="1"/>
+          </p:cNvSpPr>
+          <p:nvPr>
+            <p:ph type="title"/>
+          </p:nvPr>
+        </p:nvSpPr>
+        <p:spPr/>
+        <p:txBody>
+          <a:bodyPr/>
+          <a:lstStyle/>
+          <a:p>
+            <a:r>
+              <a:rPr lang="en-CA" u="sng" dirty="0"/>
+              <a:t>Conclusion</a:t>
+            </a:r>
+          </a:p>
+        </p:txBody>
+      </p:sp>
+      <p:sp>
+        <p:nvSpPr>
+          <p:cNvPr id="3" name="Content Placeholder 2">
+            <a:extLst>
+              <a:ext uri="{FF2B5EF4-FFF2-40B4-BE49-F238E27FC236}">
+                <a16:creationId xmlns:a16="http://schemas.microsoft.com/office/drawing/2014/main" id="{0B2B2A4E-27BF-0367-2049-FB6B07042A55}"/>
+              </a:ext>
+            </a:extLst>
+          </p:cNvPr>
+          <p:cNvSpPr>
+            <a:spLocks noGrp="1"/>
+          </p:cNvSpPr>
+          <p:nvPr>
+            <p:ph idx="1"/>
+          </p:nvPr>
+        </p:nvSpPr>
+        <p:spPr>
+          <a:xfrm>
+            <a:off x="677334" y="2160589"/>
+            <a:ext cx="8596668" cy="4522313"/>
+          </a:xfrm>
+        </p:spPr>
+        <p:txBody>
+          <a:bodyPr>
+            <a:normAutofit/>
+          </a:bodyPr>
+          <a:lstStyle/>
+          <a:p>
+            <a:r>
+              <a:rPr lang="en-CA" dirty="0"/>
+              <a:t>This presentation serve a frame work for the project and guide team members to follow steps in order to achieve the milestones.</a:t>
+            </a:r>
+          </a:p>
+          <a:p>
+            <a:r>
+              <a:rPr lang="en-CA" dirty="0"/>
+              <a:t>We will insert slides after we achieve each milestone to display outcome of the exercise.</a:t>
+            </a:r>
+          </a:p>
+          <a:p>
+            <a:r>
+              <a:rPr lang="en-CA" dirty="0"/>
+              <a:t>………………………………….nothing follows------------------------------------------</a:t>
+            </a:r>
+          </a:p>
+        </p:txBody>
+      </p:sp>
+    </p:spTree>
+    <p:extLst>
+      <p:ext uri="{BB962C8B-B14F-4D97-AF65-F5344CB8AC3E}">
+        <p14:creationId xmlns:p14="http://schemas.microsoft.com/office/powerpoint/2010/main" val="3429131181"/>
+      </p:ext>
+    </p:extLst>
+  </p:cSld>
+  <p:clrMapOvr>
+    <a:masterClrMapping/>
+  </p:clrMapOvr>
+</p:sld>
+</file>
+
 <file path=ppt/slides/slide2.xml><?xml version="1.0" encoding="utf-8"?>
 <p:sld xmlns:a="http://schemas.openxmlformats.org/drawingml/2006/main" xmlns:r="http://schemas.openxmlformats.org/officeDocument/2006/relationships" xmlns:p="http://schemas.openxmlformats.org/presentationml/2006/main">
   <p:cSld>
@@ -29201,7 +29786,12 @@
             <p:ph idx="1"/>
           </p:nvPr>
         </p:nvSpPr>
-        <p:spPr/>
+        <p:spPr>
+          <a:xfrm>
+            <a:off x="677334" y="2160589"/>
+            <a:ext cx="8596668" cy="4087811"/>
+          </a:xfrm>
+        </p:spPr>
         <p:txBody>
           <a:bodyPr/>
           <a:lstStyle/>
@@ -29236,6 +29826,30 @@
               <a:rPr lang="en-CA" dirty="0"/>
               <a:t>Unearth any hidden relationship between sales, profit , products, discount and customer segments.</a:t>
             </a:r>
+          </a:p>
+          <a:p>
+            <a:r>
+              <a:rPr lang="en-CA" dirty="0"/>
+              <a:t>Following assumptions made on the data set</a:t>
+            </a:r>
+          </a:p>
+          <a:p>
+            <a:pPr lvl="1"/>
+            <a:r>
+              <a:rPr lang="en-CA" dirty="0"/>
+              <a:t>Sales is gross sales</a:t>
+            </a:r>
+          </a:p>
+          <a:p>
+            <a:pPr lvl="1"/>
+            <a:r>
+              <a:rPr lang="en-CA" dirty="0"/>
+              <a:t>Profit is gross profit before discount and shipping cost</a:t>
+            </a:r>
+          </a:p>
+          <a:p>
+            <a:pPr lvl="1"/>
+            <a:endParaRPr lang="en-CA" dirty="0"/>
           </a:p>
         </p:txBody>
       </p:sp>
@@ -29274,7 +29888,7 @@
           <p:cNvPr id="2" name="Title 1">
             <a:extLst>
               <a:ext uri="{FF2B5EF4-FFF2-40B4-BE49-F238E27FC236}">
-                <a16:creationId xmlns:a16="http://schemas.microsoft.com/office/drawing/2014/main" id="{7C0A3656-A183-D69D-BA09-ACB2677206B3}"/>
+                <a16:creationId xmlns:a16="http://schemas.microsoft.com/office/drawing/2014/main" id="{FEB920A5-AB97-2041-B8BD-EE1A258D042F}"/>
               </a:ext>
             </a:extLst>
           </p:cNvPr>
@@ -29295,14 +29909,14 @@
                 <a:latin typeface="HP Simplified Jpan Light" panose="020B0300000000000000" pitchFamily="34" charset="-128"/>
                 <a:ea typeface="HP Simplified Jpan Light" panose="020B0300000000000000" pitchFamily="34" charset="-128"/>
               </a:rPr>
-              <a:t>4. </a:t>
+              <a:t>3.1  </a:t>
             </a:r>
             <a:r>
               <a:rPr lang="en-CA" b="1" u="sng" dirty="0">
                 <a:latin typeface="HP Simplified Jpan Light" panose="020B0300000000000000" pitchFamily="34" charset="-128"/>
                 <a:ea typeface="HP Simplified Jpan Light" panose="020B0300000000000000" pitchFamily="34" charset="-128"/>
               </a:rPr>
-              <a:t>Creating a Data Base</a:t>
+              <a:t>Data Cleaning in action</a:t>
             </a:r>
           </a:p>
         </p:txBody>
@@ -29312,7 +29926,7 @@
           <p:cNvPr id="3" name="Content Placeholder 2">
             <a:extLst>
               <a:ext uri="{FF2B5EF4-FFF2-40B4-BE49-F238E27FC236}">
-                <a16:creationId xmlns:a16="http://schemas.microsoft.com/office/drawing/2014/main" id="{C22897DC-4EE5-B30D-414D-E9EB4491194A}"/>
+                <a16:creationId xmlns:a16="http://schemas.microsoft.com/office/drawing/2014/main" id="{5BA8DFFC-1049-62D8-2AC0-39944700297F}"/>
               </a:ext>
             </a:extLst>
           </p:cNvPr>
@@ -29323,43 +29937,89 @@
             <p:ph idx="1"/>
           </p:nvPr>
         </p:nvSpPr>
-        <p:spPr/>
+        <p:spPr>
+          <a:xfrm>
+            <a:off x="677334" y="2160589"/>
+            <a:ext cx="8596668" cy="4087811"/>
+          </a:xfrm>
+        </p:spPr>
         <p:txBody>
           <a:bodyPr/>
           <a:lstStyle/>
           <a:p>
+            <a:pPr lvl="1"/>
             <a:r>
               <a:rPr lang="en-CA" dirty="0"/>
-              <a:t>After cleaning the data set, we will create a data base in Pg Admin .</a:t>
-            </a:r>
-          </a:p>
-          <a:p>
+              <a:t>We have done the following  to clean the data set and added few new columns relevant for the analysis; We have used </a:t>
+            </a:r>
+            <a:r>
+              <a:rPr lang="en-CA" dirty="0" err="1"/>
+              <a:t>Jupyter</a:t>
+            </a:r>
             <a:r>
               <a:rPr lang="en-CA" dirty="0"/>
-              <a:t>A ERD diagram will be created to showing relationship between tables.</a:t>
-            </a:r>
-          </a:p>
-          <a:p>
+              <a:t> notebook to perform EDA</a:t>
+            </a:r>
+          </a:p>
+          <a:p>
+            <a:pPr lvl="2"/>
             <a:r>
               <a:rPr lang="en-CA" dirty="0"/>
-              <a:t>We will be creating , address table, product </a:t>
-            </a:r>
-            <a:r>
-              <a:rPr lang="en-CA" dirty="0" err="1"/>
-              <a:t>table,order</a:t>
-            </a:r>
+              <a:t>Converted shipping and order date types to datetime</a:t>
+            </a:r>
+          </a:p>
+          <a:p>
+            <a:pPr lvl="2"/>
             <a:r>
               <a:rPr lang="en-CA" dirty="0"/>
-              <a:t> ID table and category table.</a:t>
-            </a:r>
-          </a:p>
-          <a:p>
+              <a:t>Added a new column to get month year data from shipping date</a:t>
+            </a:r>
+          </a:p>
+          <a:p>
+            <a:pPr lvl="2"/>
             <a:r>
               <a:rPr lang="en-CA" dirty="0"/>
-              <a:t>After creating a tables, we will run a query to generate various reports like top 10 profitable products, top performing countries, profitability of shipping method vis a vis order priority etc.</a:t>
-            </a:r>
-          </a:p>
-          <a:p>
+              <a:t>Converted discount column to percentage and created a new column to get the amount of discount for each rows wherever discount rate is there.</a:t>
+            </a:r>
+          </a:p>
+          <a:p>
+            <a:pPr lvl="2"/>
+            <a:r>
+              <a:rPr lang="en-CA" dirty="0"/>
+              <a:t>We have assumed sales column as gross sales and inserted a column to get the unit sale price for each raw</a:t>
+            </a:r>
+          </a:p>
+          <a:p>
+            <a:pPr lvl="2"/>
+            <a:r>
+              <a:rPr lang="en-CA" dirty="0"/>
+              <a:t>We have added a column to get the unit cost price before discount and shipping charges, the unit cost price is derived by ( sales minus gross profit) divided by units sold.</a:t>
+            </a:r>
+          </a:p>
+          <a:p>
+            <a:pPr lvl="2"/>
+            <a:r>
+              <a:rPr lang="en-CA" dirty="0"/>
+              <a:t>We have dropped column containing postal code as most of the rows are blank</a:t>
+            </a:r>
+          </a:p>
+          <a:p>
+            <a:pPr lvl="2"/>
+            <a:r>
+              <a:rPr lang="en-CA" dirty="0"/>
+              <a:t>After cleaning the data, we have saved the data frame as sales.csv</a:t>
+            </a:r>
+          </a:p>
+          <a:p>
+            <a:pPr lvl="2"/>
+            <a:endParaRPr lang="en-CA" dirty="0"/>
+          </a:p>
+          <a:p>
+            <a:pPr lvl="2"/>
+            <a:endParaRPr lang="en-CA" dirty="0"/>
+          </a:p>
+          <a:p>
+            <a:pPr lvl="2"/>
             <a:endParaRPr lang="en-CA" dirty="0"/>
           </a:p>
         </p:txBody>
@@ -29367,7 +30027,7 @@
     </p:spTree>
     <p:extLst>
       <p:ext uri="{BB962C8B-B14F-4D97-AF65-F5344CB8AC3E}">
-        <p14:creationId xmlns:p14="http://schemas.microsoft.com/office/powerpoint/2010/main" val="816589890"/>
+        <p14:creationId xmlns:p14="http://schemas.microsoft.com/office/powerpoint/2010/main" val="3219908193"/>
       </p:ext>
     </p:extLst>
   </p:cSld>
@@ -29399,7 +30059,7 @@
           <p:cNvPr id="2" name="Title 1">
             <a:extLst>
               <a:ext uri="{FF2B5EF4-FFF2-40B4-BE49-F238E27FC236}">
-                <a16:creationId xmlns:a16="http://schemas.microsoft.com/office/drawing/2014/main" id="{D20E188C-A83F-3BD2-88B0-1E8F25A30CB6}"/>
+                <a16:creationId xmlns:a16="http://schemas.microsoft.com/office/drawing/2014/main" id="{7C0A3656-A183-D69D-BA09-ACB2677206B3}"/>
               </a:ext>
             </a:extLst>
           </p:cNvPr>
@@ -29416,12 +30076,18 @@
           <a:lstStyle/>
           <a:p>
             <a:r>
-              <a:rPr lang="en-CA" dirty="0"/>
-              <a:t>5. </a:t>
-            </a:r>
-            <a:r>
-              <a:rPr lang="en-CA" u="sng" dirty="0"/>
-              <a:t>Visualizing Reports and Telling Stories Using Tableau  </a:t>
+              <a:rPr lang="en-CA" b="1" dirty="0">
+                <a:latin typeface="HP Simplified Jpan Light" panose="020B0300000000000000" pitchFamily="34" charset="-128"/>
+                <a:ea typeface="HP Simplified Jpan Light" panose="020B0300000000000000" pitchFamily="34" charset="-128"/>
+              </a:rPr>
+              <a:t>4. </a:t>
+            </a:r>
+            <a:r>
+              <a:rPr lang="en-CA" b="1" u="sng" dirty="0">
+                <a:latin typeface="HP Simplified Jpan Light" panose="020B0300000000000000" pitchFamily="34" charset="-128"/>
+                <a:ea typeface="HP Simplified Jpan Light" panose="020B0300000000000000" pitchFamily="34" charset="-128"/>
+              </a:rPr>
+              <a:t>Creating a Data Base</a:t>
             </a:r>
           </a:p>
         </p:txBody>
@@ -29431,7 +30097,7 @@
           <p:cNvPr id="3" name="Content Placeholder 2">
             <a:extLst>
               <a:ext uri="{FF2B5EF4-FFF2-40B4-BE49-F238E27FC236}">
-                <a16:creationId xmlns:a16="http://schemas.microsoft.com/office/drawing/2014/main" id="{C54C3E01-9804-02A3-B594-B90FEBF8DE39}"/>
+                <a16:creationId xmlns:a16="http://schemas.microsoft.com/office/drawing/2014/main" id="{C22897DC-4EE5-B30D-414D-E9EB4491194A}"/>
               </a:ext>
             </a:extLst>
           </p:cNvPr>
@@ -29449,41 +30115,44 @@
           <a:p>
             <a:r>
               <a:rPr lang="en-CA" dirty="0"/>
-              <a:t>The reports created in SQL (Pg Admin) will be used to visualize information in Tableau.</a:t>
+              <a:t>After cleaning the data set, we will create a data base in Pg Admin .</a:t>
             </a:r>
           </a:p>
           <a:p>
             <a:r>
               <a:rPr lang="en-CA" dirty="0"/>
-              <a:t>Based on various reports visualized, we will create a story, explaining facts about the  superstore </a:t>
+              <a:t>A ERD diagram will be created to showing relationship between tables.</a:t>
+            </a:r>
+          </a:p>
+          <a:p>
+            <a:r>
+              <a:rPr lang="en-CA" dirty="0"/>
+              <a:t>We will be creating , address table, product </a:t>
             </a:r>
             <a:r>
               <a:rPr lang="en-CA" dirty="0" err="1"/>
-              <a:t>i.e</a:t>
+              <a:t>table,order</a:t>
             </a:r>
             <a:r>
               <a:rPr lang="en-CA" dirty="0"/>
-              <a:t> displaying  revenue growth over time, customer profit analysis, distribution of revenue over various geographical locations.</a:t>
+              <a:t> ID table and category table.</a:t>
             </a:r>
           </a:p>
           <a:p>
             <a:r>
               <a:rPr lang="en-CA" dirty="0"/>
-              <a:t>Visualize sales over time to display trend to understand which months of the year we have higher sales and which months are characterized as  slow sales. This will help to plan stocking of  inventories to ensure we are not overstocking inventories when sales are slow and not understocking when sales are more during specific month of the year.</a:t>
-            </a:r>
-          </a:p>
-          <a:p>
-            <a:r>
-              <a:rPr lang="en-CA" dirty="0"/>
-              <a:t>We will present various what if scenario’s to explain what will be the profit if we change shipping mode, sales with and without discount etc. </a:t>
-            </a:r>
+              <a:t>After creating a tables, we will run a query to generate various reports like top 10 profitable products, top performing countries, profitability of shipping method vis a vis order priority etc.</a:t>
+            </a:r>
+          </a:p>
+          <a:p>
+            <a:endParaRPr lang="en-CA" dirty="0"/>
           </a:p>
         </p:txBody>
       </p:sp>
     </p:spTree>
     <p:extLst>
       <p:ext uri="{BB962C8B-B14F-4D97-AF65-F5344CB8AC3E}">
-        <p14:creationId xmlns:p14="http://schemas.microsoft.com/office/powerpoint/2010/main" val="3668116501"/>
+        <p14:creationId xmlns:p14="http://schemas.microsoft.com/office/powerpoint/2010/main" val="816589890"/>
       </p:ext>
     </p:extLst>
   </p:cSld>
@@ -29515,7 +30184,7 @@
           <p:cNvPr id="2" name="Title 1">
             <a:extLst>
               <a:ext uri="{FF2B5EF4-FFF2-40B4-BE49-F238E27FC236}">
-                <a16:creationId xmlns:a16="http://schemas.microsoft.com/office/drawing/2014/main" id="{4990BC70-345E-936D-AE93-FA066936D0ED}"/>
+                <a16:creationId xmlns:a16="http://schemas.microsoft.com/office/drawing/2014/main" id="{7C0A3656-A183-D69D-BA09-ACB2677206B3}"/>
               </a:ext>
             </a:extLst>
           </p:cNvPr>
@@ -29532,8 +30201,18 @@
           <a:lstStyle/>
           <a:p>
             <a:r>
-              <a:rPr lang="en-CA" u="sng" dirty="0"/>
-              <a:t>6. Using Linear Regression Model to Estimate Sales for the Future</a:t>
+              <a:rPr lang="en-CA" b="1" dirty="0">
+                <a:latin typeface="HP Simplified Jpan Light" panose="020B0300000000000000" pitchFamily="34" charset="-128"/>
+                <a:ea typeface="HP Simplified Jpan Light" panose="020B0300000000000000" pitchFamily="34" charset="-128"/>
+              </a:rPr>
+              <a:t>4.1 </a:t>
+            </a:r>
+            <a:r>
+              <a:rPr lang="en-CA" b="1" u="sng" dirty="0">
+                <a:latin typeface="HP Simplified Jpan Light" panose="020B0300000000000000" pitchFamily="34" charset="-128"/>
+                <a:ea typeface="HP Simplified Jpan Light" panose="020B0300000000000000" pitchFamily="34" charset="-128"/>
+              </a:rPr>
+              <a:t>Creating a Data Base in action</a:t>
             </a:r>
           </a:p>
         </p:txBody>
@@ -29543,7 +30222,7 @@
           <p:cNvPr id="3" name="Content Placeholder 2">
             <a:extLst>
               <a:ext uri="{FF2B5EF4-FFF2-40B4-BE49-F238E27FC236}">
-                <a16:creationId xmlns:a16="http://schemas.microsoft.com/office/drawing/2014/main" id="{0B2B2A4E-27BF-0367-2049-FB6B07042A55}"/>
+                <a16:creationId xmlns:a16="http://schemas.microsoft.com/office/drawing/2014/main" id="{C22897DC-4EE5-B30D-414D-E9EB4491194A}"/>
               </a:ext>
             </a:extLst>
           </p:cNvPr>
@@ -29554,56 +30233,68 @@
             <p:ph idx="1"/>
           </p:nvPr>
         </p:nvSpPr>
-        <p:spPr>
-          <a:xfrm>
-            <a:off x="677334" y="2160589"/>
-            <a:ext cx="8596668" cy="4522313"/>
-          </a:xfrm>
-        </p:spPr>
-        <p:txBody>
-          <a:bodyPr>
-            <a:normAutofit/>
-          </a:bodyPr>
+        <p:spPr/>
+        <p:txBody>
+          <a:bodyPr/>
           <a:lstStyle/>
           <a:p>
             <a:r>
               <a:rPr lang="en-CA" dirty="0"/>
-              <a:t>After we get a clean data set and understanding in depth the business trend, we will move on to predict sales forecast for the future.</a:t>
-            </a:r>
-          </a:p>
-          <a:p>
+              <a:t>We have created ERD for the data base and created following tables in PG admin</a:t>
+            </a:r>
+          </a:p>
+          <a:p>
+            <a:pPr lvl="1"/>
             <a:r>
               <a:rPr lang="en-CA" dirty="0"/>
-              <a:t> Since data’s available for this project are continuous  and have labels, we will use supervised learning model to predict sales for the future.</a:t>
-            </a:r>
-          </a:p>
-          <a:p>
+              <a:t> Sales table- with order ID as primary key</a:t>
+            </a:r>
+          </a:p>
+          <a:p>
+            <a:pPr lvl="1"/>
             <a:r>
               <a:rPr lang="en-CA" dirty="0"/>
-              <a:t>The most suitable model for this type of data set will be liner regression model. We will initiate a liner regression model to plot sales(y axis) over time(X axis) and get a line of best fit . We will implement our knowledge of liner regression from the weather forecast module where we tried to predict weather forecast.</a:t>
-            </a:r>
-          </a:p>
-          <a:p>
+              <a:t>country table with order ID as primary key</a:t>
+            </a:r>
+          </a:p>
+          <a:p>
+            <a:pPr lvl="1"/>
             <a:r>
               <a:rPr lang="en-CA" dirty="0"/>
-              <a:t>After we create a liner regression model, we will use scikit-learn tool to train and test the model and get the accuracy and F score of the mode.</a:t>
-            </a:r>
-          </a:p>
-          <a:p>
+              <a:t>Category table</a:t>
+            </a:r>
+          </a:p>
+          <a:p>
+            <a:pPr lvl="1"/>
             <a:r>
               <a:rPr lang="en-CA" dirty="0"/>
-              <a:t>After we satisfy with the machine learning model, we will plot year and month in X axis to predict sales for the future. We will try this model to predict sales for each of the three customer segment separately.</a:t>
-            </a:r>
-          </a:p>
-          <a:p>
+              <a:t>Year and month table </a:t>
+            </a:r>
+          </a:p>
+          <a:p>
+            <a:pPr lvl="1"/>
+            <a:r>
+              <a:rPr lang="en-CA" dirty="0"/>
+              <a:t>Discount and profit table</a:t>
+            </a:r>
+          </a:p>
+          <a:p>
+            <a:pPr lvl="1"/>
             <a:endParaRPr lang="en-CA" dirty="0"/>
+          </a:p>
+          <a:p>
+            <a:pPr lvl="1"/>
+            <a:r>
+              <a:rPr lang="en-CA" dirty="0"/>
+              <a:t>Below is the screen shot of the table created in PG Admin</a:t>
+            </a:r>
           </a:p>
         </p:txBody>
       </p:sp>
     </p:spTree>
     <p:extLst>
       <p:ext uri="{BB962C8B-B14F-4D97-AF65-F5344CB8AC3E}">
-        <p14:creationId xmlns:p14="http://schemas.microsoft.com/office/powerpoint/2010/main" val="1156367626"/>
+        <p14:creationId xmlns:p14="http://schemas.microsoft.com/office/powerpoint/2010/main" val="2567038388"/>
       </p:ext>
     </p:extLst>
   </p:cSld>
@@ -29635,7 +30326,7 @@
           <p:cNvPr id="2" name="Title 1">
             <a:extLst>
               <a:ext uri="{FF2B5EF4-FFF2-40B4-BE49-F238E27FC236}">
-                <a16:creationId xmlns:a16="http://schemas.microsoft.com/office/drawing/2014/main" id="{4990BC70-345E-936D-AE93-FA066936D0ED}"/>
+                <a16:creationId xmlns:a16="http://schemas.microsoft.com/office/drawing/2014/main" id="{7C0A3656-A183-D69D-BA09-ACB2677206B3}"/>
               </a:ext>
             </a:extLst>
           </p:cNvPr>
@@ -29652,63 +30343,55 @@
           <a:lstStyle/>
           <a:p>
             <a:r>
-              <a:rPr lang="en-CA" u="sng" dirty="0"/>
-              <a:t>Conclusion</a:t>
-            </a:r>
-          </a:p>
-        </p:txBody>
-      </p:sp>
-      <p:sp>
-        <p:nvSpPr>
-          <p:cNvPr id="3" name="Content Placeholder 2">
+              <a:rPr lang="en-CA" b="1" dirty="0">
+                <a:latin typeface="HP Simplified Jpan Light" panose="020B0300000000000000" pitchFamily="34" charset="-128"/>
+                <a:ea typeface="HP Simplified Jpan Light" panose="020B0300000000000000" pitchFamily="34" charset="-128"/>
+              </a:rPr>
+              <a:t>4.1 </a:t>
+            </a:r>
+            <a:r>
+              <a:rPr lang="en-CA" b="1" u="sng" dirty="0">
+                <a:latin typeface="HP Simplified Jpan Light" panose="020B0300000000000000" pitchFamily="34" charset="-128"/>
+                <a:ea typeface="HP Simplified Jpan Light" panose="020B0300000000000000" pitchFamily="34" charset="-128"/>
+              </a:rPr>
+              <a:t>Creating a Data Base in action</a:t>
+            </a:r>
+          </a:p>
+        </p:txBody>
+      </p:sp>
+      <p:pic>
+        <p:nvPicPr>
+          <p:cNvPr id="5" name="Content Placeholder 4">
             <a:extLst>
               <a:ext uri="{FF2B5EF4-FFF2-40B4-BE49-F238E27FC236}">
-                <a16:creationId xmlns:a16="http://schemas.microsoft.com/office/drawing/2014/main" id="{0B2B2A4E-27BF-0367-2049-FB6B07042A55}"/>
+                <a16:creationId xmlns:a16="http://schemas.microsoft.com/office/drawing/2014/main" id="{7A01E128-FF12-B318-DF42-AB9C0DA01A00}"/>
               </a:ext>
             </a:extLst>
           </p:cNvPr>
-          <p:cNvSpPr>
-            <a:spLocks noGrp="1"/>
-          </p:cNvSpPr>
+          <p:cNvPicPr>
+            <a:picLocks noGrp="1" noChangeAspect="1"/>
+          </p:cNvPicPr>
           <p:nvPr>
             <p:ph idx="1"/>
           </p:nvPr>
-        </p:nvSpPr>
+        </p:nvPicPr>
+        <p:blipFill>
+          <a:blip r:embed="rId2"/>
+          <a:stretch>
+            <a:fillRect/>
+          </a:stretch>
+        </p:blipFill>
         <p:spPr>
           <a:xfrm>
-            <a:off x="677334" y="2160589"/>
-            <a:ext cx="8596668" cy="4522313"/>
+            <a:off x="134471" y="1434353"/>
+            <a:ext cx="10094258" cy="5360894"/>
           </a:xfrm>
         </p:spPr>
-        <p:txBody>
-          <a:bodyPr>
-            <a:normAutofit/>
-          </a:bodyPr>
-          <a:lstStyle/>
-          <a:p>
-            <a:r>
-              <a:rPr lang="en-CA" dirty="0"/>
-              <a:t>This presentation serve a frame work for the project and guide team members to follow steps in order to achieve the milestones.</a:t>
-            </a:r>
-          </a:p>
-          <a:p>
-            <a:r>
-              <a:rPr lang="en-CA" dirty="0"/>
-              <a:t>We will insert slides after we achieve each milestone to display outcome of the exercise.</a:t>
-            </a:r>
-          </a:p>
-          <a:p>
-            <a:r>
-              <a:rPr lang="en-CA" dirty="0"/>
-              <a:t>………………………………….nothing follows------------------------------------------</a:t>
-            </a:r>
-          </a:p>
-        </p:txBody>
-      </p:sp>
+      </p:pic>
     </p:spTree>
     <p:extLst>
       <p:ext uri="{BB962C8B-B14F-4D97-AF65-F5344CB8AC3E}">
-        <p14:creationId xmlns:p14="http://schemas.microsoft.com/office/powerpoint/2010/main" val="3429131181"/>
+        <p14:creationId xmlns:p14="http://schemas.microsoft.com/office/powerpoint/2010/main" val="1411642111"/>
       </p:ext>
     </p:extLst>
   </p:cSld>

--- a/Project details.pptx
+++ b/Project details.pptx
@@ -20,9 +20,14 @@
     <p:sldId id="269" r:id="rId14"/>
     <p:sldId id="263" r:id="rId15"/>
     <p:sldId id="268" r:id="rId16"/>
-    <p:sldId id="264" r:id="rId17"/>
-    <p:sldId id="270" r:id="rId18"/>
-    <p:sldId id="265" r:id="rId19"/>
+    <p:sldId id="271" r:id="rId17"/>
+    <p:sldId id="272" r:id="rId18"/>
+    <p:sldId id="273" r:id="rId19"/>
+    <p:sldId id="274" r:id="rId20"/>
+    <p:sldId id="275" r:id="rId21"/>
+    <p:sldId id="264" r:id="rId22"/>
+    <p:sldId id="270" r:id="rId23"/>
+    <p:sldId id="265" r:id="rId24"/>
   </p:sldIdLst>
   <p:sldSz cx="12192000" cy="6858000"/>
   <p:notesSz cx="6858000" cy="9144000"/>
@@ -28932,6 +28937,41 @@
           </a:p>
           <a:p>
             <a:pPr lvl="1"/>
+            <a:r>
+              <a:rPr lang="en-CA" dirty="0"/>
+              <a:t>Ship mode vs order priority</a:t>
+            </a:r>
+          </a:p>
+          <a:p>
+            <a:pPr lvl="1"/>
+            <a:r>
+              <a:rPr lang="en-CA" dirty="0"/>
+              <a:t>Yearly sales of the main and subcategory</a:t>
+            </a:r>
+          </a:p>
+          <a:p>
+            <a:pPr lvl="1"/>
+            <a:r>
+              <a:rPr lang="en-CA" dirty="0"/>
+              <a:t>Sales per segment to know which segment is the highest contributor to total sales</a:t>
+            </a:r>
+          </a:p>
+          <a:p>
+            <a:pPr lvl="1"/>
+            <a:r>
+              <a:rPr lang="en-CA" dirty="0"/>
+              <a:t>Profit by market</a:t>
+            </a:r>
+          </a:p>
+          <a:p>
+            <a:pPr lvl="1"/>
+            <a:r>
+              <a:rPr lang="en-CA" dirty="0"/>
+              <a:t>Profit by category</a:t>
+            </a:r>
+          </a:p>
+          <a:p>
+            <a:pPr lvl="1"/>
             <a:endParaRPr lang="en-CA" dirty="0"/>
           </a:p>
           <a:p>
@@ -28975,7 +29015,7 @@
           <p:cNvPr id="2" name="Title 1">
             <a:extLst>
               <a:ext uri="{FF2B5EF4-FFF2-40B4-BE49-F238E27FC236}">
-                <a16:creationId xmlns:a16="http://schemas.microsoft.com/office/drawing/2014/main" id="{4990BC70-345E-936D-AE93-FA066936D0ED}"/>
+                <a16:creationId xmlns:a16="http://schemas.microsoft.com/office/drawing/2014/main" id="{D20E188C-A83F-3BD2-88B0-1E8F25A30CB6}"/>
               </a:ext>
             </a:extLst>
           </p:cNvPr>
@@ -28986,14 +29026,25 @@
             <p:ph type="title"/>
           </p:nvPr>
         </p:nvSpPr>
-        <p:spPr/>
-        <p:txBody>
-          <a:bodyPr/>
-          <a:lstStyle/>
-          <a:p>
+        <p:spPr>
+          <a:xfrm>
+            <a:off x="677334" y="403412"/>
+            <a:ext cx="8596668" cy="1299882"/>
+          </a:xfrm>
+        </p:spPr>
+        <p:txBody>
+          <a:bodyPr>
+            <a:normAutofit/>
+          </a:bodyPr>
+          <a:lstStyle/>
+          <a:p>
+            <a:r>
+              <a:rPr lang="en-CA" dirty="0"/>
+              <a:t>5.1 </a:t>
+            </a:r>
             <a:r>
               <a:rPr lang="en-CA" u="sng" dirty="0"/>
-              <a:t>6. Using machine learning Model to Estimate Sales for the Future</a:t>
+              <a:t>Visualizing Reports and Telling Stories Using Tableau – in action </a:t>
             </a:r>
           </a:p>
         </p:txBody>
@@ -29003,7 +29054,7 @@
           <p:cNvPr id="3" name="Content Placeholder 2">
             <a:extLst>
               <a:ext uri="{FF2B5EF4-FFF2-40B4-BE49-F238E27FC236}">
-                <a16:creationId xmlns:a16="http://schemas.microsoft.com/office/drawing/2014/main" id="{0B2B2A4E-27BF-0367-2049-FB6B07042A55}"/>
+                <a16:creationId xmlns:a16="http://schemas.microsoft.com/office/drawing/2014/main" id="{C54C3E01-9804-02A3-B594-B90FEBF8DE39}"/>
               </a:ext>
             </a:extLst>
           </p:cNvPr>
@@ -29016,54 +29067,60 @@
         </p:nvSpPr>
         <p:spPr>
           <a:xfrm>
-            <a:off x="677334" y="2160589"/>
-            <a:ext cx="8596668" cy="4522313"/>
+            <a:off x="677334" y="1703295"/>
+            <a:ext cx="8596668" cy="4338068"/>
           </a:xfrm>
         </p:spPr>
         <p:txBody>
-          <a:bodyPr>
-            <a:normAutofit/>
-          </a:bodyPr>
-          <a:lstStyle/>
-          <a:p>
+          <a:bodyPr/>
+          <a:lstStyle/>
+          <a:p>
+            <a:pPr lvl="1"/>
             <a:r>
               <a:rPr lang="en-CA" dirty="0"/>
-              <a:t>After we get a clean data set and understanding in depth the business trend, we will move on to predict sales forecast for the future.</a:t>
-            </a:r>
-          </a:p>
-          <a:p>
-            <a:r>
-              <a:rPr lang="en-CA" dirty="0"/>
-              <a:t> Since data’s available for this project are continuous  and have labels, we will use supervised learning model to predict sales for the future.</a:t>
-            </a:r>
-          </a:p>
-          <a:p>
-            <a:r>
-              <a:rPr lang="en-CA" dirty="0"/>
-              <a:t>The most suitable model for this type of data set will be liner regression model. We will initiate a liner regression model to plot sales(y axis) over time(X axis) and get a line of best fit . We will implement our knowledge of liner regression from the weather forecast module where we tried to predict weather forecast.</a:t>
-            </a:r>
-          </a:p>
-          <a:p>
-            <a:r>
-              <a:rPr lang="en-CA" dirty="0"/>
-              <a:t>After we create a liner regression model, we will use scikit-learn tool to train and test the model and get the accuracy and F score of the mode.</a:t>
-            </a:r>
-          </a:p>
-          <a:p>
-            <a:r>
-              <a:rPr lang="en-CA" dirty="0"/>
-              <a:t>After we satisfy with the machine learning model, we will plot year and month in X axis to predict sales for the future. We will try this model to predict sales for each of the three customer segment separately.</a:t>
-            </a:r>
-          </a:p>
-          <a:p>
+              <a:t>Sales distribution over various geographical area</a:t>
+            </a:r>
+          </a:p>
+          <a:p>
+            <a:pPr lvl="1"/>
             <a:endParaRPr lang="en-CA" dirty="0"/>
           </a:p>
         </p:txBody>
       </p:sp>
+      <p:pic>
+        <p:nvPicPr>
+          <p:cNvPr id="5" name="Picture 4">
+            <a:extLst>
+              <a:ext uri="{FF2B5EF4-FFF2-40B4-BE49-F238E27FC236}">
+                <a16:creationId xmlns:a16="http://schemas.microsoft.com/office/drawing/2014/main" id="{608788A8-BA7A-DC18-4DF3-ECED2871A4E2}"/>
+              </a:ext>
+            </a:extLst>
+          </p:cNvPr>
+          <p:cNvPicPr>
+            <a:picLocks noChangeAspect="1"/>
+          </p:cNvPicPr>
+          <p:nvPr/>
+        </p:nvPicPr>
+        <p:blipFill>
+          <a:blip r:embed="rId2"/>
+          <a:stretch>
+            <a:fillRect/>
+          </a:stretch>
+        </p:blipFill>
+        <p:spPr>
+          <a:xfrm>
+            <a:off x="677334" y="2097741"/>
+            <a:ext cx="8068236" cy="4446494"/>
+          </a:xfrm>
+          <a:prstGeom prst="rect">
+            <a:avLst/>
+          </a:prstGeom>
+        </p:spPr>
+      </p:pic>
     </p:spTree>
     <p:extLst>
       <p:ext uri="{BB962C8B-B14F-4D97-AF65-F5344CB8AC3E}">
-        <p14:creationId xmlns:p14="http://schemas.microsoft.com/office/powerpoint/2010/main" val="1156367626"/>
+        <p14:creationId xmlns:p14="http://schemas.microsoft.com/office/powerpoint/2010/main" val="1925172585"/>
       </p:ext>
     </p:extLst>
   </p:cSld>
@@ -29095,6 +29152,554 @@
           <p:cNvPr id="2" name="Title 1">
             <a:extLst>
               <a:ext uri="{FF2B5EF4-FFF2-40B4-BE49-F238E27FC236}">
+                <a16:creationId xmlns:a16="http://schemas.microsoft.com/office/drawing/2014/main" id="{D20E188C-A83F-3BD2-88B0-1E8F25A30CB6}"/>
+              </a:ext>
+            </a:extLst>
+          </p:cNvPr>
+          <p:cNvSpPr>
+            <a:spLocks noGrp="1"/>
+          </p:cNvSpPr>
+          <p:nvPr>
+            <p:ph type="title"/>
+          </p:nvPr>
+        </p:nvSpPr>
+        <p:spPr>
+          <a:xfrm>
+            <a:off x="677334" y="403412"/>
+            <a:ext cx="8596668" cy="1299882"/>
+          </a:xfrm>
+        </p:spPr>
+        <p:txBody>
+          <a:bodyPr>
+            <a:normAutofit/>
+          </a:bodyPr>
+          <a:lstStyle/>
+          <a:p>
+            <a:r>
+              <a:rPr lang="en-CA" dirty="0"/>
+              <a:t>5.1 </a:t>
+            </a:r>
+            <a:r>
+              <a:rPr lang="en-CA" u="sng" dirty="0"/>
+              <a:t>Visualizing Reports and Telling Stories Using Tableau – in action </a:t>
+            </a:r>
+          </a:p>
+        </p:txBody>
+      </p:sp>
+      <p:sp>
+        <p:nvSpPr>
+          <p:cNvPr id="3" name="Content Placeholder 2">
+            <a:extLst>
+              <a:ext uri="{FF2B5EF4-FFF2-40B4-BE49-F238E27FC236}">
+                <a16:creationId xmlns:a16="http://schemas.microsoft.com/office/drawing/2014/main" id="{C54C3E01-9804-02A3-B594-B90FEBF8DE39}"/>
+              </a:ext>
+            </a:extLst>
+          </p:cNvPr>
+          <p:cNvSpPr>
+            <a:spLocks noGrp="1"/>
+          </p:cNvSpPr>
+          <p:nvPr>
+            <p:ph idx="1"/>
+          </p:nvPr>
+        </p:nvSpPr>
+        <p:spPr>
+          <a:xfrm>
+            <a:off x="677334" y="1703295"/>
+            <a:ext cx="8596668" cy="4338068"/>
+          </a:xfrm>
+        </p:spPr>
+        <p:txBody>
+          <a:bodyPr/>
+          <a:lstStyle/>
+          <a:p>
+            <a:pPr lvl="1"/>
+            <a:r>
+              <a:rPr lang="en-CA" dirty="0"/>
+              <a:t>Ship mode vs order priority</a:t>
+            </a:r>
+          </a:p>
+          <a:p>
+            <a:pPr lvl="1"/>
+            <a:endParaRPr lang="en-CA" dirty="0"/>
+          </a:p>
+        </p:txBody>
+      </p:sp>
+      <p:pic>
+        <p:nvPicPr>
+          <p:cNvPr id="6" name="Picture 5">
+            <a:extLst>
+              <a:ext uri="{FF2B5EF4-FFF2-40B4-BE49-F238E27FC236}">
+                <a16:creationId xmlns:a16="http://schemas.microsoft.com/office/drawing/2014/main" id="{43D4F8EE-4BCD-E4EB-001C-DC85BA9F989D}"/>
+              </a:ext>
+            </a:extLst>
+          </p:cNvPr>
+          <p:cNvPicPr>
+            <a:picLocks noChangeAspect="1"/>
+          </p:cNvPicPr>
+          <p:nvPr/>
+        </p:nvPicPr>
+        <p:blipFill>
+          <a:blip r:embed="rId2"/>
+          <a:stretch>
+            <a:fillRect/>
+          </a:stretch>
+        </p:blipFill>
+        <p:spPr>
+          <a:xfrm>
+            <a:off x="591672" y="2017059"/>
+            <a:ext cx="8543363" cy="4496976"/>
+          </a:xfrm>
+          <a:prstGeom prst="rect">
+            <a:avLst/>
+          </a:prstGeom>
+        </p:spPr>
+      </p:pic>
+    </p:spTree>
+    <p:extLst>
+      <p:ext uri="{BB962C8B-B14F-4D97-AF65-F5344CB8AC3E}">
+        <p14:creationId xmlns:p14="http://schemas.microsoft.com/office/powerpoint/2010/main" val="3766314354"/>
+      </p:ext>
+    </p:extLst>
+  </p:cSld>
+  <p:clrMapOvr>
+    <a:masterClrMapping/>
+  </p:clrMapOvr>
+</p:sld>
+</file>
+
+<file path=ppt/slides/slide14.xml><?xml version="1.0" encoding="utf-8"?>
+<p:sld xmlns:a="http://schemas.openxmlformats.org/drawingml/2006/main" xmlns:r="http://schemas.openxmlformats.org/officeDocument/2006/relationships" xmlns:p="http://schemas.openxmlformats.org/presentationml/2006/main">
+  <p:cSld>
+    <p:spTree>
+      <p:nvGrpSpPr>
+        <p:cNvPr id="1" name=""/>
+        <p:cNvGrpSpPr/>
+        <p:nvPr/>
+      </p:nvGrpSpPr>
+      <p:grpSpPr>
+        <a:xfrm>
+          <a:off x="0" y="0"/>
+          <a:ext cx="0" cy="0"/>
+          <a:chOff x="0" y="0"/>
+          <a:chExt cx="0" cy="0"/>
+        </a:xfrm>
+      </p:grpSpPr>
+      <p:sp>
+        <p:nvSpPr>
+          <p:cNvPr id="2" name="Title 1">
+            <a:extLst>
+              <a:ext uri="{FF2B5EF4-FFF2-40B4-BE49-F238E27FC236}">
+                <a16:creationId xmlns:a16="http://schemas.microsoft.com/office/drawing/2014/main" id="{D20E188C-A83F-3BD2-88B0-1E8F25A30CB6}"/>
+              </a:ext>
+            </a:extLst>
+          </p:cNvPr>
+          <p:cNvSpPr>
+            <a:spLocks noGrp="1"/>
+          </p:cNvSpPr>
+          <p:nvPr>
+            <p:ph type="title"/>
+          </p:nvPr>
+        </p:nvSpPr>
+        <p:spPr>
+          <a:xfrm>
+            <a:off x="677334" y="268942"/>
+            <a:ext cx="8596668" cy="887506"/>
+          </a:xfrm>
+        </p:spPr>
+        <p:txBody>
+          <a:bodyPr>
+            <a:normAutofit fontScale="90000"/>
+          </a:bodyPr>
+          <a:lstStyle/>
+          <a:p>
+            <a:r>
+              <a:rPr lang="en-CA" dirty="0"/>
+              <a:t>5.1 </a:t>
+            </a:r>
+            <a:r>
+              <a:rPr lang="en-CA" u="sng" dirty="0"/>
+              <a:t>Visualizing Reports and Telling Stories Using Tableau – in action </a:t>
+            </a:r>
+          </a:p>
+        </p:txBody>
+      </p:sp>
+      <p:sp>
+        <p:nvSpPr>
+          <p:cNvPr id="3" name="Content Placeholder 2">
+            <a:extLst>
+              <a:ext uri="{FF2B5EF4-FFF2-40B4-BE49-F238E27FC236}">
+                <a16:creationId xmlns:a16="http://schemas.microsoft.com/office/drawing/2014/main" id="{C54C3E01-9804-02A3-B594-B90FEBF8DE39}"/>
+              </a:ext>
+            </a:extLst>
+          </p:cNvPr>
+          <p:cNvSpPr>
+            <a:spLocks noGrp="1"/>
+          </p:cNvSpPr>
+          <p:nvPr>
+            <p:ph idx="1"/>
+          </p:nvPr>
+        </p:nvSpPr>
+        <p:spPr>
+          <a:xfrm>
+            <a:off x="677334" y="1380564"/>
+            <a:ext cx="8596668" cy="4894729"/>
+          </a:xfrm>
+        </p:spPr>
+        <p:txBody>
+          <a:bodyPr/>
+          <a:lstStyle/>
+          <a:p>
+            <a:pPr lvl="1"/>
+            <a:r>
+              <a:rPr lang="en-CA" dirty="0"/>
+              <a:t>Yearly sales of the main and subcategory</a:t>
+            </a:r>
+          </a:p>
+          <a:p>
+            <a:pPr lvl="1"/>
+            <a:endParaRPr lang="en-CA" dirty="0"/>
+          </a:p>
+        </p:txBody>
+      </p:sp>
+      <p:pic>
+        <p:nvPicPr>
+          <p:cNvPr id="5" name="Picture 4">
+            <a:extLst>
+              <a:ext uri="{FF2B5EF4-FFF2-40B4-BE49-F238E27FC236}">
+                <a16:creationId xmlns:a16="http://schemas.microsoft.com/office/drawing/2014/main" id="{9DA0E399-0CF1-889C-1849-2CC4E2736CC9}"/>
+              </a:ext>
+            </a:extLst>
+          </p:cNvPr>
+          <p:cNvPicPr>
+            <a:picLocks noChangeAspect="1"/>
+          </p:cNvPicPr>
+          <p:nvPr/>
+        </p:nvPicPr>
+        <p:blipFill>
+          <a:blip r:embed="rId2"/>
+          <a:stretch>
+            <a:fillRect/>
+          </a:stretch>
+        </p:blipFill>
+        <p:spPr>
+          <a:xfrm>
+            <a:off x="466164" y="1785333"/>
+            <a:ext cx="9466730" cy="4803725"/>
+          </a:xfrm>
+          <a:prstGeom prst="rect">
+            <a:avLst/>
+          </a:prstGeom>
+        </p:spPr>
+      </p:pic>
+    </p:spTree>
+    <p:extLst>
+      <p:ext uri="{BB962C8B-B14F-4D97-AF65-F5344CB8AC3E}">
+        <p14:creationId xmlns:p14="http://schemas.microsoft.com/office/powerpoint/2010/main" val="2636446346"/>
+      </p:ext>
+    </p:extLst>
+  </p:cSld>
+  <p:clrMapOvr>
+    <a:masterClrMapping/>
+  </p:clrMapOvr>
+</p:sld>
+</file>
+
+<file path=ppt/slides/slide15.xml><?xml version="1.0" encoding="utf-8"?>
+<p:sld xmlns:a="http://schemas.openxmlformats.org/drawingml/2006/main" xmlns:r="http://schemas.openxmlformats.org/officeDocument/2006/relationships" xmlns:p="http://schemas.openxmlformats.org/presentationml/2006/main">
+  <p:cSld>
+    <p:spTree>
+      <p:nvGrpSpPr>
+        <p:cNvPr id="1" name=""/>
+        <p:cNvGrpSpPr/>
+        <p:nvPr/>
+      </p:nvGrpSpPr>
+      <p:grpSpPr>
+        <a:xfrm>
+          <a:off x="0" y="0"/>
+          <a:ext cx="0" cy="0"/>
+          <a:chOff x="0" y="0"/>
+          <a:chExt cx="0" cy="0"/>
+        </a:xfrm>
+      </p:grpSpPr>
+      <p:sp>
+        <p:nvSpPr>
+          <p:cNvPr id="2" name="Title 1">
+            <a:extLst>
+              <a:ext uri="{FF2B5EF4-FFF2-40B4-BE49-F238E27FC236}">
+                <a16:creationId xmlns:a16="http://schemas.microsoft.com/office/drawing/2014/main" id="{D20E188C-A83F-3BD2-88B0-1E8F25A30CB6}"/>
+              </a:ext>
+            </a:extLst>
+          </p:cNvPr>
+          <p:cNvSpPr>
+            <a:spLocks noGrp="1"/>
+          </p:cNvSpPr>
+          <p:nvPr>
+            <p:ph type="title"/>
+          </p:nvPr>
+        </p:nvSpPr>
+        <p:spPr>
+          <a:xfrm>
+            <a:off x="677334" y="268942"/>
+            <a:ext cx="8596668" cy="887506"/>
+          </a:xfrm>
+        </p:spPr>
+        <p:txBody>
+          <a:bodyPr>
+            <a:normAutofit fontScale="90000"/>
+          </a:bodyPr>
+          <a:lstStyle/>
+          <a:p>
+            <a:r>
+              <a:rPr lang="en-CA" dirty="0"/>
+              <a:t>5.1 </a:t>
+            </a:r>
+            <a:r>
+              <a:rPr lang="en-CA" u="sng" dirty="0"/>
+              <a:t>Visualizing Reports and Telling Stories Using Tableau – in action </a:t>
+            </a:r>
+          </a:p>
+        </p:txBody>
+      </p:sp>
+      <p:sp>
+        <p:nvSpPr>
+          <p:cNvPr id="3" name="Content Placeholder 2">
+            <a:extLst>
+              <a:ext uri="{FF2B5EF4-FFF2-40B4-BE49-F238E27FC236}">
+                <a16:creationId xmlns:a16="http://schemas.microsoft.com/office/drawing/2014/main" id="{C54C3E01-9804-02A3-B594-B90FEBF8DE39}"/>
+              </a:ext>
+            </a:extLst>
+          </p:cNvPr>
+          <p:cNvSpPr>
+            <a:spLocks noGrp="1"/>
+          </p:cNvSpPr>
+          <p:nvPr>
+            <p:ph idx="1"/>
+          </p:nvPr>
+        </p:nvSpPr>
+        <p:spPr>
+          <a:xfrm>
+            <a:off x="677334" y="1380564"/>
+            <a:ext cx="8596668" cy="4894729"/>
+          </a:xfrm>
+        </p:spPr>
+        <p:txBody>
+          <a:bodyPr/>
+          <a:lstStyle/>
+          <a:p>
+            <a:pPr lvl="1"/>
+            <a:r>
+              <a:rPr lang="en-CA" dirty="0"/>
+              <a:t>Sale as per customer segment</a:t>
+            </a:r>
+          </a:p>
+          <a:p>
+            <a:pPr lvl="1"/>
+            <a:endParaRPr lang="en-CA" dirty="0"/>
+          </a:p>
+        </p:txBody>
+      </p:sp>
+      <p:pic>
+        <p:nvPicPr>
+          <p:cNvPr id="6" name="Picture 5">
+            <a:extLst>
+              <a:ext uri="{FF2B5EF4-FFF2-40B4-BE49-F238E27FC236}">
+                <a16:creationId xmlns:a16="http://schemas.microsoft.com/office/drawing/2014/main" id="{7312EBB6-988A-1362-8998-6882C3A7D202}"/>
+              </a:ext>
+            </a:extLst>
+          </p:cNvPr>
+          <p:cNvPicPr>
+            <a:picLocks noChangeAspect="1"/>
+          </p:cNvPicPr>
+          <p:nvPr/>
+        </p:nvPicPr>
+        <p:blipFill>
+          <a:blip r:embed="rId2"/>
+          <a:stretch>
+            <a:fillRect/>
+          </a:stretch>
+        </p:blipFill>
+        <p:spPr>
+          <a:xfrm>
+            <a:off x="510989" y="1864658"/>
+            <a:ext cx="9188823" cy="4797497"/>
+          </a:xfrm>
+          <a:prstGeom prst="rect">
+            <a:avLst/>
+          </a:prstGeom>
+        </p:spPr>
+      </p:pic>
+    </p:spTree>
+    <p:extLst>
+      <p:ext uri="{BB962C8B-B14F-4D97-AF65-F5344CB8AC3E}">
+        <p14:creationId xmlns:p14="http://schemas.microsoft.com/office/powerpoint/2010/main" val="3579558446"/>
+      </p:ext>
+    </p:extLst>
+  </p:cSld>
+  <p:clrMapOvr>
+    <a:masterClrMapping/>
+  </p:clrMapOvr>
+</p:sld>
+</file>
+
+<file path=ppt/slides/slide16.xml><?xml version="1.0" encoding="utf-8"?>
+<p:sld xmlns:a="http://schemas.openxmlformats.org/drawingml/2006/main" xmlns:r="http://schemas.openxmlformats.org/officeDocument/2006/relationships" xmlns:p="http://schemas.openxmlformats.org/presentationml/2006/main">
+  <p:cSld>
+    <p:spTree>
+      <p:nvGrpSpPr>
+        <p:cNvPr id="1" name=""/>
+        <p:cNvGrpSpPr/>
+        <p:nvPr/>
+      </p:nvGrpSpPr>
+      <p:grpSpPr>
+        <a:xfrm>
+          <a:off x="0" y="0"/>
+          <a:ext cx="0" cy="0"/>
+          <a:chOff x="0" y="0"/>
+          <a:chExt cx="0" cy="0"/>
+        </a:xfrm>
+      </p:grpSpPr>
+      <p:sp>
+        <p:nvSpPr>
+          <p:cNvPr id="2" name="Title 1">
+            <a:extLst>
+              <a:ext uri="{FF2B5EF4-FFF2-40B4-BE49-F238E27FC236}">
+                <a16:creationId xmlns:a16="http://schemas.microsoft.com/office/drawing/2014/main" id="{D20E188C-A83F-3BD2-88B0-1E8F25A30CB6}"/>
+              </a:ext>
+            </a:extLst>
+          </p:cNvPr>
+          <p:cNvSpPr>
+            <a:spLocks noGrp="1"/>
+          </p:cNvSpPr>
+          <p:nvPr>
+            <p:ph type="title"/>
+          </p:nvPr>
+        </p:nvSpPr>
+        <p:spPr>
+          <a:xfrm>
+            <a:off x="677334" y="268942"/>
+            <a:ext cx="8596668" cy="887506"/>
+          </a:xfrm>
+        </p:spPr>
+        <p:txBody>
+          <a:bodyPr>
+            <a:normAutofit fontScale="90000"/>
+          </a:bodyPr>
+          <a:lstStyle/>
+          <a:p>
+            <a:r>
+              <a:rPr lang="en-CA" dirty="0"/>
+              <a:t>5.1 </a:t>
+            </a:r>
+            <a:r>
+              <a:rPr lang="en-CA" u="sng" dirty="0"/>
+              <a:t>Visualizing Reports and Telling Stories Using Tableau – in action </a:t>
+            </a:r>
+          </a:p>
+        </p:txBody>
+      </p:sp>
+      <p:sp>
+        <p:nvSpPr>
+          <p:cNvPr id="3" name="Content Placeholder 2">
+            <a:extLst>
+              <a:ext uri="{FF2B5EF4-FFF2-40B4-BE49-F238E27FC236}">
+                <a16:creationId xmlns:a16="http://schemas.microsoft.com/office/drawing/2014/main" id="{C54C3E01-9804-02A3-B594-B90FEBF8DE39}"/>
+              </a:ext>
+            </a:extLst>
+          </p:cNvPr>
+          <p:cNvSpPr>
+            <a:spLocks noGrp="1"/>
+          </p:cNvSpPr>
+          <p:nvPr>
+            <p:ph idx="1"/>
+          </p:nvPr>
+        </p:nvSpPr>
+        <p:spPr>
+          <a:xfrm>
+            <a:off x="677334" y="1380564"/>
+            <a:ext cx="8596668" cy="4894729"/>
+          </a:xfrm>
+        </p:spPr>
+        <p:txBody>
+          <a:bodyPr/>
+          <a:lstStyle/>
+          <a:p>
+            <a:pPr lvl="1"/>
+            <a:r>
+              <a:rPr lang="en-CA" dirty="0"/>
+              <a:t>Profit  by category</a:t>
+            </a:r>
+          </a:p>
+          <a:p>
+            <a:pPr lvl="1"/>
+            <a:endParaRPr lang="en-CA" dirty="0"/>
+          </a:p>
+        </p:txBody>
+      </p:sp>
+      <p:pic>
+        <p:nvPicPr>
+          <p:cNvPr id="5" name="Picture 4">
+            <a:extLst>
+              <a:ext uri="{FF2B5EF4-FFF2-40B4-BE49-F238E27FC236}">
+                <a16:creationId xmlns:a16="http://schemas.microsoft.com/office/drawing/2014/main" id="{2E25FFA6-91EB-0EB6-6536-58214A06B02F}"/>
+              </a:ext>
+            </a:extLst>
+          </p:cNvPr>
+          <p:cNvPicPr>
+            <a:picLocks noChangeAspect="1"/>
+          </p:cNvPicPr>
+          <p:nvPr/>
+        </p:nvPicPr>
+        <p:blipFill>
+          <a:blip r:embed="rId2"/>
+          <a:stretch>
+            <a:fillRect/>
+          </a:stretch>
+        </p:blipFill>
+        <p:spPr>
+          <a:xfrm>
+            <a:off x="259976" y="1783911"/>
+            <a:ext cx="9395012" cy="3953565"/>
+          </a:xfrm>
+          <a:prstGeom prst="rect">
+            <a:avLst/>
+          </a:prstGeom>
+        </p:spPr>
+      </p:pic>
+    </p:spTree>
+    <p:extLst>
+      <p:ext uri="{BB962C8B-B14F-4D97-AF65-F5344CB8AC3E}">
+        <p14:creationId xmlns:p14="http://schemas.microsoft.com/office/powerpoint/2010/main" val="1989127052"/>
+      </p:ext>
+    </p:extLst>
+  </p:cSld>
+  <p:clrMapOvr>
+    <a:masterClrMapping/>
+  </p:clrMapOvr>
+</p:sld>
+</file>
+
+<file path=ppt/slides/slide17.xml><?xml version="1.0" encoding="utf-8"?>
+<p:sld xmlns:a="http://schemas.openxmlformats.org/drawingml/2006/main" xmlns:r="http://schemas.openxmlformats.org/officeDocument/2006/relationships" xmlns:p="http://schemas.openxmlformats.org/presentationml/2006/main">
+  <p:cSld>
+    <p:spTree>
+      <p:nvGrpSpPr>
+        <p:cNvPr id="1" name=""/>
+        <p:cNvGrpSpPr/>
+        <p:nvPr/>
+      </p:nvGrpSpPr>
+      <p:grpSpPr>
+        <a:xfrm>
+          <a:off x="0" y="0"/>
+          <a:ext cx="0" cy="0"/>
+          <a:chOff x="0" y="0"/>
+          <a:chExt cx="0" cy="0"/>
+        </a:xfrm>
+      </p:grpSpPr>
+      <p:sp>
+        <p:nvSpPr>
+          <p:cNvPr id="2" name="Title 1">
+            <a:extLst>
+              <a:ext uri="{FF2B5EF4-FFF2-40B4-BE49-F238E27FC236}">
                 <a16:creationId xmlns:a16="http://schemas.microsoft.com/office/drawing/2014/main" id="{4990BC70-345E-936D-AE93-FA066936D0ED}"/>
               </a:ext>
             </a:extLst>
@@ -29113,7 +29718,7 @@
           <a:p>
             <a:r>
               <a:rPr lang="en-CA" u="sng" dirty="0"/>
-              <a:t>6.1 Using machine learning Model to Estimate Sales for the Future- In action</a:t>
+              <a:t>6. Using machine learning Model to Estimate Sales for the Future</a:t>
             </a:r>
           </a:p>
         </p:txBody>
@@ -29148,15 +29753,127 @@
           <a:p>
             <a:r>
               <a:rPr lang="en-CA" dirty="0"/>
-              <a:t>We have </a:t>
-            </a:r>
-            <a:r>
-              <a:rPr lang="en-CA" dirty="0" err="1"/>
-              <a:t>choosen</a:t>
-            </a:r>
+              <a:t>After we get a clean data set and understanding in depth the business trend, we will move on to predict sales forecast for the future.</a:t>
+            </a:r>
+          </a:p>
+          <a:p>
             <a:r>
               <a:rPr lang="en-CA" dirty="0"/>
-              <a:t> US as country to initiate machine learning to forecast sales, profit and volume using various machine learning models</a:t>
+              <a:t> Since data’s available for this project are continuous  and have labels, we will use supervised learning model to predict sales for the future.</a:t>
+            </a:r>
+          </a:p>
+          <a:p>
+            <a:r>
+              <a:rPr lang="en-CA" dirty="0"/>
+              <a:t>The most suitable model for this type of data set will be liner regression model. We will initiate a liner regression model to plot sales(y axis) over time(X axis) and get a line of best fit . We will implement our knowledge of liner regression from the weather forecast module where we tried to predict weather forecast.</a:t>
+            </a:r>
+          </a:p>
+          <a:p>
+            <a:r>
+              <a:rPr lang="en-CA" dirty="0"/>
+              <a:t>After we create a liner regression model, we will use scikit-learn tool to train and test the model and get the accuracy and F score of the mode.</a:t>
+            </a:r>
+          </a:p>
+          <a:p>
+            <a:r>
+              <a:rPr lang="en-CA" dirty="0"/>
+              <a:t>After we satisfy with the machine learning model, we will plot year and month in X axis to predict sales for the future. We will try this model to predict sales for each of the three customer segment separately.</a:t>
+            </a:r>
+          </a:p>
+          <a:p>
+            <a:endParaRPr lang="en-CA" dirty="0"/>
+          </a:p>
+        </p:txBody>
+      </p:sp>
+    </p:spTree>
+    <p:extLst>
+      <p:ext uri="{BB962C8B-B14F-4D97-AF65-F5344CB8AC3E}">
+        <p14:creationId xmlns:p14="http://schemas.microsoft.com/office/powerpoint/2010/main" val="1156367626"/>
+      </p:ext>
+    </p:extLst>
+  </p:cSld>
+  <p:clrMapOvr>
+    <a:masterClrMapping/>
+  </p:clrMapOvr>
+</p:sld>
+</file>
+
+<file path=ppt/slides/slide18.xml><?xml version="1.0" encoding="utf-8"?>
+<p:sld xmlns:a="http://schemas.openxmlformats.org/drawingml/2006/main" xmlns:r="http://schemas.openxmlformats.org/officeDocument/2006/relationships" xmlns:p="http://schemas.openxmlformats.org/presentationml/2006/main">
+  <p:cSld>
+    <p:spTree>
+      <p:nvGrpSpPr>
+        <p:cNvPr id="1" name=""/>
+        <p:cNvGrpSpPr/>
+        <p:nvPr/>
+      </p:nvGrpSpPr>
+      <p:grpSpPr>
+        <a:xfrm>
+          <a:off x="0" y="0"/>
+          <a:ext cx="0" cy="0"/>
+          <a:chOff x="0" y="0"/>
+          <a:chExt cx="0" cy="0"/>
+        </a:xfrm>
+      </p:grpSpPr>
+      <p:sp>
+        <p:nvSpPr>
+          <p:cNvPr id="2" name="Title 1">
+            <a:extLst>
+              <a:ext uri="{FF2B5EF4-FFF2-40B4-BE49-F238E27FC236}">
+                <a16:creationId xmlns:a16="http://schemas.microsoft.com/office/drawing/2014/main" id="{4990BC70-345E-936D-AE93-FA066936D0ED}"/>
+              </a:ext>
+            </a:extLst>
+          </p:cNvPr>
+          <p:cNvSpPr>
+            <a:spLocks noGrp="1"/>
+          </p:cNvSpPr>
+          <p:nvPr>
+            <p:ph type="title"/>
+          </p:nvPr>
+        </p:nvSpPr>
+        <p:spPr/>
+        <p:txBody>
+          <a:bodyPr/>
+          <a:lstStyle/>
+          <a:p>
+            <a:r>
+              <a:rPr lang="en-CA" u="sng" dirty="0"/>
+              <a:t>6.1 Using machine learning Model to Estimate Sales for the Future- In action</a:t>
+            </a:r>
+          </a:p>
+        </p:txBody>
+      </p:sp>
+      <p:sp>
+        <p:nvSpPr>
+          <p:cNvPr id="3" name="Content Placeholder 2">
+            <a:extLst>
+              <a:ext uri="{FF2B5EF4-FFF2-40B4-BE49-F238E27FC236}">
+                <a16:creationId xmlns:a16="http://schemas.microsoft.com/office/drawing/2014/main" id="{0B2B2A4E-27BF-0367-2049-FB6B07042A55}"/>
+              </a:ext>
+            </a:extLst>
+          </p:cNvPr>
+          <p:cNvSpPr>
+            <a:spLocks noGrp="1"/>
+          </p:cNvSpPr>
+          <p:nvPr>
+            <p:ph idx="1"/>
+          </p:nvPr>
+        </p:nvSpPr>
+        <p:spPr>
+          <a:xfrm>
+            <a:off x="677334" y="2160589"/>
+            <a:ext cx="8596668" cy="4522313"/>
+          </a:xfrm>
+        </p:spPr>
+        <p:txBody>
+          <a:bodyPr>
+            <a:normAutofit/>
+          </a:bodyPr>
+          <a:lstStyle/>
+          <a:p>
+            <a:r>
+              <a:rPr lang="en-CA" dirty="0"/>
+              <a:t>We have chosen US as country to initiate machine learning to forecast sales, profit and volume using various machine learning models</a:t>
             </a:r>
           </a:p>
           <a:p>
@@ -29207,7 +29924,7 @@
 </p:sld>
 </file>
 
-<file path=ppt/slides/slide14.xml><?xml version="1.0" encoding="utf-8"?>
+<file path=ppt/slides/slide19.xml><?xml version="1.0" encoding="utf-8"?>
 <p:sld xmlns:a="http://schemas.openxmlformats.org/drawingml/2006/main" xmlns:r="http://schemas.openxmlformats.org/officeDocument/2006/relationships" xmlns:p="http://schemas.openxmlformats.org/presentationml/2006/main">
   <p:cSld>
     <p:spTree>

--- a/Project details.pptx
+++ b/Project details.pptx
@@ -17,17 +17,19 @@
     <p:sldId id="266" r:id="rId11"/>
     <p:sldId id="262" r:id="rId12"/>
     <p:sldId id="267" r:id="rId13"/>
-    <p:sldId id="269" r:id="rId14"/>
-    <p:sldId id="263" r:id="rId15"/>
-    <p:sldId id="268" r:id="rId16"/>
-    <p:sldId id="271" r:id="rId17"/>
-    <p:sldId id="272" r:id="rId18"/>
-    <p:sldId id="273" r:id="rId19"/>
-    <p:sldId id="274" r:id="rId20"/>
-    <p:sldId id="275" r:id="rId21"/>
-    <p:sldId id="264" r:id="rId22"/>
-    <p:sldId id="270" r:id="rId23"/>
-    <p:sldId id="265" r:id="rId24"/>
+    <p:sldId id="276" r:id="rId14"/>
+    <p:sldId id="269" r:id="rId15"/>
+    <p:sldId id="263" r:id="rId16"/>
+    <p:sldId id="268" r:id="rId17"/>
+    <p:sldId id="271" r:id="rId18"/>
+    <p:sldId id="272" r:id="rId19"/>
+    <p:sldId id="273" r:id="rId20"/>
+    <p:sldId id="274" r:id="rId21"/>
+    <p:sldId id="275" r:id="rId22"/>
+    <p:sldId id="264" r:id="rId23"/>
+    <p:sldId id="270" r:id="rId24"/>
+    <p:sldId id="277" r:id="rId25"/>
+    <p:sldId id="265" r:id="rId26"/>
   </p:sldIdLst>
   <p:sldSz cx="12192000" cy="6858000"/>
   <p:notesSz cx="6858000" cy="9144000"/>
@@ -856,7 +858,7 @@
           <a:p>
             <a:fld id="{9EB2CE1E-676B-463C-B255-66DA81B0B6EE}" type="datetimeFigureOut">
               <a:rPr lang="en-CA" smtClean="0"/>
-              <a:t>2022-11-16</a:t>
+              <a:t>2022-11-28</a:t>
             </a:fld>
             <a:endParaRPr lang="en-CA"/>
           </a:p>
@@ -1107,7 +1109,7 @@
           <a:p>
             <a:fld id="{9EB2CE1E-676B-463C-B255-66DA81B0B6EE}" type="datetimeFigureOut">
               <a:rPr lang="en-CA" smtClean="0"/>
-              <a:t>2022-11-16</a:t>
+              <a:t>2022-11-28</a:t>
             </a:fld>
             <a:endParaRPr lang="en-CA"/>
           </a:p>
@@ -1421,7 +1423,7 @@
           <a:p>
             <a:fld id="{9EB2CE1E-676B-463C-B255-66DA81B0B6EE}" type="datetimeFigureOut">
               <a:rPr lang="en-CA" smtClean="0"/>
-              <a:t>2022-11-16</a:t>
+              <a:t>2022-11-28</a:t>
             </a:fld>
             <a:endParaRPr lang="en-CA"/>
           </a:p>
@@ -1762,7 +1764,7 @@
           <a:p>
             <a:fld id="{9EB2CE1E-676B-463C-B255-66DA81B0B6EE}" type="datetimeFigureOut">
               <a:rPr lang="en-CA" smtClean="0"/>
-              <a:t>2022-11-16</a:t>
+              <a:t>2022-11-28</a:t>
             </a:fld>
             <a:endParaRPr lang="en-CA"/>
           </a:p>
@@ -2076,7 +2078,7 @@
           <a:p>
             <a:fld id="{9EB2CE1E-676B-463C-B255-66DA81B0B6EE}" type="datetimeFigureOut">
               <a:rPr lang="en-CA" smtClean="0"/>
-              <a:t>2022-11-16</a:t>
+              <a:t>2022-11-28</a:t>
             </a:fld>
             <a:endParaRPr lang="en-CA"/>
           </a:p>
@@ -2469,7 +2471,7 @@
           <a:p>
             <a:fld id="{9EB2CE1E-676B-463C-B255-66DA81B0B6EE}" type="datetimeFigureOut">
               <a:rPr lang="en-CA" smtClean="0"/>
-              <a:t>2022-11-16</a:t>
+              <a:t>2022-11-28</a:t>
             </a:fld>
             <a:endParaRPr lang="en-CA"/>
           </a:p>
@@ -2639,7 +2641,7 @@
           <a:p>
             <a:fld id="{9EB2CE1E-676B-463C-B255-66DA81B0B6EE}" type="datetimeFigureOut">
               <a:rPr lang="en-CA" smtClean="0"/>
-              <a:t>2022-11-16</a:t>
+              <a:t>2022-11-28</a:t>
             </a:fld>
             <a:endParaRPr lang="en-CA"/>
           </a:p>
@@ -2819,7 +2821,7 @@
           <a:p>
             <a:fld id="{9EB2CE1E-676B-463C-B255-66DA81B0B6EE}" type="datetimeFigureOut">
               <a:rPr lang="en-CA" smtClean="0"/>
-              <a:t>2022-11-16</a:t>
+              <a:t>2022-11-28</a:t>
             </a:fld>
             <a:endParaRPr lang="en-CA"/>
           </a:p>
@@ -3602,7 +3604,7 @@
           <a:p>
             <a:fld id="{9EB2CE1E-676B-463C-B255-66DA81B0B6EE}" type="datetimeFigureOut">
               <a:rPr lang="en-CA" smtClean="0"/>
-              <a:t>2022-11-16</a:t>
+              <a:t>2022-11-28</a:t>
             </a:fld>
             <a:endParaRPr lang="en-CA"/>
           </a:p>
@@ -3778,7 +3780,7 @@
           <a:p>
             <a:fld id="{9EB2CE1E-676B-463C-B255-66DA81B0B6EE}" type="datetimeFigureOut">
               <a:rPr lang="en-CA" smtClean="0"/>
-              <a:t>2022-11-16</a:t>
+              <a:t>2022-11-28</a:t>
             </a:fld>
             <a:endParaRPr lang="en-CA"/>
           </a:p>
@@ -4025,7 +4027,7 @@
           <a:p>
             <a:fld id="{9EB2CE1E-676B-463C-B255-66DA81B0B6EE}" type="datetimeFigureOut">
               <a:rPr lang="en-CA" smtClean="0"/>
-              <a:t>2022-11-16</a:t>
+              <a:t>2022-11-28</a:t>
             </a:fld>
             <a:endParaRPr lang="en-CA"/>
           </a:p>
@@ -4201,7 +4203,7 @@
           <a:p>
             <a:fld id="{9EB2CE1E-676B-463C-B255-66DA81B0B6EE}" type="datetimeFigureOut">
               <a:rPr lang="en-CA" smtClean="0"/>
-              <a:t>2022-11-16</a:t>
+              <a:t>2022-11-28</a:t>
             </a:fld>
             <a:endParaRPr lang="en-CA"/>
           </a:p>
@@ -4433,7 +4435,7 @@
           <a:p>
             <a:fld id="{9EB2CE1E-676B-463C-B255-66DA81B0B6EE}" type="datetimeFigureOut">
               <a:rPr lang="en-CA" smtClean="0"/>
-              <a:t>2022-11-16</a:t>
+              <a:t>2022-11-28</a:t>
             </a:fld>
             <a:endParaRPr lang="en-CA"/>
           </a:p>
@@ -4807,7 +4809,7 @@
           <a:p>
             <a:fld id="{9EB2CE1E-676B-463C-B255-66DA81B0B6EE}" type="datetimeFigureOut">
               <a:rPr lang="en-CA" smtClean="0"/>
-              <a:t>2022-11-16</a:t>
+              <a:t>2022-11-28</a:t>
             </a:fld>
             <a:endParaRPr lang="en-CA"/>
           </a:p>
@@ -4930,7 +4932,7 @@
           <a:p>
             <a:fld id="{9EB2CE1E-676B-463C-B255-66DA81B0B6EE}" type="datetimeFigureOut">
               <a:rPr lang="en-CA" smtClean="0"/>
-              <a:t>2022-11-16</a:t>
+              <a:t>2022-11-28</a:t>
             </a:fld>
             <a:endParaRPr lang="en-CA"/>
           </a:p>
@@ -5025,7 +5027,7 @@
           <a:p>
             <a:fld id="{9EB2CE1E-676B-463C-B255-66DA81B0B6EE}" type="datetimeFigureOut">
               <a:rPr lang="en-CA" smtClean="0"/>
-              <a:t>2022-11-16</a:t>
+              <a:t>2022-11-28</a:t>
             </a:fld>
             <a:endParaRPr lang="en-CA"/>
           </a:p>
@@ -5280,7 +5282,7 @@
           <a:p>
             <a:fld id="{9EB2CE1E-676B-463C-B255-66DA81B0B6EE}" type="datetimeFigureOut">
               <a:rPr lang="en-CA" smtClean="0"/>
-              <a:t>2022-11-16</a:t>
+              <a:t>2022-11-28</a:t>
             </a:fld>
             <a:endParaRPr lang="en-CA"/>
           </a:p>
@@ -5543,7 +5545,7 @@
           <a:p>
             <a:fld id="{9EB2CE1E-676B-463C-B255-66DA81B0B6EE}" type="datetimeFigureOut">
               <a:rPr lang="en-CA" smtClean="0"/>
-              <a:t>2022-11-16</a:t>
+              <a:t>2022-11-28</a:t>
             </a:fld>
             <a:endParaRPr lang="en-CA"/>
           </a:p>
@@ -5794,7 +5796,7 @@
           <a:p>
             <a:fld id="{9EB2CE1E-676B-463C-B255-66DA81B0B6EE}" type="datetimeFigureOut">
               <a:rPr lang="en-CA" smtClean="0"/>
-              <a:t>2022-11-16</a:t>
+              <a:t>2022-11-28</a:t>
             </a:fld>
             <a:endParaRPr lang="en-CA"/>
           </a:p>
@@ -6108,7 +6110,7 @@
           <a:p>
             <a:fld id="{9EB2CE1E-676B-463C-B255-66DA81B0B6EE}" type="datetimeFigureOut">
               <a:rPr lang="en-CA" smtClean="0"/>
-              <a:t>2022-11-16</a:t>
+              <a:t>2022-11-28</a:t>
             </a:fld>
             <a:endParaRPr lang="en-CA"/>
           </a:p>
@@ -6449,7 +6451,7 @@
           <a:p>
             <a:fld id="{9EB2CE1E-676B-463C-B255-66DA81B0B6EE}" type="datetimeFigureOut">
               <a:rPr lang="en-CA" smtClean="0"/>
-              <a:t>2022-11-16</a:t>
+              <a:t>2022-11-28</a:t>
             </a:fld>
             <a:endParaRPr lang="en-CA"/>
           </a:p>
@@ -6763,7 +6765,7 @@
           <a:p>
             <a:fld id="{9EB2CE1E-676B-463C-B255-66DA81B0B6EE}" type="datetimeFigureOut">
               <a:rPr lang="en-CA" smtClean="0"/>
-              <a:t>2022-11-16</a:t>
+              <a:t>2022-11-28</a:t>
             </a:fld>
             <a:endParaRPr lang="en-CA"/>
           </a:p>
@@ -7092,7 +7094,7 @@
           <a:p>
             <a:fld id="{9EB2CE1E-676B-463C-B255-66DA81B0B6EE}" type="datetimeFigureOut">
               <a:rPr lang="en-CA" smtClean="0"/>
-              <a:t>2022-11-16</a:t>
+              <a:t>2022-11-28</a:t>
             </a:fld>
             <a:endParaRPr lang="en-CA"/>
           </a:p>
@@ -7403,7 +7405,7 @@
           <a:p>
             <a:fld id="{9EB2CE1E-676B-463C-B255-66DA81B0B6EE}" type="datetimeFigureOut">
               <a:rPr lang="en-CA" smtClean="0"/>
-              <a:t>2022-11-16</a:t>
+              <a:t>2022-11-28</a:t>
             </a:fld>
             <a:endParaRPr lang="en-CA"/>
           </a:p>
@@ -7573,7 +7575,7 @@
           <a:p>
             <a:fld id="{9EB2CE1E-676B-463C-B255-66DA81B0B6EE}" type="datetimeFigureOut">
               <a:rPr lang="en-CA" smtClean="0"/>
-              <a:t>2022-11-16</a:t>
+              <a:t>2022-11-28</a:t>
             </a:fld>
             <a:endParaRPr lang="en-CA"/>
           </a:p>
@@ -7753,7 +7755,7 @@
           <a:p>
             <a:fld id="{9EB2CE1E-676B-463C-B255-66DA81B0B6EE}" type="datetimeFigureOut">
               <a:rPr lang="en-CA" smtClean="0"/>
-              <a:t>2022-11-16</a:t>
+              <a:t>2022-11-28</a:t>
             </a:fld>
             <a:endParaRPr lang="en-CA"/>
           </a:p>
@@ -8536,7 +8538,7 @@
           <a:p>
             <a:fld id="{9EB2CE1E-676B-463C-B255-66DA81B0B6EE}" type="datetimeFigureOut">
               <a:rPr lang="en-CA" smtClean="0"/>
-              <a:t>2022-11-16</a:t>
+              <a:t>2022-11-28</a:t>
             </a:fld>
             <a:endParaRPr lang="en-CA"/>
           </a:p>
@@ -8712,7 +8714,7 @@
           <a:p>
             <a:fld id="{9EB2CE1E-676B-463C-B255-66DA81B0B6EE}" type="datetimeFigureOut">
               <a:rPr lang="en-CA" smtClean="0"/>
-              <a:t>2022-11-16</a:t>
+              <a:t>2022-11-28</a:t>
             </a:fld>
             <a:endParaRPr lang="en-CA"/>
           </a:p>
@@ -8959,7 +8961,7 @@
           <a:p>
             <a:fld id="{9EB2CE1E-676B-463C-B255-66DA81B0B6EE}" type="datetimeFigureOut">
               <a:rPr lang="en-CA" smtClean="0"/>
-              <a:t>2022-11-16</a:t>
+              <a:t>2022-11-28</a:t>
             </a:fld>
             <a:endParaRPr lang="en-CA"/>
           </a:p>
@@ -9191,7 +9193,7 @@
           <a:p>
             <a:fld id="{9EB2CE1E-676B-463C-B255-66DA81B0B6EE}" type="datetimeFigureOut">
               <a:rPr lang="en-CA" smtClean="0"/>
-              <a:t>2022-11-16</a:t>
+              <a:t>2022-11-28</a:t>
             </a:fld>
             <a:endParaRPr lang="en-CA"/>
           </a:p>
@@ -9565,7 +9567,7 @@
           <a:p>
             <a:fld id="{9EB2CE1E-676B-463C-B255-66DA81B0B6EE}" type="datetimeFigureOut">
               <a:rPr lang="en-CA" smtClean="0"/>
-              <a:t>2022-11-16</a:t>
+              <a:t>2022-11-28</a:t>
             </a:fld>
             <a:endParaRPr lang="en-CA"/>
           </a:p>
@@ -9688,7 +9690,7 @@
           <a:p>
             <a:fld id="{9EB2CE1E-676B-463C-B255-66DA81B0B6EE}" type="datetimeFigureOut">
               <a:rPr lang="en-CA" smtClean="0"/>
-              <a:t>2022-11-16</a:t>
+              <a:t>2022-11-28</a:t>
             </a:fld>
             <a:endParaRPr lang="en-CA"/>
           </a:p>
@@ -9783,7 +9785,7 @@
           <a:p>
             <a:fld id="{9EB2CE1E-676B-463C-B255-66DA81B0B6EE}" type="datetimeFigureOut">
               <a:rPr lang="en-CA" smtClean="0"/>
-              <a:t>2022-11-16</a:t>
+              <a:t>2022-11-28</a:t>
             </a:fld>
             <a:endParaRPr lang="en-CA"/>
           </a:p>
@@ -10015,7 +10017,7 @@
           <a:p>
             <a:fld id="{9EB2CE1E-676B-463C-B255-66DA81B0B6EE}" type="datetimeFigureOut">
               <a:rPr lang="en-CA" smtClean="0"/>
-              <a:t>2022-11-16</a:t>
+              <a:t>2022-11-28</a:t>
             </a:fld>
             <a:endParaRPr lang="en-CA"/>
           </a:p>
@@ -10270,7 +10272,7 @@
           <a:p>
             <a:fld id="{9EB2CE1E-676B-463C-B255-66DA81B0B6EE}" type="datetimeFigureOut">
               <a:rPr lang="en-CA" smtClean="0"/>
-              <a:t>2022-11-16</a:t>
+              <a:t>2022-11-28</a:t>
             </a:fld>
             <a:endParaRPr lang="en-CA"/>
           </a:p>
@@ -10533,7 +10535,7 @@
           <a:p>
             <a:fld id="{9EB2CE1E-676B-463C-B255-66DA81B0B6EE}" type="datetimeFigureOut">
               <a:rPr lang="en-CA" smtClean="0"/>
-              <a:t>2022-11-16</a:t>
+              <a:t>2022-11-28</a:t>
             </a:fld>
             <a:endParaRPr lang="en-CA"/>
           </a:p>
@@ -10784,7 +10786,7 @@
           <a:p>
             <a:fld id="{9EB2CE1E-676B-463C-B255-66DA81B0B6EE}" type="datetimeFigureOut">
               <a:rPr lang="en-CA" smtClean="0"/>
-              <a:t>2022-11-16</a:t>
+              <a:t>2022-11-28</a:t>
             </a:fld>
             <a:endParaRPr lang="en-CA"/>
           </a:p>
@@ -11098,7 +11100,7 @@
           <a:p>
             <a:fld id="{9EB2CE1E-676B-463C-B255-66DA81B0B6EE}" type="datetimeFigureOut">
               <a:rPr lang="en-CA" smtClean="0"/>
-              <a:t>2022-11-16</a:t>
+              <a:t>2022-11-28</a:t>
             </a:fld>
             <a:endParaRPr lang="en-CA"/>
           </a:p>
@@ -11439,7 +11441,7 @@
           <a:p>
             <a:fld id="{9EB2CE1E-676B-463C-B255-66DA81B0B6EE}" type="datetimeFigureOut">
               <a:rPr lang="en-CA" smtClean="0"/>
-              <a:t>2022-11-16</a:t>
+              <a:t>2022-11-28</a:t>
             </a:fld>
             <a:endParaRPr lang="en-CA"/>
           </a:p>
@@ -11753,7 +11755,7 @@
           <a:p>
             <a:fld id="{9EB2CE1E-676B-463C-B255-66DA81B0B6EE}" type="datetimeFigureOut">
               <a:rPr lang="en-CA" smtClean="0"/>
-              <a:t>2022-11-16</a:t>
+              <a:t>2022-11-28</a:t>
             </a:fld>
             <a:endParaRPr lang="en-CA"/>
           </a:p>
@@ -12146,7 +12148,7 @@
           <a:p>
             <a:fld id="{9EB2CE1E-676B-463C-B255-66DA81B0B6EE}" type="datetimeFigureOut">
               <a:rPr lang="en-CA" smtClean="0"/>
-              <a:t>2022-11-16</a:t>
+              <a:t>2022-11-28</a:t>
             </a:fld>
             <a:endParaRPr lang="en-CA"/>
           </a:p>
@@ -12316,7 +12318,7 @@
           <a:p>
             <a:fld id="{9EB2CE1E-676B-463C-B255-66DA81B0B6EE}" type="datetimeFigureOut">
               <a:rPr lang="en-CA" smtClean="0"/>
-              <a:t>2022-11-16</a:t>
+              <a:t>2022-11-28</a:t>
             </a:fld>
             <a:endParaRPr lang="en-CA"/>
           </a:p>
@@ -12496,7 +12498,7 @@
           <a:p>
             <a:fld id="{9EB2CE1E-676B-463C-B255-66DA81B0B6EE}" type="datetimeFigureOut">
               <a:rPr lang="en-CA" smtClean="0"/>
-              <a:t>2022-11-16</a:t>
+              <a:t>2022-11-28</a:t>
             </a:fld>
             <a:endParaRPr lang="en-CA"/>
           </a:p>
@@ -13279,7 +13281,7 @@
           <a:p>
             <a:fld id="{9EB2CE1E-676B-463C-B255-66DA81B0B6EE}" type="datetimeFigureOut">
               <a:rPr lang="en-CA" smtClean="0"/>
-              <a:t>2022-11-16</a:t>
+              <a:t>2022-11-28</a:t>
             </a:fld>
             <a:endParaRPr lang="en-CA"/>
           </a:p>
@@ -13653,7 +13655,7 @@
           <a:p>
             <a:fld id="{9EB2CE1E-676B-463C-B255-66DA81B0B6EE}" type="datetimeFigureOut">
               <a:rPr lang="en-CA" smtClean="0"/>
-              <a:t>2022-11-16</a:t>
+              <a:t>2022-11-28</a:t>
             </a:fld>
             <a:endParaRPr lang="en-CA"/>
           </a:p>
@@ -13829,7 +13831,7 @@
           <a:p>
             <a:fld id="{9EB2CE1E-676B-463C-B255-66DA81B0B6EE}" type="datetimeFigureOut">
               <a:rPr lang="en-CA" smtClean="0"/>
-              <a:t>2022-11-16</a:t>
+              <a:t>2022-11-28</a:t>
             </a:fld>
             <a:endParaRPr lang="en-CA"/>
           </a:p>
@@ -14076,7 +14078,7 @@
           <a:p>
             <a:fld id="{9EB2CE1E-676B-463C-B255-66DA81B0B6EE}" type="datetimeFigureOut">
               <a:rPr lang="en-CA" smtClean="0"/>
-              <a:t>2022-11-16</a:t>
+              <a:t>2022-11-28</a:t>
             </a:fld>
             <a:endParaRPr lang="en-CA"/>
           </a:p>
@@ -14308,7 +14310,7 @@
           <a:p>
             <a:fld id="{9EB2CE1E-676B-463C-B255-66DA81B0B6EE}" type="datetimeFigureOut">
               <a:rPr lang="en-CA" smtClean="0"/>
-              <a:t>2022-11-16</a:t>
+              <a:t>2022-11-28</a:t>
             </a:fld>
             <a:endParaRPr lang="en-CA"/>
           </a:p>
@@ -14682,7 +14684,7 @@
           <a:p>
             <a:fld id="{9EB2CE1E-676B-463C-B255-66DA81B0B6EE}" type="datetimeFigureOut">
               <a:rPr lang="en-CA" smtClean="0"/>
-              <a:t>2022-11-16</a:t>
+              <a:t>2022-11-28</a:t>
             </a:fld>
             <a:endParaRPr lang="en-CA"/>
           </a:p>
@@ -14805,7 +14807,7 @@
           <a:p>
             <a:fld id="{9EB2CE1E-676B-463C-B255-66DA81B0B6EE}" type="datetimeFigureOut">
               <a:rPr lang="en-CA" smtClean="0"/>
-              <a:t>2022-11-16</a:t>
+              <a:t>2022-11-28</a:t>
             </a:fld>
             <a:endParaRPr lang="en-CA"/>
           </a:p>
@@ -14900,7 +14902,7 @@
           <a:p>
             <a:fld id="{9EB2CE1E-676B-463C-B255-66DA81B0B6EE}" type="datetimeFigureOut">
               <a:rPr lang="en-CA" smtClean="0"/>
-              <a:t>2022-11-16</a:t>
+              <a:t>2022-11-28</a:t>
             </a:fld>
             <a:endParaRPr lang="en-CA"/>
           </a:p>
@@ -15155,7 +15157,7 @@
           <a:p>
             <a:fld id="{9EB2CE1E-676B-463C-B255-66DA81B0B6EE}" type="datetimeFigureOut">
               <a:rPr lang="en-CA" smtClean="0"/>
-              <a:t>2022-11-16</a:t>
+              <a:t>2022-11-28</a:t>
             </a:fld>
             <a:endParaRPr lang="en-CA"/>
           </a:p>
@@ -15418,7 +15420,7 @@
           <a:p>
             <a:fld id="{9EB2CE1E-676B-463C-B255-66DA81B0B6EE}" type="datetimeFigureOut">
               <a:rPr lang="en-CA" smtClean="0"/>
-              <a:t>2022-11-16</a:t>
+              <a:t>2022-11-28</a:t>
             </a:fld>
             <a:endParaRPr lang="en-CA"/>
           </a:p>
@@ -15669,7 +15671,7 @@
           <a:p>
             <a:fld id="{9EB2CE1E-676B-463C-B255-66DA81B0B6EE}" type="datetimeFigureOut">
               <a:rPr lang="en-CA" smtClean="0"/>
-              <a:t>2022-11-16</a:t>
+              <a:t>2022-11-28</a:t>
             </a:fld>
             <a:endParaRPr lang="en-CA"/>
           </a:p>
@@ -15983,7 +15985,7 @@
           <a:p>
             <a:fld id="{9EB2CE1E-676B-463C-B255-66DA81B0B6EE}" type="datetimeFigureOut">
               <a:rPr lang="en-CA" smtClean="0"/>
-              <a:t>2022-11-16</a:t>
+              <a:t>2022-11-28</a:t>
             </a:fld>
             <a:endParaRPr lang="en-CA"/>
           </a:p>
@@ -16196,7 +16198,7 @@
           <a:p>
             <a:fld id="{9EB2CE1E-676B-463C-B255-66DA81B0B6EE}" type="datetimeFigureOut">
               <a:rPr lang="en-CA" smtClean="0"/>
-              <a:t>2022-11-16</a:t>
+              <a:t>2022-11-28</a:t>
             </a:fld>
             <a:endParaRPr lang="en-CA"/>
           </a:p>
@@ -16447,7 +16449,7 @@
           <a:p>
             <a:fld id="{9EB2CE1E-676B-463C-B255-66DA81B0B6EE}" type="datetimeFigureOut">
               <a:rPr lang="en-CA" smtClean="0"/>
-              <a:t>2022-11-16</a:t>
+              <a:t>2022-11-28</a:t>
             </a:fld>
             <a:endParaRPr lang="en-CA"/>
           </a:p>
@@ -16761,7 +16763,7 @@
           <a:p>
             <a:fld id="{9EB2CE1E-676B-463C-B255-66DA81B0B6EE}" type="datetimeFigureOut">
               <a:rPr lang="en-CA" smtClean="0"/>
-              <a:t>2022-11-16</a:t>
+              <a:t>2022-11-28</a:t>
             </a:fld>
             <a:endParaRPr lang="en-CA"/>
           </a:p>
@@ -17154,7 +17156,7 @@
           <a:p>
             <a:fld id="{9EB2CE1E-676B-463C-B255-66DA81B0B6EE}" type="datetimeFigureOut">
               <a:rPr lang="en-CA" smtClean="0"/>
-              <a:t>2022-11-16</a:t>
+              <a:t>2022-11-28</a:t>
             </a:fld>
             <a:endParaRPr lang="en-CA"/>
           </a:p>
@@ -17324,7 +17326,7 @@
           <a:p>
             <a:fld id="{9EB2CE1E-676B-463C-B255-66DA81B0B6EE}" type="datetimeFigureOut">
               <a:rPr lang="en-CA" smtClean="0"/>
-              <a:t>2022-11-16</a:t>
+              <a:t>2022-11-28</a:t>
             </a:fld>
             <a:endParaRPr lang="en-CA"/>
           </a:p>
@@ -17504,7 +17506,7 @@
           <a:p>
             <a:fld id="{9EB2CE1E-676B-463C-B255-66DA81B0B6EE}" type="datetimeFigureOut">
               <a:rPr lang="en-CA" smtClean="0"/>
-              <a:t>2022-11-16</a:t>
+              <a:t>2022-11-28</a:t>
             </a:fld>
             <a:endParaRPr lang="en-CA"/>
           </a:p>
@@ -18287,7 +18289,7 @@
           <a:p>
             <a:fld id="{9EB2CE1E-676B-463C-B255-66DA81B0B6EE}" type="datetimeFigureOut">
               <a:rPr lang="en-CA" smtClean="0"/>
-              <a:t>2022-11-16</a:t>
+              <a:t>2022-11-28</a:t>
             </a:fld>
             <a:endParaRPr lang="en-CA"/>
           </a:p>
@@ -18463,7 +18465,7 @@
           <a:p>
             <a:fld id="{9EB2CE1E-676B-463C-B255-66DA81B0B6EE}" type="datetimeFigureOut">
               <a:rPr lang="en-CA" smtClean="0"/>
-              <a:t>2022-11-16</a:t>
+              <a:t>2022-11-28</a:t>
             </a:fld>
             <a:endParaRPr lang="en-CA"/>
           </a:p>
@@ -18710,7 +18712,7 @@
           <a:p>
             <a:fld id="{9EB2CE1E-676B-463C-B255-66DA81B0B6EE}" type="datetimeFigureOut">
               <a:rPr lang="en-CA" smtClean="0"/>
-              <a:t>2022-11-16</a:t>
+              <a:t>2022-11-28</a:t>
             </a:fld>
             <a:endParaRPr lang="en-CA"/>
           </a:p>
@@ -18942,7 +18944,7 @@
           <a:p>
             <a:fld id="{9EB2CE1E-676B-463C-B255-66DA81B0B6EE}" type="datetimeFigureOut">
               <a:rPr lang="en-CA" smtClean="0"/>
-              <a:t>2022-11-16</a:t>
+              <a:t>2022-11-28</a:t>
             </a:fld>
             <a:endParaRPr lang="en-CA"/>
           </a:p>
@@ -19316,7 +19318,7 @@
           <a:p>
             <a:fld id="{9EB2CE1E-676B-463C-B255-66DA81B0B6EE}" type="datetimeFigureOut">
               <a:rPr lang="en-CA" smtClean="0"/>
-              <a:t>2022-11-16</a:t>
+              <a:t>2022-11-28</a:t>
             </a:fld>
             <a:endParaRPr lang="en-CA"/>
           </a:p>
@@ -19411,7 +19413,7 @@
           <a:p>
             <a:fld id="{9EB2CE1E-676B-463C-B255-66DA81B0B6EE}" type="datetimeFigureOut">
               <a:rPr lang="en-CA" smtClean="0"/>
-              <a:t>2022-11-16</a:t>
+              <a:t>2022-11-28</a:t>
             </a:fld>
             <a:endParaRPr lang="en-CA"/>
           </a:p>
@@ -19534,7 +19536,7 @@
           <a:p>
             <a:fld id="{9EB2CE1E-676B-463C-B255-66DA81B0B6EE}" type="datetimeFigureOut">
               <a:rPr lang="en-CA" smtClean="0"/>
-              <a:t>2022-11-16</a:t>
+              <a:t>2022-11-28</a:t>
             </a:fld>
             <a:endParaRPr lang="en-CA"/>
           </a:p>
@@ -19629,7 +19631,7 @@
           <a:p>
             <a:fld id="{9EB2CE1E-676B-463C-B255-66DA81B0B6EE}" type="datetimeFigureOut">
               <a:rPr lang="en-CA" smtClean="0"/>
-              <a:t>2022-11-16</a:t>
+              <a:t>2022-11-28</a:t>
             </a:fld>
             <a:endParaRPr lang="en-CA"/>
           </a:p>
@@ -19884,7 +19886,7 @@
           <a:p>
             <a:fld id="{9EB2CE1E-676B-463C-B255-66DA81B0B6EE}" type="datetimeFigureOut">
               <a:rPr lang="en-CA" smtClean="0"/>
-              <a:t>2022-11-16</a:t>
+              <a:t>2022-11-28</a:t>
             </a:fld>
             <a:endParaRPr lang="en-CA"/>
           </a:p>
@@ -20147,7 +20149,7 @@
           <a:p>
             <a:fld id="{9EB2CE1E-676B-463C-B255-66DA81B0B6EE}" type="datetimeFigureOut">
               <a:rPr lang="en-CA" smtClean="0"/>
-              <a:t>2022-11-16</a:t>
+              <a:t>2022-11-28</a:t>
             </a:fld>
             <a:endParaRPr lang="en-CA"/>
           </a:p>
@@ -20398,7 +20400,7 @@
           <a:p>
             <a:fld id="{9EB2CE1E-676B-463C-B255-66DA81B0B6EE}" type="datetimeFigureOut">
               <a:rPr lang="en-CA" smtClean="0"/>
-              <a:t>2022-11-16</a:t>
+              <a:t>2022-11-28</a:t>
             </a:fld>
             <a:endParaRPr lang="en-CA"/>
           </a:p>
@@ -20712,7 +20714,7 @@
           <a:p>
             <a:fld id="{9EB2CE1E-676B-463C-B255-66DA81B0B6EE}" type="datetimeFigureOut">
               <a:rPr lang="en-CA" smtClean="0"/>
-              <a:t>2022-11-16</a:t>
+              <a:t>2022-11-28</a:t>
             </a:fld>
             <a:endParaRPr lang="en-CA"/>
           </a:p>
@@ -21053,7 +21055,7 @@
           <a:p>
             <a:fld id="{9EB2CE1E-676B-463C-B255-66DA81B0B6EE}" type="datetimeFigureOut">
               <a:rPr lang="en-CA" smtClean="0"/>
-              <a:t>2022-11-16</a:t>
+              <a:t>2022-11-28</a:t>
             </a:fld>
             <a:endParaRPr lang="en-CA"/>
           </a:p>
@@ -21367,7 +21369,7 @@
           <a:p>
             <a:fld id="{9EB2CE1E-676B-463C-B255-66DA81B0B6EE}" type="datetimeFigureOut">
               <a:rPr lang="en-CA" smtClean="0"/>
-              <a:t>2022-11-16</a:t>
+              <a:t>2022-11-28</a:t>
             </a:fld>
             <a:endParaRPr lang="en-CA"/>
           </a:p>
@@ -21760,7 +21762,7 @@
           <a:p>
             <a:fld id="{9EB2CE1E-676B-463C-B255-66DA81B0B6EE}" type="datetimeFigureOut">
               <a:rPr lang="en-CA" smtClean="0"/>
-              <a:t>2022-11-16</a:t>
+              <a:t>2022-11-28</a:t>
             </a:fld>
             <a:endParaRPr lang="en-CA"/>
           </a:p>
@@ -21930,7 +21932,7 @@
           <a:p>
             <a:fld id="{9EB2CE1E-676B-463C-B255-66DA81B0B6EE}" type="datetimeFigureOut">
               <a:rPr lang="en-CA" smtClean="0"/>
-              <a:t>2022-11-16</a:t>
+              <a:t>2022-11-28</a:t>
             </a:fld>
             <a:endParaRPr lang="en-CA"/>
           </a:p>
@@ -22185,7 +22187,7 @@
           <a:p>
             <a:fld id="{9EB2CE1E-676B-463C-B255-66DA81B0B6EE}" type="datetimeFigureOut">
               <a:rPr lang="en-CA" smtClean="0"/>
-              <a:t>2022-11-16</a:t>
+              <a:t>2022-11-28</a:t>
             </a:fld>
             <a:endParaRPr lang="en-CA"/>
           </a:p>
@@ -22365,7 +22367,7 @@
           <a:p>
             <a:fld id="{9EB2CE1E-676B-463C-B255-66DA81B0B6EE}" type="datetimeFigureOut">
               <a:rPr lang="en-CA" smtClean="0"/>
-              <a:t>2022-11-16</a:t>
+              <a:t>2022-11-28</a:t>
             </a:fld>
             <a:endParaRPr lang="en-CA"/>
           </a:p>
@@ -22628,7 +22630,7 @@
           <a:p>
             <a:fld id="{9EB2CE1E-676B-463C-B255-66DA81B0B6EE}" type="datetimeFigureOut">
               <a:rPr lang="en-CA" smtClean="0"/>
-              <a:t>2022-11-16</a:t>
+              <a:t>2022-11-28</a:t>
             </a:fld>
             <a:endParaRPr lang="en-CA"/>
           </a:p>
@@ -23371,7 +23373,7 @@
           <a:p>
             <a:fld id="{9EB2CE1E-676B-463C-B255-66DA81B0B6EE}" type="datetimeFigureOut">
               <a:rPr lang="en-CA" smtClean="0"/>
-              <a:t>2022-11-16</a:t>
+              <a:t>2022-11-28</a:t>
             </a:fld>
             <a:endParaRPr lang="en-CA"/>
           </a:p>
@@ -24560,7 +24562,7 @@
           <a:p>
             <a:fld id="{9EB2CE1E-676B-463C-B255-66DA81B0B6EE}" type="datetimeFigureOut">
               <a:rPr lang="en-CA" smtClean="0"/>
-              <a:t>2022-11-16</a:t>
+              <a:t>2022-11-28</a:t>
             </a:fld>
             <a:endParaRPr lang="en-CA"/>
           </a:p>
@@ -25749,7 +25751,7 @@
           <a:p>
             <a:fld id="{9EB2CE1E-676B-463C-B255-66DA81B0B6EE}" type="datetimeFigureOut">
               <a:rPr lang="en-CA" smtClean="0"/>
-              <a:t>2022-11-16</a:t>
+              <a:t>2022-11-28</a:t>
             </a:fld>
             <a:endParaRPr lang="en-CA"/>
           </a:p>
@@ -26938,7 +26940,7 @@
           <a:p>
             <a:fld id="{9EB2CE1E-676B-463C-B255-66DA81B0B6EE}" type="datetimeFigureOut">
               <a:rPr lang="en-CA" smtClean="0"/>
-              <a:t>2022-11-16</a:t>
+              <a:t>2022-11-28</a:t>
             </a:fld>
             <a:endParaRPr lang="en-CA"/>
           </a:p>
@@ -28127,7 +28129,7 @@
           <a:p>
             <a:fld id="{9EB2CE1E-676B-463C-B255-66DA81B0B6EE}" type="datetimeFigureOut">
               <a:rPr lang="en-CA" smtClean="0"/>
-              <a:t>2022-11-16</a:t>
+              <a:t>2022-11-28</a:t>
             </a:fld>
             <a:endParaRPr lang="en-CA"/>
           </a:p>
@@ -28759,7 +28761,7 @@
           <p:cNvPr id="2" name="Title 1">
             <a:extLst>
               <a:ext uri="{FF2B5EF4-FFF2-40B4-BE49-F238E27FC236}">
-                <a16:creationId xmlns:a16="http://schemas.microsoft.com/office/drawing/2014/main" id="{D20E188C-A83F-3BD2-88B0-1E8F25A30CB6}"/>
+                <a16:creationId xmlns:a16="http://schemas.microsoft.com/office/drawing/2014/main" id="{7C0A3656-A183-D69D-BA09-ACB2677206B3}"/>
               </a:ext>
             </a:extLst>
           </p:cNvPr>
@@ -28776,22 +28778,28 @@
           <a:lstStyle/>
           <a:p>
             <a:r>
-              <a:rPr lang="en-CA" dirty="0"/>
-              <a:t>5. </a:t>
-            </a:r>
-            <a:r>
-              <a:rPr lang="en-CA" u="sng" dirty="0"/>
-              <a:t>Visualizing Reports and Telling Stories Using Tableau  </a:t>
-            </a:r>
-          </a:p>
-        </p:txBody>
-      </p:sp>
-      <p:sp>
-        <p:nvSpPr>
-          <p:cNvPr id="3" name="Content Placeholder 2">
+              <a:rPr lang="en-CA" b="1" dirty="0">
+                <a:latin typeface="HP Simplified Jpan Light" panose="020B0300000000000000" pitchFamily="34" charset="-128"/>
+                <a:ea typeface="HP Simplified Jpan Light" panose="020B0300000000000000" pitchFamily="34" charset="-128"/>
+              </a:rPr>
+              <a:t>4.1 </a:t>
+            </a:r>
+            <a:r>
+              <a:rPr lang="en-CA" b="1" u="sng" dirty="0">
+                <a:latin typeface="HP Simplified Jpan Light" panose="020B0300000000000000" pitchFamily="34" charset="-128"/>
+                <a:ea typeface="HP Simplified Jpan Light" panose="020B0300000000000000" pitchFamily="34" charset="-128"/>
+              </a:rPr>
+              <a:t>Creating a Data Base in action</a:t>
+            </a:r>
+          </a:p>
+        </p:txBody>
+      </p:sp>
+      <p:sp>
+        <p:nvSpPr>
+          <p:cNvPr id="4" name="Content Placeholder 3">
             <a:extLst>
               <a:ext uri="{FF2B5EF4-FFF2-40B4-BE49-F238E27FC236}">
-                <a16:creationId xmlns:a16="http://schemas.microsoft.com/office/drawing/2014/main" id="{C54C3E01-9804-02A3-B594-B90FEBF8DE39}"/>
+                <a16:creationId xmlns:a16="http://schemas.microsoft.com/office/drawing/2014/main" id="{7F7BE1CF-B00A-C2A4-B5BD-BCFD4B4A4214}"/>
               </a:ext>
             </a:extLst>
           </p:cNvPr>
@@ -28809,41 +28817,78 @@
           <a:p>
             <a:r>
               <a:rPr lang="en-CA" dirty="0"/>
-              <a:t>The reports created in SQL (Pg Admin) will be used to visualize information in Tableau.</a:t>
-            </a:r>
-          </a:p>
-          <a:p>
-            <a:r>
-              <a:rPr lang="en-CA" dirty="0"/>
-              <a:t>Based on various reports visualized, we will create a story, explaining facts about the  superstore </a:t>
-            </a:r>
-            <a:r>
-              <a:rPr lang="en-CA" dirty="0" err="1"/>
-              <a:t>i.e</a:t>
-            </a:r>
-            <a:r>
-              <a:rPr lang="en-CA" dirty="0"/>
-              <a:t> displaying  revenue growth over time, customer profit analysis, distribution of revenue over various geographical locations.</a:t>
-            </a:r>
-          </a:p>
-          <a:p>
-            <a:r>
-              <a:rPr lang="en-CA" dirty="0"/>
-              <a:t>Visualize sales over time to display trend to understand which months of the year we have higher sales and which months are characterized as  slow sales. This will help to plan stocking of  inventories to ensure we are not overstocking inventories when sales are slow and not understocking when sales are more during specific month of the year.</a:t>
-            </a:r>
-          </a:p>
-          <a:p>
-            <a:r>
-              <a:rPr lang="en-CA" dirty="0"/>
-              <a:t>We will present various what if scenario’s to explain what will be the profit if we change shipping mode, sales with and without discount etc. </a:t>
-            </a:r>
-          </a:p>
-        </p:txBody>
-      </p:sp>
+              <a:t>Examples of queries ran in Pg admin</a:t>
+            </a:r>
+          </a:p>
+          <a:p>
+            <a:endParaRPr lang="en-CA" dirty="0"/>
+          </a:p>
+        </p:txBody>
+      </p:sp>
+      <p:pic>
+        <p:nvPicPr>
+          <p:cNvPr id="7" name="Picture 6">
+            <a:extLst>
+              <a:ext uri="{FF2B5EF4-FFF2-40B4-BE49-F238E27FC236}">
+                <a16:creationId xmlns:a16="http://schemas.microsoft.com/office/drawing/2014/main" id="{C085D351-828A-FB57-8656-AC5834638893}"/>
+              </a:ext>
+            </a:extLst>
+          </p:cNvPr>
+          <p:cNvPicPr>
+            <a:picLocks noChangeAspect="1"/>
+          </p:cNvPicPr>
+          <p:nvPr/>
+        </p:nvPicPr>
+        <p:blipFill>
+          <a:blip r:embed="rId2"/>
+          <a:stretch>
+            <a:fillRect/>
+          </a:stretch>
+        </p:blipFill>
+        <p:spPr>
+          <a:xfrm>
+            <a:off x="950243" y="2498113"/>
+            <a:ext cx="5540220" cy="3880773"/>
+          </a:xfrm>
+          <a:prstGeom prst="rect">
+            <a:avLst/>
+          </a:prstGeom>
+        </p:spPr>
+      </p:pic>
+      <p:pic>
+        <p:nvPicPr>
+          <p:cNvPr id="9" name="Picture 8">
+            <a:extLst>
+              <a:ext uri="{FF2B5EF4-FFF2-40B4-BE49-F238E27FC236}">
+                <a16:creationId xmlns:a16="http://schemas.microsoft.com/office/drawing/2014/main" id="{5CE6BBB2-8629-948A-9EE1-44F5BD91E6F2}"/>
+              </a:ext>
+            </a:extLst>
+          </p:cNvPr>
+          <p:cNvPicPr>
+            <a:picLocks noChangeAspect="1"/>
+          </p:cNvPicPr>
+          <p:nvPr/>
+        </p:nvPicPr>
+        <p:blipFill>
+          <a:blip r:embed="rId3"/>
+          <a:stretch>
+            <a:fillRect/>
+          </a:stretch>
+        </p:blipFill>
+        <p:spPr>
+          <a:xfrm>
+            <a:off x="6178219" y="1928929"/>
+            <a:ext cx="5913632" cy="4319471"/>
+          </a:xfrm>
+          <a:prstGeom prst="rect">
+            <a:avLst/>
+          </a:prstGeom>
+        </p:spPr>
+      </p:pic>
     </p:spTree>
     <p:extLst>
       <p:ext uri="{BB962C8B-B14F-4D97-AF65-F5344CB8AC3E}">
-        <p14:creationId xmlns:p14="http://schemas.microsoft.com/office/powerpoint/2010/main" val="3668116501"/>
+        <p14:creationId xmlns:p14="http://schemas.microsoft.com/office/powerpoint/2010/main" val="1411642111"/>
       </p:ext>
     </p:extLst>
   </p:cSld>
@@ -28893,11 +28938,11 @@
           <a:p>
             <a:r>
               <a:rPr lang="en-CA" dirty="0"/>
-              <a:t>5.1 </a:t>
+              <a:t>5. </a:t>
             </a:r>
             <a:r>
               <a:rPr lang="en-CA" u="sng" dirty="0"/>
-              <a:t>Visualizing Reports and Telling Stories Using Tableau – in action </a:t>
+              <a:t>Visualizing Reports and Telling Stories Using Tableau  </a:t>
             </a:r>
           </a:p>
         </p:txBody>
@@ -28920,70 +28965,42 @@
         </p:nvSpPr>
         <p:spPr/>
         <p:txBody>
-          <a:bodyPr/>
+          <a:bodyPr>
+            <a:normAutofit/>
+          </a:bodyPr>
           <a:lstStyle/>
           <a:p>
             <a:r>
               <a:rPr lang="en-CA" dirty="0"/>
-              <a:t>We have created following dashboard to visualize performance of the store</a:t>
-            </a:r>
-          </a:p>
-          <a:p>
-            <a:pPr lvl="1"/>
+              <a:t>The database created in SQL (Pg Admin) is used to visualize information in Tableau.</a:t>
+            </a:r>
+          </a:p>
+          <a:p>
             <a:r>
               <a:rPr lang="en-CA" dirty="0"/>
-              <a:t>Distribution of sales over various geographical area displaying in a world map</a:t>
-            </a:r>
-          </a:p>
-          <a:p>
-            <a:pPr lvl="1"/>
+              <a:t>Based on various reports visualized, we will create a story, explaining facts about the  superstore </a:t>
+            </a:r>
+            <a:r>
+              <a:rPr lang="en-CA" dirty="0" err="1"/>
+              <a:t>i.e</a:t>
+            </a:r>
             <a:r>
               <a:rPr lang="en-CA" dirty="0"/>
-              <a:t>Ship mode vs order priority</a:t>
-            </a:r>
-          </a:p>
-          <a:p>
-            <a:pPr lvl="1"/>
+              <a:t> displaying  revenue growth over time, customer profit analysis, distribution of revenue over various geographical locations etc.</a:t>
+            </a:r>
+          </a:p>
+          <a:p>
             <a:r>
               <a:rPr lang="en-CA" dirty="0"/>
-              <a:t>Yearly sales of the main and subcategory</a:t>
-            </a:r>
-          </a:p>
-          <a:p>
-            <a:pPr lvl="1"/>
-            <a:r>
-              <a:rPr lang="en-CA" dirty="0"/>
-              <a:t>Sales per segment to know which segment is the highest contributor to total sales</a:t>
-            </a:r>
-          </a:p>
-          <a:p>
-            <a:pPr lvl="1"/>
-            <a:r>
-              <a:rPr lang="en-CA" dirty="0"/>
-              <a:t>Profit by market</a:t>
-            </a:r>
-          </a:p>
-          <a:p>
-            <a:pPr lvl="1"/>
-            <a:r>
-              <a:rPr lang="en-CA" dirty="0"/>
-              <a:t>Profit by category</a:t>
-            </a:r>
-          </a:p>
-          <a:p>
-            <a:pPr lvl="1"/>
-            <a:endParaRPr lang="en-CA" dirty="0"/>
-          </a:p>
-          <a:p>
-            <a:pPr lvl="1"/>
-            <a:endParaRPr lang="en-CA" dirty="0"/>
+              <a:t>Visualize sales over time to display trend to understand which months of the year we have higher sales and which months are characterized as  slow sales. This will help to plan stocking of  inventories to ensure we are not overstocking inventories when sales are slow and not understocking when sales are more during specific month of the year.</a:t>
+            </a:r>
           </a:p>
         </p:txBody>
       </p:sp>
     </p:spTree>
     <p:extLst>
       <p:ext uri="{BB962C8B-B14F-4D97-AF65-F5344CB8AC3E}">
-        <p14:creationId xmlns:p14="http://schemas.microsoft.com/office/powerpoint/2010/main" val="2736526499"/>
+        <p14:creationId xmlns:p14="http://schemas.microsoft.com/office/powerpoint/2010/main" val="3668116501"/>
       </p:ext>
     </p:extLst>
   </p:cSld>
@@ -29026,16 +29043,9 @@
             <p:ph type="title"/>
           </p:nvPr>
         </p:nvSpPr>
-        <p:spPr>
-          <a:xfrm>
-            <a:off x="677334" y="403412"/>
-            <a:ext cx="8596668" cy="1299882"/>
-          </a:xfrm>
-        </p:spPr>
-        <p:txBody>
-          <a:bodyPr>
-            <a:normAutofit/>
-          </a:bodyPr>
+        <p:spPr/>
+        <p:txBody>
+          <a:bodyPr/>
           <a:lstStyle/>
           <a:p>
             <a:r>
@@ -29065,62 +29075,79 @@
             <p:ph idx="1"/>
           </p:nvPr>
         </p:nvSpPr>
-        <p:spPr>
-          <a:xfrm>
-            <a:off x="677334" y="1703295"/>
-            <a:ext cx="8596668" cy="4338068"/>
-          </a:xfrm>
-        </p:spPr>
+        <p:spPr/>
         <p:txBody>
           <a:bodyPr/>
           <a:lstStyle/>
           <a:p>
+            <a:r>
+              <a:rPr lang="en-CA" dirty="0"/>
+              <a:t>We have created following dashboard to visualize performance of the store</a:t>
+            </a:r>
+          </a:p>
+          <a:p>
             <a:pPr lvl="1"/>
             <a:r>
               <a:rPr lang="en-CA" dirty="0"/>
-              <a:t>Sales distribution over various geographical area</a:t>
+              <a:t>Distribution of sales over various geographical area displaying in a world map</a:t>
+            </a:r>
+          </a:p>
+          <a:p>
+            <a:pPr lvl="1"/>
+            <a:r>
+              <a:rPr lang="en-CA" dirty="0"/>
+              <a:t>Profit by country</a:t>
+            </a:r>
+          </a:p>
+          <a:p>
+            <a:pPr lvl="1"/>
+            <a:r>
+              <a:rPr lang="en-CA" dirty="0"/>
+              <a:t>Sales by customer segment</a:t>
+            </a:r>
+          </a:p>
+          <a:p>
+            <a:pPr lvl="1"/>
+            <a:r>
+              <a:rPr lang="en-CA" dirty="0"/>
+              <a:t>Sale growth by year and month</a:t>
+            </a:r>
+          </a:p>
+          <a:p>
+            <a:pPr lvl="1"/>
+            <a:r>
+              <a:rPr lang="en-CA" dirty="0"/>
+              <a:t>Sales and profit by product</a:t>
+            </a:r>
+          </a:p>
+          <a:p>
+            <a:pPr lvl="1"/>
+            <a:r>
+              <a:rPr lang="en-CA" dirty="0"/>
+              <a:t>Profitability of the product</a:t>
+            </a:r>
+          </a:p>
+          <a:p>
+            <a:pPr lvl="1"/>
+            <a:r>
+              <a:rPr lang="en-CA" dirty="0"/>
+              <a:t>Profit by shipping method</a:t>
             </a:r>
           </a:p>
           <a:p>
             <a:pPr lvl="1"/>
             <a:endParaRPr lang="en-CA" dirty="0"/>
           </a:p>
-        </p:txBody>
-      </p:sp>
-      <p:pic>
-        <p:nvPicPr>
-          <p:cNvPr id="5" name="Picture 4">
-            <a:extLst>
-              <a:ext uri="{FF2B5EF4-FFF2-40B4-BE49-F238E27FC236}">
-                <a16:creationId xmlns:a16="http://schemas.microsoft.com/office/drawing/2014/main" id="{608788A8-BA7A-DC18-4DF3-ECED2871A4E2}"/>
-              </a:ext>
-            </a:extLst>
-          </p:cNvPr>
-          <p:cNvPicPr>
-            <a:picLocks noChangeAspect="1"/>
-          </p:cNvPicPr>
-          <p:nvPr/>
-        </p:nvPicPr>
-        <p:blipFill>
-          <a:blip r:embed="rId2"/>
-          <a:stretch>
-            <a:fillRect/>
-          </a:stretch>
-        </p:blipFill>
-        <p:spPr>
-          <a:xfrm>
-            <a:off x="677334" y="2097741"/>
-            <a:ext cx="8068236" cy="4446494"/>
-          </a:xfrm>
-          <a:prstGeom prst="rect">
-            <a:avLst/>
-          </a:prstGeom>
-        </p:spPr>
-      </p:pic>
+          <a:p>
+            <a:pPr lvl="1"/>
+            <a:endParaRPr lang="en-CA" dirty="0"/>
+          </a:p>
+        </p:txBody>
+      </p:sp>
     </p:spTree>
     <p:extLst>
       <p:ext uri="{BB962C8B-B14F-4D97-AF65-F5344CB8AC3E}">
-        <p14:creationId xmlns:p14="http://schemas.microsoft.com/office/powerpoint/2010/main" val="1925172585"/>
+        <p14:creationId xmlns:p14="http://schemas.microsoft.com/office/powerpoint/2010/main" val="2736526499"/>
       </p:ext>
     </p:extLst>
   </p:cSld>
@@ -29215,7 +29242,7 @@
             <a:pPr lvl="1"/>
             <a:r>
               <a:rPr lang="en-CA" dirty="0"/>
-              <a:t>Ship mode vs order priority</a:t>
+              <a:t>Sales distribution over various geographical area</a:t>
             </a:r>
           </a:p>
           <a:p>
@@ -29226,10 +29253,10 @@
       </p:sp>
       <p:pic>
         <p:nvPicPr>
-          <p:cNvPr id="6" name="Picture 5">
+          <p:cNvPr id="8" name="Picture 7">
             <a:extLst>
               <a:ext uri="{FF2B5EF4-FFF2-40B4-BE49-F238E27FC236}">
-                <a16:creationId xmlns:a16="http://schemas.microsoft.com/office/drawing/2014/main" id="{43D4F8EE-4BCD-E4EB-001C-DC85BA9F989D}"/>
+                <a16:creationId xmlns:a16="http://schemas.microsoft.com/office/drawing/2014/main" id="{2F9FE467-26BF-6464-4CCD-C10FABDB2F6B}"/>
               </a:ext>
             </a:extLst>
           </p:cNvPr>
@@ -29246,8 +29273,8 @@
         </p:blipFill>
         <p:spPr>
           <a:xfrm>
-            <a:off x="591672" y="2017059"/>
-            <a:ext cx="8543363" cy="4496976"/>
+            <a:off x="597106" y="1703294"/>
+            <a:ext cx="9007621" cy="5738357"/>
           </a:xfrm>
           <a:prstGeom prst="rect">
             <a:avLst/>
@@ -29257,7 +29284,7 @@
     </p:spTree>
     <p:extLst>
       <p:ext uri="{BB962C8B-B14F-4D97-AF65-F5344CB8AC3E}">
-        <p14:creationId xmlns:p14="http://schemas.microsoft.com/office/powerpoint/2010/main" val="3766314354"/>
+        <p14:creationId xmlns:p14="http://schemas.microsoft.com/office/powerpoint/2010/main" val="1925172585"/>
       </p:ext>
     </p:extLst>
   </p:cSld>
@@ -29302,13 +29329,13 @@
         </p:nvSpPr>
         <p:spPr>
           <a:xfrm>
-            <a:off x="677334" y="268942"/>
-            <a:ext cx="8596668" cy="887506"/>
+            <a:off x="677334" y="403412"/>
+            <a:ext cx="8596668" cy="1299882"/>
           </a:xfrm>
         </p:spPr>
         <p:txBody>
           <a:bodyPr>
-            <a:normAutofit fontScale="90000"/>
+            <a:normAutofit/>
           </a:bodyPr>
           <a:lstStyle/>
           <a:p>
@@ -29341,8 +29368,8 @@
         </p:nvSpPr>
         <p:spPr>
           <a:xfrm>
-            <a:off x="677334" y="1380564"/>
-            <a:ext cx="8596668" cy="4894729"/>
+            <a:off x="677334" y="1703295"/>
+            <a:ext cx="8596668" cy="4338068"/>
           </a:xfrm>
         </p:spPr>
         <p:txBody>
@@ -29352,7 +29379,7 @@
             <a:pPr lvl="1"/>
             <a:r>
               <a:rPr lang="en-CA" dirty="0"/>
-              <a:t>Yearly sales of the main and subcategory</a:t>
+              <a:t>Profit by countries</a:t>
             </a:r>
           </a:p>
           <a:p>
@@ -29366,7 +29393,7 @@
           <p:cNvPr id="5" name="Picture 4">
             <a:extLst>
               <a:ext uri="{FF2B5EF4-FFF2-40B4-BE49-F238E27FC236}">
-                <a16:creationId xmlns:a16="http://schemas.microsoft.com/office/drawing/2014/main" id="{9DA0E399-0CF1-889C-1849-2CC4E2736CC9}"/>
+                <a16:creationId xmlns:a16="http://schemas.microsoft.com/office/drawing/2014/main" id="{752A2F06-0325-97A2-D479-C75BF3E49C71}"/>
               </a:ext>
             </a:extLst>
           </p:cNvPr>
@@ -29383,8 +29410,8 @@
         </p:blipFill>
         <p:spPr>
           <a:xfrm>
-            <a:off x="466164" y="1785333"/>
-            <a:ext cx="9466730" cy="4803725"/>
+            <a:off x="677334" y="2120802"/>
+            <a:ext cx="8138865" cy="5700254"/>
           </a:xfrm>
           <a:prstGeom prst="rect">
             <a:avLst/>
@@ -29394,7 +29421,7 @@
     </p:spTree>
     <p:extLst>
       <p:ext uri="{BB962C8B-B14F-4D97-AF65-F5344CB8AC3E}">
-        <p14:creationId xmlns:p14="http://schemas.microsoft.com/office/powerpoint/2010/main" val="2636446346"/>
+        <p14:creationId xmlns:p14="http://schemas.microsoft.com/office/powerpoint/2010/main" val="3766314354"/>
       </p:ext>
     </p:extLst>
   </p:cSld>
@@ -29489,7 +29516,7 @@
             <a:pPr lvl="1"/>
             <a:r>
               <a:rPr lang="en-CA" dirty="0"/>
-              <a:t>Sale as per customer segment</a:t>
+              <a:t>Sales by customer segment</a:t>
             </a:r>
           </a:p>
           <a:p>
@@ -29503,7 +29530,7 @@
           <p:cNvPr id="6" name="Picture 5">
             <a:extLst>
               <a:ext uri="{FF2B5EF4-FFF2-40B4-BE49-F238E27FC236}">
-                <a16:creationId xmlns:a16="http://schemas.microsoft.com/office/drawing/2014/main" id="{7312EBB6-988A-1362-8998-6882C3A7D202}"/>
+                <a16:creationId xmlns:a16="http://schemas.microsoft.com/office/drawing/2014/main" id="{8F44A2F3-922E-CDEE-897B-183FB30A8F9A}"/>
               </a:ext>
             </a:extLst>
           </p:cNvPr>
@@ -29520,8 +29547,8 @@
         </p:blipFill>
         <p:spPr>
           <a:xfrm>
-            <a:off x="510989" y="1864658"/>
-            <a:ext cx="9188823" cy="4797497"/>
+            <a:off x="677897" y="1582893"/>
+            <a:ext cx="9138456" cy="6309907"/>
           </a:xfrm>
           <a:prstGeom prst="rect">
             <a:avLst/>
@@ -29531,7 +29558,7 @@
     </p:spTree>
     <p:extLst>
       <p:ext uri="{BB962C8B-B14F-4D97-AF65-F5344CB8AC3E}">
-        <p14:creationId xmlns:p14="http://schemas.microsoft.com/office/powerpoint/2010/main" val="3579558446"/>
+        <p14:creationId xmlns:p14="http://schemas.microsoft.com/office/powerpoint/2010/main" val="2636446346"/>
       </p:ext>
     </p:extLst>
   </p:cSld>
@@ -29626,7 +29653,7 @@
             <a:pPr lvl="1"/>
             <a:r>
               <a:rPr lang="en-CA" dirty="0"/>
-              <a:t>Profit  by category</a:t>
+              <a:t>Sales by product</a:t>
             </a:r>
           </a:p>
           <a:p>
@@ -29640,7 +29667,7 @@
           <p:cNvPr id="5" name="Picture 4">
             <a:extLst>
               <a:ext uri="{FF2B5EF4-FFF2-40B4-BE49-F238E27FC236}">
-                <a16:creationId xmlns:a16="http://schemas.microsoft.com/office/drawing/2014/main" id="{2E25FFA6-91EB-0EB6-6536-58214A06B02F}"/>
+                <a16:creationId xmlns:a16="http://schemas.microsoft.com/office/drawing/2014/main" id="{A667F4B0-ED02-1784-E3D5-DDF52581553B}"/>
               </a:ext>
             </a:extLst>
           </p:cNvPr>
@@ -29657,8 +29684,8 @@
         </p:blipFill>
         <p:spPr>
           <a:xfrm>
-            <a:off x="259976" y="1783911"/>
-            <a:ext cx="9395012" cy="3953565"/>
+            <a:off x="506246" y="1690772"/>
+            <a:ext cx="10197614" cy="4808637"/>
           </a:xfrm>
           <a:prstGeom prst="rect">
             <a:avLst/>
@@ -29668,7 +29695,7 @@
     </p:spTree>
     <p:extLst>
       <p:ext uri="{BB962C8B-B14F-4D97-AF65-F5344CB8AC3E}">
-        <p14:creationId xmlns:p14="http://schemas.microsoft.com/office/powerpoint/2010/main" val="1989127052"/>
+        <p14:creationId xmlns:p14="http://schemas.microsoft.com/office/powerpoint/2010/main" val="3579558446"/>
       </p:ext>
     </p:extLst>
   </p:cSld>
@@ -29700,7 +29727,7 @@
           <p:cNvPr id="2" name="Title 1">
             <a:extLst>
               <a:ext uri="{FF2B5EF4-FFF2-40B4-BE49-F238E27FC236}">
-                <a16:creationId xmlns:a16="http://schemas.microsoft.com/office/drawing/2014/main" id="{4990BC70-345E-936D-AE93-FA066936D0ED}"/>
+                <a16:creationId xmlns:a16="http://schemas.microsoft.com/office/drawing/2014/main" id="{D20E188C-A83F-3BD2-88B0-1E8F25A30CB6}"/>
               </a:ext>
             </a:extLst>
           </p:cNvPr>
@@ -29711,14 +29738,25 @@
             <p:ph type="title"/>
           </p:nvPr>
         </p:nvSpPr>
-        <p:spPr/>
-        <p:txBody>
-          <a:bodyPr/>
-          <a:lstStyle/>
-          <a:p>
+        <p:spPr>
+          <a:xfrm>
+            <a:off x="677334" y="268942"/>
+            <a:ext cx="8596668" cy="887506"/>
+          </a:xfrm>
+        </p:spPr>
+        <p:txBody>
+          <a:bodyPr>
+            <a:normAutofit fontScale="90000"/>
+          </a:bodyPr>
+          <a:lstStyle/>
+          <a:p>
+            <a:r>
+              <a:rPr lang="en-CA" dirty="0"/>
+              <a:t>5.1 </a:t>
+            </a:r>
             <a:r>
               <a:rPr lang="en-CA" u="sng" dirty="0"/>
-              <a:t>6. Using machine learning Model to Estimate Sales for the Future</a:t>
+              <a:t>Visualizing Reports and Telling Stories Using Tableau – in action </a:t>
             </a:r>
           </a:p>
         </p:txBody>
@@ -29728,7 +29766,7 @@
           <p:cNvPr id="3" name="Content Placeholder 2">
             <a:extLst>
               <a:ext uri="{FF2B5EF4-FFF2-40B4-BE49-F238E27FC236}">
-                <a16:creationId xmlns:a16="http://schemas.microsoft.com/office/drawing/2014/main" id="{0B2B2A4E-27BF-0367-2049-FB6B07042A55}"/>
+                <a16:creationId xmlns:a16="http://schemas.microsoft.com/office/drawing/2014/main" id="{C54C3E01-9804-02A3-B594-B90FEBF8DE39}"/>
               </a:ext>
             </a:extLst>
           </p:cNvPr>
@@ -29741,54 +29779,60 @@
         </p:nvSpPr>
         <p:spPr>
           <a:xfrm>
-            <a:off x="677334" y="2160589"/>
-            <a:ext cx="8596668" cy="4522313"/>
+            <a:off x="677334" y="1380564"/>
+            <a:ext cx="8596668" cy="4894729"/>
           </a:xfrm>
         </p:spPr>
         <p:txBody>
-          <a:bodyPr>
-            <a:normAutofit/>
-          </a:bodyPr>
-          <a:lstStyle/>
-          <a:p>
+          <a:bodyPr/>
+          <a:lstStyle/>
+          <a:p>
+            <a:pPr lvl="1"/>
             <a:r>
               <a:rPr lang="en-CA" dirty="0"/>
-              <a:t>After we get a clean data set and understanding in depth the business trend, we will move on to predict sales forecast for the future.</a:t>
-            </a:r>
-          </a:p>
-          <a:p>
-            <a:r>
-              <a:rPr lang="en-CA" dirty="0"/>
-              <a:t> Since data’s available for this project are continuous  and have labels, we will use supervised learning model to predict sales for the future.</a:t>
-            </a:r>
-          </a:p>
-          <a:p>
-            <a:r>
-              <a:rPr lang="en-CA" dirty="0"/>
-              <a:t>The most suitable model for this type of data set will be liner regression model. We will initiate a liner regression model to plot sales(y axis) over time(X axis) and get a line of best fit . We will implement our knowledge of liner regression from the weather forecast module where we tried to predict weather forecast.</a:t>
-            </a:r>
-          </a:p>
-          <a:p>
-            <a:r>
-              <a:rPr lang="en-CA" dirty="0"/>
-              <a:t>After we create a liner regression model, we will use scikit-learn tool to train and test the model and get the accuracy and F score of the mode.</a:t>
-            </a:r>
-          </a:p>
-          <a:p>
-            <a:r>
-              <a:rPr lang="en-CA" dirty="0"/>
-              <a:t>After we satisfy with the machine learning model, we will plot year and month in X axis to predict sales for the future. We will try this model to predict sales for each of the three customer segment separately.</a:t>
-            </a:r>
-          </a:p>
-          <a:p>
+              <a:t>Average profit % per product</a:t>
+            </a:r>
+          </a:p>
+          <a:p>
+            <a:pPr lvl="1"/>
             <a:endParaRPr lang="en-CA" dirty="0"/>
           </a:p>
         </p:txBody>
       </p:sp>
+      <p:pic>
+        <p:nvPicPr>
+          <p:cNvPr id="6" name="Picture 5">
+            <a:extLst>
+              <a:ext uri="{FF2B5EF4-FFF2-40B4-BE49-F238E27FC236}">
+                <a16:creationId xmlns:a16="http://schemas.microsoft.com/office/drawing/2014/main" id="{525200FE-D1B2-7285-4CB0-8245D2F533CF}"/>
+              </a:ext>
+            </a:extLst>
+          </p:cNvPr>
+          <p:cNvPicPr>
+            <a:picLocks noChangeAspect="1"/>
+          </p:cNvPicPr>
+          <p:nvPr/>
+        </p:nvPicPr>
+        <p:blipFill>
+          <a:blip r:embed="rId2"/>
+          <a:stretch>
+            <a:fillRect/>
+          </a:stretch>
+        </p:blipFill>
+        <p:spPr>
+          <a:xfrm>
+            <a:off x="337744" y="1515497"/>
+            <a:ext cx="10386960" cy="4983912"/>
+          </a:xfrm>
+          <a:prstGeom prst="rect">
+            <a:avLst/>
+          </a:prstGeom>
+        </p:spPr>
+      </p:pic>
     </p:spTree>
     <p:extLst>
       <p:ext uri="{BB962C8B-B14F-4D97-AF65-F5344CB8AC3E}">
-        <p14:creationId xmlns:p14="http://schemas.microsoft.com/office/powerpoint/2010/main" val="1156367626"/>
+        <p14:creationId xmlns:p14="http://schemas.microsoft.com/office/powerpoint/2010/main" val="1989127052"/>
       </p:ext>
     </p:extLst>
   </p:cSld>
@@ -29838,7 +29882,7 @@
           <a:p>
             <a:r>
               <a:rPr lang="en-CA" u="sng" dirty="0"/>
-              <a:t>6.1 Using machine learning Model to Estimate Sales for the Future- In action</a:t>
+              <a:t>6. Using machine learning Model to Estimate Sales for the Future</a:t>
             </a:r>
           </a:p>
         </p:txBody>
@@ -29873,48 +29917,42 @@
           <a:p>
             <a:r>
               <a:rPr lang="en-CA" dirty="0"/>
-              <a:t>We have chosen US as country to initiate machine learning to forecast sales, profit and volume using various machine learning models</a:t>
+              <a:t>After we get a clean data set and understanding in depth the business trend, we will move on to predict sales forecast for the future.</a:t>
             </a:r>
           </a:p>
           <a:p>
             <a:r>
               <a:rPr lang="en-CA" dirty="0"/>
-              <a:t>The choice made to select US due to the fact that it was around 10K rows and sales and profit is substantially higher than other countries</a:t>
+              <a:t> Since data’s available for this project are discrete  and have labels, we will use supervised learning model to predict sales for the future.</a:t>
             </a:r>
           </a:p>
           <a:p>
             <a:r>
               <a:rPr lang="en-CA" dirty="0"/>
-              <a:t>We have tried following machine learning models to select model which provide maximum accuracy.</a:t>
-            </a:r>
-          </a:p>
-          <a:p>
-            <a:pPr lvl="1"/>
+              <a:t>The most suitable model for this type of data set will be multiple liner regression model. We will initiate a liner regression model to plot sales(y axis) over time(X axis) and get a line of best fit </a:t>
+            </a:r>
+          </a:p>
+          <a:p>
             <a:r>
               <a:rPr lang="en-CA" dirty="0"/>
-              <a:t>Multiclass classification model</a:t>
-            </a:r>
-          </a:p>
-          <a:p>
-            <a:pPr lvl="1"/>
+              <a:t>After we create a multiple liner regression model, we will use scikit-learn tool to train and test the model and get the accuracy of the mode.</a:t>
+            </a:r>
+          </a:p>
+          <a:p>
             <a:r>
               <a:rPr lang="en-CA" dirty="0"/>
-              <a:t>Multiple regression model and</a:t>
-            </a:r>
-          </a:p>
-          <a:p>
-            <a:pPr lvl="1"/>
-            <a:r>
-              <a:rPr lang="en-CA" dirty="0"/>
-              <a:t>Random forest model</a:t>
-            </a:r>
+              <a:t>After we satisfy with the machine learning model, we will link the model via flask and create a front end view using java script to enable user to input values to get the prediction of sales.</a:t>
+            </a:r>
+          </a:p>
+          <a:p>
+            <a:endParaRPr lang="en-CA" dirty="0"/>
           </a:p>
         </p:txBody>
       </p:sp>
     </p:spTree>
     <p:extLst>
       <p:ext uri="{BB962C8B-B14F-4D97-AF65-F5344CB8AC3E}">
-        <p14:creationId xmlns:p14="http://schemas.microsoft.com/office/powerpoint/2010/main" val="1221926531"/>
+        <p14:creationId xmlns:p14="http://schemas.microsoft.com/office/powerpoint/2010/main" val="1156367626"/>
       </p:ext>
     </p:extLst>
   </p:cSld>
@@ -29964,7 +30002,7 @@
           <a:p>
             <a:r>
               <a:rPr lang="en-CA" u="sng" dirty="0"/>
-              <a:t>Conclusion</a:t>
+              <a:t>6.1 Using machine learning Model to Estimate Sales for the Future- In action</a:t>
             </a:r>
           </a:p>
         </p:txBody>
@@ -29999,19 +30037,49 @@
           <a:p>
             <a:r>
               <a:rPr lang="en-CA" dirty="0"/>
-              <a:t>This presentation serve a frame work for the project and guide team members to follow steps in order to achieve the milestones.</a:t>
+              <a:t>The clean data set generated in Pg admin is used to crate a machine learning model.</a:t>
             </a:r>
           </a:p>
           <a:p>
             <a:r>
               <a:rPr lang="en-CA" dirty="0"/>
-              <a:t>We will insert slides after we achieve each milestone to display outcome of the exercise.</a:t>
-            </a:r>
-          </a:p>
-          <a:p>
+              <a:t>We have tried following machine learning models to select model which provide maximum accuracy.</a:t>
+            </a:r>
+          </a:p>
+          <a:p>
+            <a:pPr lvl="1"/>
             <a:r>
               <a:rPr lang="en-CA" dirty="0"/>
-              <a:t>………………………………….nothing follows------------------------------------------</a:t>
+              <a:t>Multiclass classification model</a:t>
+            </a:r>
+          </a:p>
+          <a:p>
+            <a:pPr lvl="1"/>
+            <a:r>
+              <a:rPr lang="en-CA" dirty="0"/>
+              <a:t>Multiple regression model and</a:t>
+            </a:r>
+          </a:p>
+          <a:p>
+            <a:pPr lvl="1"/>
+            <a:r>
+              <a:rPr lang="en-CA" dirty="0"/>
+              <a:t>Random forest model</a:t>
+            </a:r>
+          </a:p>
+          <a:p>
+            <a:pPr marL="457200" lvl="1" indent="0">
+              <a:buNone/>
+            </a:pPr>
+            <a:endParaRPr lang="en-CA" dirty="0"/>
+          </a:p>
+          <a:p>
+            <a:pPr marL="457200" lvl="1" indent="0">
+              <a:buNone/>
+            </a:pPr>
+            <a:r>
+              <a:rPr lang="en-CA" dirty="0"/>
+              <a:t>After trying all the models mentioned above, we have found multiple regression model as the best model to predict sales as it give accuracy of 78%.</a:t>
             </a:r>
           </a:p>
         </p:txBody>
@@ -30019,7 +30087,7 @@
     </p:spTree>
     <p:extLst>
       <p:ext uri="{BB962C8B-B14F-4D97-AF65-F5344CB8AC3E}">
-        <p14:creationId xmlns:p14="http://schemas.microsoft.com/office/powerpoint/2010/main" val="3429131181"/>
+        <p14:creationId xmlns:p14="http://schemas.microsoft.com/office/powerpoint/2010/main" val="1221926531"/>
       </p:ext>
     </p:extLst>
   </p:cSld>
@@ -30172,7 +30240,7 @@
                 <a:latin typeface="Times New Roman" panose="02020603050405020304" pitchFamily="18" charset="0"/>
                 <a:cs typeface="Times New Roman" panose="02020603050405020304" pitchFamily="18" charset="0"/>
               </a:rPr>
-              <a:t>Using Linear Regression Model to Estimate Sales for the Future</a:t>
+              <a:t>Using Multiple Linear Regression Model to estimate sales for the future</a:t>
             </a:r>
           </a:p>
         </p:txBody>
@@ -30181,6 +30249,240 @@
     <p:extLst>
       <p:ext uri="{BB962C8B-B14F-4D97-AF65-F5344CB8AC3E}">
         <p14:creationId xmlns:p14="http://schemas.microsoft.com/office/powerpoint/2010/main" val="3042656353"/>
+      </p:ext>
+    </p:extLst>
+  </p:cSld>
+  <p:clrMapOvr>
+    <a:masterClrMapping/>
+  </p:clrMapOvr>
+</p:sld>
+</file>
+
+<file path=ppt/slides/slide20.xml><?xml version="1.0" encoding="utf-8"?>
+<p:sld xmlns:a="http://schemas.openxmlformats.org/drawingml/2006/main" xmlns:r="http://schemas.openxmlformats.org/officeDocument/2006/relationships" xmlns:p="http://schemas.openxmlformats.org/presentationml/2006/main">
+  <p:cSld>
+    <p:spTree>
+      <p:nvGrpSpPr>
+        <p:cNvPr id="1" name=""/>
+        <p:cNvGrpSpPr/>
+        <p:nvPr/>
+      </p:nvGrpSpPr>
+      <p:grpSpPr>
+        <a:xfrm>
+          <a:off x="0" y="0"/>
+          <a:ext cx="0" cy="0"/>
+          <a:chOff x="0" y="0"/>
+          <a:chExt cx="0" cy="0"/>
+        </a:xfrm>
+      </p:grpSpPr>
+      <p:sp>
+        <p:nvSpPr>
+          <p:cNvPr id="2" name="Title 1">
+            <a:extLst>
+              <a:ext uri="{FF2B5EF4-FFF2-40B4-BE49-F238E27FC236}">
+                <a16:creationId xmlns:a16="http://schemas.microsoft.com/office/drawing/2014/main" id="{4990BC70-345E-936D-AE93-FA066936D0ED}"/>
+              </a:ext>
+            </a:extLst>
+          </p:cNvPr>
+          <p:cNvSpPr>
+            <a:spLocks noGrp="1"/>
+          </p:cNvSpPr>
+          <p:nvPr>
+            <p:ph type="title"/>
+          </p:nvPr>
+        </p:nvSpPr>
+        <p:spPr/>
+        <p:txBody>
+          <a:bodyPr/>
+          <a:lstStyle/>
+          <a:p>
+            <a:r>
+              <a:rPr lang="en-CA" u="sng" dirty="0"/>
+              <a:t>6.1 Using machine learning Model to Estimate Sales for the Future- In action</a:t>
+            </a:r>
+          </a:p>
+        </p:txBody>
+      </p:sp>
+      <p:sp>
+        <p:nvSpPr>
+          <p:cNvPr id="3" name="Content Placeholder 2">
+            <a:extLst>
+              <a:ext uri="{FF2B5EF4-FFF2-40B4-BE49-F238E27FC236}">
+                <a16:creationId xmlns:a16="http://schemas.microsoft.com/office/drawing/2014/main" id="{0B2B2A4E-27BF-0367-2049-FB6B07042A55}"/>
+              </a:ext>
+            </a:extLst>
+          </p:cNvPr>
+          <p:cNvSpPr>
+            <a:spLocks noGrp="1"/>
+          </p:cNvSpPr>
+          <p:nvPr>
+            <p:ph idx="1"/>
+          </p:nvPr>
+        </p:nvSpPr>
+        <p:spPr>
+          <a:xfrm>
+            <a:off x="677334" y="1930401"/>
+            <a:ext cx="8596668" cy="4752502"/>
+          </a:xfrm>
+        </p:spPr>
+        <p:txBody>
+          <a:bodyPr>
+            <a:normAutofit/>
+          </a:bodyPr>
+          <a:lstStyle/>
+          <a:p>
+            <a:r>
+              <a:rPr lang="en-CA" dirty="0"/>
+              <a:t>The screen shot of the model with 79% accuracy</a:t>
+            </a:r>
+          </a:p>
+          <a:p>
+            <a:endParaRPr lang="en-CA" dirty="0"/>
+          </a:p>
+          <a:p>
+            <a:endParaRPr lang="en-CA" dirty="0"/>
+          </a:p>
+        </p:txBody>
+      </p:sp>
+      <p:pic>
+        <p:nvPicPr>
+          <p:cNvPr id="5" name="Picture 4">
+            <a:extLst>
+              <a:ext uri="{FF2B5EF4-FFF2-40B4-BE49-F238E27FC236}">
+                <a16:creationId xmlns:a16="http://schemas.microsoft.com/office/drawing/2014/main" id="{3C6B9909-08A4-BEC0-340E-9F06B3D45261}"/>
+              </a:ext>
+            </a:extLst>
+          </p:cNvPr>
+          <p:cNvPicPr>
+            <a:picLocks noChangeAspect="1"/>
+          </p:cNvPicPr>
+          <p:nvPr/>
+        </p:nvPicPr>
+        <p:blipFill>
+          <a:blip r:embed="rId2"/>
+          <a:stretch>
+            <a:fillRect/>
+          </a:stretch>
+        </p:blipFill>
+        <p:spPr>
+          <a:xfrm>
+            <a:off x="892592" y="2214283"/>
+            <a:ext cx="7749384" cy="4285130"/>
+          </a:xfrm>
+          <a:prstGeom prst="rect">
+            <a:avLst/>
+          </a:prstGeom>
+        </p:spPr>
+      </p:pic>
+    </p:spTree>
+    <p:extLst>
+      <p:ext uri="{BB962C8B-B14F-4D97-AF65-F5344CB8AC3E}">
+        <p14:creationId xmlns:p14="http://schemas.microsoft.com/office/powerpoint/2010/main" val="2424576708"/>
+      </p:ext>
+    </p:extLst>
+  </p:cSld>
+  <p:clrMapOvr>
+    <a:masterClrMapping/>
+  </p:clrMapOvr>
+</p:sld>
+</file>
+
+<file path=ppt/slides/slide21.xml><?xml version="1.0" encoding="utf-8"?>
+<p:sld xmlns:a="http://schemas.openxmlformats.org/drawingml/2006/main" xmlns:r="http://schemas.openxmlformats.org/officeDocument/2006/relationships" xmlns:p="http://schemas.openxmlformats.org/presentationml/2006/main">
+  <p:cSld>
+    <p:spTree>
+      <p:nvGrpSpPr>
+        <p:cNvPr id="1" name=""/>
+        <p:cNvGrpSpPr/>
+        <p:nvPr/>
+      </p:nvGrpSpPr>
+      <p:grpSpPr>
+        <a:xfrm>
+          <a:off x="0" y="0"/>
+          <a:ext cx="0" cy="0"/>
+          <a:chOff x="0" y="0"/>
+          <a:chExt cx="0" cy="0"/>
+        </a:xfrm>
+      </p:grpSpPr>
+      <p:sp>
+        <p:nvSpPr>
+          <p:cNvPr id="2" name="Title 1">
+            <a:extLst>
+              <a:ext uri="{FF2B5EF4-FFF2-40B4-BE49-F238E27FC236}">
+                <a16:creationId xmlns:a16="http://schemas.microsoft.com/office/drawing/2014/main" id="{4990BC70-345E-936D-AE93-FA066936D0ED}"/>
+              </a:ext>
+            </a:extLst>
+          </p:cNvPr>
+          <p:cNvSpPr>
+            <a:spLocks noGrp="1"/>
+          </p:cNvSpPr>
+          <p:nvPr>
+            <p:ph type="title"/>
+          </p:nvPr>
+        </p:nvSpPr>
+        <p:spPr/>
+        <p:txBody>
+          <a:bodyPr/>
+          <a:lstStyle/>
+          <a:p>
+            <a:r>
+              <a:rPr lang="en-CA" u="sng" dirty="0"/>
+              <a:t>Conclusion</a:t>
+            </a:r>
+          </a:p>
+        </p:txBody>
+      </p:sp>
+      <p:sp>
+        <p:nvSpPr>
+          <p:cNvPr id="3" name="Content Placeholder 2">
+            <a:extLst>
+              <a:ext uri="{FF2B5EF4-FFF2-40B4-BE49-F238E27FC236}">
+                <a16:creationId xmlns:a16="http://schemas.microsoft.com/office/drawing/2014/main" id="{0B2B2A4E-27BF-0367-2049-FB6B07042A55}"/>
+              </a:ext>
+            </a:extLst>
+          </p:cNvPr>
+          <p:cNvSpPr>
+            <a:spLocks noGrp="1"/>
+          </p:cNvSpPr>
+          <p:nvPr>
+            <p:ph idx="1"/>
+          </p:nvPr>
+        </p:nvSpPr>
+        <p:spPr>
+          <a:xfrm>
+            <a:off x="677334" y="2160589"/>
+            <a:ext cx="8596668" cy="4522313"/>
+          </a:xfrm>
+        </p:spPr>
+        <p:txBody>
+          <a:bodyPr>
+            <a:normAutofit/>
+          </a:bodyPr>
+          <a:lstStyle/>
+          <a:p>
+            <a:r>
+              <a:rPr lang="en-CA" dirty="0"/>
+              <a:t>This presentation serve a frame work for the project and guide team members to follow steps in order to achieve the milestones.</a:t>
+            </a:r>
+          </a:p>
+          <a:p>
+            <a:r>
+              <a:rPr lang="en-CA" dirty="0"/>
+              <a:t>We will insert slides after we achieve each milestone to display outcome of the exercise.</a:t>
+            </a:r>
+          </a:p>
+          <a:p>
+            <a:r>
+              <a:rPr lang="en-CA" dirty="0"/>
+              <a:t>………………………………….nothing follows------------------------------------------</a:t>
+            </a:r>
+          </a:p>
+        </p:txBody>
+      </p:sp>
+    </p:spTree>
+    <p:extLst>
+      <p:ext uri="{BB962C8B-B14F-4D97-AF65-F5344CB8AC3E}">
+        <p14:creationId xmlns:p14="http://schemas.microsoft.com/office/powerpoint/2010/main" val="3429131181"/>
       </p:ext>
     </p:extLst>
   </p:cSld>
@@ -30271,7 +30573,7 @@
             </a:pPr>
             <a:r>
               <a:rPr lang="en-CA" dirty="0"/>
-              <a:t>This project is about a retail store which has branches in various countries. The products are primarily furniture's, office supplies and appliances. The customers are broadly classified into three main categories </a:t>
+              <a:t>This project is about a retail store which sales products all over the world. The products are primarily furniture's, office supplies and appliances. The customers are broadly classified into three main categories </a:t>
             </a:r>
             <a:r>
               <a:rPr lang="en-CA" dirty="0" err="1"/>
@@ -30297,7 +30599,7 @@
             </a:pPr>
             <a:r>
               <a:rPr lang="en-CA" dirty="0"/>
-              <a:t>The main objective of the project is to forecast sales and profit for the future based on last four years data using supervised machine learning, linear regression model to be more specific.</a:t>
+              <a:t>The main objective of the project is to forecast sales and profit for the future based on last four years data using supervised machine learning, multiple linear regression model to be more specific.</a:t>
             </a:r>
           </a:p>
         </p:txBody>
@@ -30386,7 +30688,12 @@
             <p:ph idx="1"/>
           </p:nvPr>
         </p:nvSpPr>
-        <p:spPr/>
+        <p:spPr>
+          <a:xfrm>
+            <a:off x="677334" y="1470213"/>
+            <a:ext cx="8596668" cy="4571150"/>
+          </a:xfrm>
+        </p:spPr>
         <p:txBody>
           <a:bodyPr/>
           <a:lstStyle/>
@@ -30399,26 +30706,62 @@
           <a:p>
             <a:r>
               <a:rPr lang="en-CA" dirty="0"/>
+              <a:t>The link to the data sources : https://www.kaggle.com/datasets/jr2ngb/superstore-data/code</a:t>
+            </a:r>
+          </a:p>
+          <a:p>
+            <a:r>
+              <a:rPr lang="en-CA" dirty="0"/>
               <a:t>Data set contains 24 columns and around 52K rows in flat file(csv).</a:t>
             </a:r>
           </a:p>
           <a:p>
             <a:r>
               <a:rPr lang="en-CA" dirty="0"/>
-              <a:t>The data points contains four years of sales and profit information which can be used to plot regression line and use supervised machine learning to create a model.</a:t>
-            </a:r>
-          </a:p>
-          <a:p>
-            <a:r>
-              <a:rPr lang="en-CA" dirty="0"/>
-              <a:t>The machine learning model created can give the sales and profit forecast for the future period (y axis) when we put year and month in the X axis ( independent variable)</a:t>
-            </a:r>
-          </a:p>
-          <a:p>
+              <a:t>The data downloaded from Kaggle is stored in AWS cloud in order to facilitate retrieval of data by all team members. Screen shot of connection to AWS.</a:t>
+            </a:r>
+          </a:p>
+          <a:p>
+            <a:pPr marL="0" indent="0">
+              <a:buNone/>
+            </a:pPr>
             <a:endParaRPr lang="en-CA" dirty="0"/>
           </a:p>
-        </p:txBody>
-      </p:sp>
+          <a:p>
+            <a:endParaRPr lang="en-CA" dirty="0"/>
+          </a:p>
+        </p:txBody>
+      </p:sp>
+      <p:pic>
+        <p:nvPicPr>
+          <p:cNvPr id="5" name="Picture 4">
+            <a:extLst>
+              <a:ext uri="{FF2B5EF4-FFF2-40B4-BE49-F238E27FC236}">
+                <a16:creationId xmlns:a16="http://schemas.microsoft.com/office/drawing/2014/main" id="{D7B0EAE7-D388-371C-BA31-1EEFD0AD4DB1}"/>
+              </a:ext>
+            </a:extLst>
+          </p:cNvPr>
+          <p:cNvPicPr>
+            <a:picLocks noChangeAspect="1"/>
+          </p:cNvPicPr>
+          <p:nvPr/>
+        </p:nvPicPr>
+        <p:blipFill>
+          <a:blip r:embed="rId2"/>
+          <a:stretch>
+            <a:fillRect/>
+          </a:stretch>
+        </p:blipFill>
+        <p:spPr>
+          <a:xfrm>
+            <a:off x="769229" y="3551461"/>
+            <a:ext cx="8596668" cy="3109315"/>
+          </a:xfrm>
+          <a:prstGeom prst="rect">
+            <a:avLst/>
+          </a:prstGeom>
+        </p:spPr>
+      </p:pic>
     </p:spTree>
     <p:extLst>
       <p:ext uri="{BB962C8B-B14F-4D97-AF65-F5344CB8AC3E}">
@@ -30667,7 +31010,7 @@
             <a:pPr lvl="1"/>
             <a:r>
               <a:rPr lang="en-CA" dirty="0"/>
-              <a:t>We have done the following  to clean the data set and added few new columns relevant for the analysis; We have used </a:t>
+              <a:t>We have done following  to clean the data set and added few columns relevant for the analysis; We have used </a:t>
             </a:r>
             <a:r>
               <a:rPr lang="en-CA" dirty="0" err="1"/>
@@ -30721,11 +31064,10 @@
             </a:r>
           </a:p>
           <a:p>
-            <a:pPr lvl="2"/>
-            <a:r>
-              <a:rPr lang="en-CA" dirty="0"/>
-              <a:t>After cleaning the data, we have saved the data frame as sales.csv</a:t>
-            </a:r>
+            <a:pPr marL="914400" lvl="2" indent="0">
+              <a:buNone/>
+            </a:pPr>
+            <a:endParaRPr lang="en-CA" dirty="0"/>
           </a:p>
           <a:p>
             <a:pPr lvl="2"/>
@@ -30832,33 +31174,62 @@
           <a:p>
             <a:r>
               <a:rPr lang="en-CA" dirty="0"/>
-              <a:t>After cleaning the data set, we will create a data base in Pg Admin .</a:t>
-            </a:r>
-          </a:p>
-          <a:p>
+              <a:t>We have established a link between </a:t>
+            </a:r>
+            <a:r>
+              <a:rPr lang="en-CA" dirty="0" err="1"/>
+              <a:t>Jupyter</a:t>
+            </a:r>
             <a:r>
               <a:rPr lang="en-CA" dirty="0"/>
-              <a:t>A ERD diagram will be created to showing relationship between tables.</a:t>
+              <a:t> notebook and Pg admin to create a provisional database.</a:t>
             </a:r>
           </a:p>
           <a:p>
             <a:r>
               <a:rPr lang="en-CA" dirty="0"/>
-              <a:t>We will be creating , address table, product </a:t>
+              <a:t>A table created in Pg admin to import cleaned data frame  from </a:t>
             </a:r>
             <a:r>
               <a:rPr lang="en-CA" dirty="0" err="1"/>
-              <a:t>table,order</a:t>
+              <a:t>Jupyter</a:t>
             </a:r>
             <a:r>
               <a:rPr lang="en-CA" dirty="0"/>
-              <a:t> ID table and category table.</a:t>
+              <a:t> notebook to Pg admin</a:t>
             </a:r>
           </a:p>
           <a:p>
             <a:r>
               <a:rPr lang="en-CA" dirty="0"/>
-              <a:t>After creating a tables, we will run a query to generate various reports like top 10 profitable products, top performing countries, profitability of shipping method vis a vis order priority etc.</a:t>
+              <a:t>We have created queries in Pg admin to get information's like, total sales and profit by countries, total sales year on year, impact on profit if product sold without discount, top 10 profitable products </a:t>
+            </a:r>
+            <a:r>
+              <a:rPr lang="en-CA" dirty="0" err="1"/>
+              <a:t>etc</a:t>
+            </a:r>
+            <a:endParaRPr lang="en-CA" dirty="0"/>
+          </a:p>
+          <a:p>
+            <a:r>
+              <a:rPr lang="en-CA" dirty="0"/>
+              <a:t>The cleaned data set in Pg admin is exported in csv format to visualize data in Tableau. We could have establish a connection from Pg admin to </a:t>
+            </a:r>
+            <a:r>
+              <a:rPr lang="en-CA" dirty="0" err="1"/>
+              <a:t>Tablaue</a:t>
+            </a:r>
+            <a:r>
+              <a:rPr lang="en-CA" dirty="0"/>
+              <a:t> if would have used paid version of </a:t>
+            </a:r>
+            <a:r>
+              <a:rPr lang="en-CA" dirty="0" err="1"/>
+              <a:t>Tablaue</a:t>
+            </a:r>
+            <a:r>
+              <a:rPr lang="en-CA" dirty="0"/>
+              <a:t>.</a:t>
             </a:r>
           </a:p>
           <a:p>
@@ -30957,57 +31328,52 @@
           <a:p>
             <a:r>
               <a:rPr lang="en-CA" dirty="0"/>
-              <a:t>We have created ERD for the data base and created following tables in PG admin</a:t>
-            </a:r>
-          </a:p>
-          <a:p>
-            <a:pPr lvl="1"/>
+              <a:t>A screen shot of connection from </a:t>
+            </a:r>
+            <a:r>
+              <a:rPr lang="en-CA" dirty="0" err="1"/>
+              <a:t>Jupyter</a:t>
+            </a:r>
             <a:r>
               <a:rPr lang="en-CA" dirty="0"/>
-              <a:t> Sales table- with order ID as primary key</a:t>
-            </a:r>
-          </a:p>
-          <a:p>
-            <a:pPr lvl="1"/>
-            <a:r>
-              <a:rPr lang="en-CA" dirty="0"/>
-              <a:t>country table with order ID as primary key</a:t>
-            </a:r>
-          </a:p>
-          <a:p>
-            <a:pPr lvl="1"/>
-            <a:r>
-              <a:rPr lang="en-CA" dirty="0"/>
-              <a:t>Category table</a:t>
-            </a:r>
-          </a:p>
-          <a:p>
-            <a:pPr lvl="1"/>
-            <a:r>
-              <a:rPr lang="en-CA" dirty="0"/>
-              <a:t>Year and month table </a:t>
-            </a:r>
-          </a:p>
-          <a:p>
-            <a:pPr lvl="1"/>
-            <a:r>
-              <a:rPr lang="en-CA" dirty="0"/>
-              <a:t>Discount and profit table</a:t>
-            </a:r>
-          </a:p>
-          <a:p>
-            <a:pPr lvl="1"/>
+              <a:t> note book to Pg admin </a:t>
+            </a:r>
+          </a:p>
+          <a:p>
             <a:endParaRPr lang="en-CA" dirty="0"/>
           </a:p>
-          <a:p>
-            <a:pPr lvl="1"/>
-            <a:r>
-              <a:rPr lang="en-CA" dirty="0"/>
-              <a:t>Below is the screen shot of the table created in PG Admin</a:t>
-            </a:r>
-          </a:p>
-        </p:txBody>
-      </p:sp>
+        </p:txBody>
+      </p:sp>
+      <p:pic>
+        <p:nvPicPr>
+          <p:cNvPr id="5" name="Picture 4">
+            <a:extLst>
+              <a:ext uri="{FF2B5EF4-FFF2-40B4-BE49-F238E27FC236}">
+                <a16:creationId xmlns:a16="http://schemas.microsoft.com/office/drawing/2014/main" id="{06A85165-3F87-2ED8-D1BC-BD37AA7B712E}"/>
+              </a:ext>
+            </a:extLst>
+          </p:cNvPr>
+          <p:cNvPicPr>
+            <a:picLocks noChangeAspect="1"/>
+          </p:cNvPicPr>
+          <p:nvPr/>
+        </p:nvPicPr>
+        <p:blipFill>
+          <a:blip r:embed="rId2"/>
+          <a:stretch>
+            <a:fillRect/>
+          </a:stretch>
+        </p:blipFill>
+        <p:spPr>
+          <a:xfrm>
+            <a:off x="757337" y="2554940"/>
+            <a:ext cx="7853277" cy="3370729"/>
+          </a:xfrm>
+          <a:prstGeom prst="rect">
+            <a:avLst/>
+          </a:prstGeom>
+        </p:spPr>
+      </p:pic>
     </p:spTree>
     <p:extLst>
       <p:ext uri="{BB962C8B-B14F-4D97-AF65-F5344CB8AC3E}">
@@ -31076,21 +31442,61 @@
           </a:p>
         </p:txBody>
       </p:sp>
+      <p:sp>
+        <p:nvSpPr>
+          <p:cNvPr id="3" name="Content Placeholder 2">
+            <a:extLst>
+              <a:ext uri="{FF2B5EF4-FFF2-40B4-BE49-F238E27FC236}">
+                <a16:creationId xmlns:a16="http://schemas.microsoft.com/office/drawing/2014/main" id="{C22897DC-4EE5-B30D-414D-E9EB4491194A}"/>
+              </a:ext>
+            </a:extLst>
+          </p:cNvPr>
+          <p:cNvSpPr>
+            <a:spLocks noGrp="1"/>
+          </p:cNvSpPr>
+          <p:nvPr>
+            <p:ph idx="1"/>
+          </p:nvPr>
+        </p:nvSpPr>
+        <p:spPr/>
+        <p:txBody>
+          <a:bodyPr/>
+          <a:lstStyle/>
+          <a:p>
+            <a:r>
+              <a:rPr lang="en-CA" dirty="0"/>
+              <a:t>A screen shot of data base created in Pg admin through engine created in </a:t>
+            </a:r>
+            <a:r>
+              <a:rPr lang="en-CA" dirty="0" err="1"/>
+              <a:t>Jupyter</a:t>
+            </a:r>
+            <a:r>
+              <a:rPr lang="en-CA" dirty="0"/>
+              <a:t> notebook</a:t>
+            </a:r>
+          </a:p>
+          <a:p>
+            <a:endParaRPr lang="en-CA" dirty="0"/>
+          </a:p>
+          <a:p>
+            <a:endParaRPr lang="en-CA" dirty="0"/>
+          </a:p>
+        </p:txBody>
+      </p:sp>
       <p:pic>
         <p:nvPicPr>
-          <p:cNvPr id="5" name="Content Placeholder 4">
+          <p:cNvPr id="6" name="Picture 5">
             <a:extLst>
               <a:ext uri="{FF2B5EF4-FFF2-40B4-BE49-F238E27FC236}">
-                <a16:creationId xmlns:a16="http://schemas.microsoft.com/office/drawing/2014/main" id="{7A01E128-FF12-B318-DF42-AB9C0DA01A00}"/>
+                <a16:creationId xmlns:a16="http://schemas.microsoft.com/office/drawing/2014/main" id="{FFC0EDD0-DEE9-C0A2-8BC6-CCEAB810B532}"/>
               </a:ext>
             </a:extLst>
           </p:cNvPr>
           <p:cNvPicPr>
-            <a:picLocks noGrp="1" noChangeAspect="1"/>
+            <a:picLocks noChangeAspect="1"/>
           </p:cNvPicPr>
-          <p:nvPr>
-            <p:ph idx="1"/>
-          </p:nvPr>
+          <p:nvPr/>
         </p:nvPicPr>
         <p:blipFill>
           <a:blip r:embed="rId2"/>
@@ -31100,15 +31506,18 @@
         </p:blipFill>
         <p:spPr>
           <a:xfrm>
-            <a:off x="134471" y="1434353"/>
-            <a:ext cx="10094258" cy="5360894"/>
+            <a:off x="677333" y="2764298"/>
+            <a:ext cx="9416925" cy="3959231"/>
           </a:xfrm>
+          <a:prstGeom prst="rect">
+            <a:avLst/>
+          </a:prstGeom>
         </p:spPr>
       </p:pic>
     </p:spTree>
     <p:extLst>
       <p:ext uri="{BB962C8B-B14F-4D97-AF65-F5344CB8AC3E}">
-        <p14:creationId xmlns:p14="http://schemas.microsoft.com/office/powerpoint/2010/main" val="1411642111"/>
+        <p14:creationId xmlns:p14="http://schemas.microsoft.com/office/powerpoint/2010/main" val="2960582330"/>
       </p:ext>
     </p:extLst>
   </p:cSld>
